--- a/Slide Bao Cao.pptx
+++ b/Slide Bao Cao.pptx
@@ -4,6 +4,9 @@
   <p:sldMasterIdLst>
     <p:sldMasterId id="2147483738" r:id="rId1"/>
   </p:sldMasterIdLst>
+  <p:notesMasterIdLst>
+    <p:notesMasterId r:id="rId21"/>
+  </p:notesMasterIdLst>
   <p:sldIdLst>
     <p:sldId id="256" r:id="rId2"/>
     <p:sldId id="261" r:id="rId3"/>
@@ -23,6 +26,7 @@
     <p:sldId id="273" r:id="rId17"/>
     <p:sldId id="274" r:id="rId18"/>
     <p:sldId id="275" r:id="rId19"/>
+    <p:sldId id="276" r:id="rId20"/>
   </p:sldIdLst>
   <p:sldSz cx="12192000" cy="6858000"/>
   <p:notesSz cx="6858000" cy="9144000"/>
@@ -129,6 +133,524 @@
 </p:presentation>
 </file>
 
+<file path=ppt/notesMasters/notesMaster1.xml><?xml version="1.0" encoding="utf-8"?>
+<p:notesMaster xmlns:a="http://schemas.openxmlformats.org/drawingml/2006/main" xmlns:r="http://schemas.openxmlformats.org/officeDocument/2006/relationships" xmlns:p="http://schemas.openxmlformats.org/presentationml/2006/main">
+  <p:cSld>
+    <p:bg>
+      <p:bgRef idx="1001">
+        <a:schemeClr val="bg1"/>
+      </p:bgRef>
+    </p:bg>
+    <p:spTree>
+      <p:nvGrpSpPr>
+        <p:cNvPr id="1" name=""/>
+        <p:cNvGrpSpPr/>
+        <p:nvPr/>
+      </p:nvGrpSpPr>
+      <p:grpSpPr>
+        <a:xfrm>
+          <a:off x="0" y="0"/>
+          <a:ext cx="0" cy="0"/>
+          <a:chOff x="0" y="0"/>
+          <a:chExt cx="0" cy="0"/>
+        </a:xfrm>
+      </p:grpSpPr>
+      <p:sp>
+        <p:nvSpPr>
+          <p:cNvPr id="2" name="Header Placeholder 1"/>
+          <p:cNvSpPr>
+            <a:spLocks noGrp="1"/>
+          </p:cNvSpPr>
+          <p:nvPr>
+            <p:ph type="hdr" sz="quarter"/>
+          </p:nvPr>
+        </p:nvSpPr>
+        <p:spPr>
+          <a:xfrm>
+            <a:off x="0" y="0"/>
+            <a:ext cx="2971800" cy="458788"/>
+          </a:xfrm>
+          <a:prstGeom prst="rect">
+            <a:avLst/>
+          </a:prstGeom>
+        </p:spPr>
+        <p:txBody>
+          <a:bodyPr vert="horz" lIns="91440" tIns="45720" rIns="91440" bIns="45720" rtlCol="0"/>
+          <a:lstStyle>
+            <a:lvl1pPr algn="l">
+              <a:defRPr sz="1200"/>
+            </a:lvl1pPr>
+          </a:lstStyle>
+          <a:p>
+            <a:endParaRPr lang="en-US"/>
+          </a:p>
+        </p:txBody>
+      </p:sp>
+      <p:sp>
+        <p:nvSpPr>
+          <p:cNvPr id="3" name="Date Placeholder 2"/>
+          <p:cNvSpPr>
+            <a:spLocks noGrp="1"/>
+          </p:cNvSpPr>
+          <p:nvPr>
+            <p:ph type="dt" idx="1"/>
+          </p:nvPr>
+        </p:nvSpPr>
+        <p:spPr>
+          <a:xfrm>
+            <a:off x="3884613" y="0"/>
+            <a:ext cx="2971800" cy="458788"/>
+          </a:xfrm>
+          <a:prstGeom prst="rect">
+            <a:avLst/>
+          </a:prstGeom>
+        </p:spPr>
+        <p:txBody>
+          <a:bodyPr vert="horz" lIns="91440" tIns="45720" rIns="91440" bIns="45720" rtlCol="0"/>
+          <a:lstStyle>
+            <a:lvl1pPr algn="r">
+              <a:defRPr sz="1200"/>
+            </a:lvl1pPr>
+          </a:lstStyle>
+          <a:p>
+            <a:fld id="{521A23EF-E100-4068-AE4C-9A43A42024E8}" type="datetimeFigureOut">
+              <a:rPr lang="en-US" smtClean="0"/>
+              <a:t>12/7/2017</a:t>
+            </a:fld>
+            <a:endParaRPr lang="en-US"/>
+          </a:p>
+        </p:txBody>
+      </p:sp>
+      <p:sp>
+        <p:nvSpPr>
+          <p:cNvPr id="4" name="Slide Image Placeholder 3"/>
+          <p:cNvSpPr>
+            <a:spLocks noGrp="1" noRot="1" noChangeAspect="1"/>
+          </p:cNvSpPr>
+          <p:nvPr>
+            <p:ph type="sldImg" idx="2"/>
+          </p:nvPr>
+        </p:nvSpPr>
+        <p:spPr>
+          <a:xfrm>
+            <a:off x="685800" y="1143000"/>
+            <a:ext cx="5486400" cy="3086100"/>
+          </a:xfrm>
+          <a:prstGeom prst="rect">
+            <a:avLst/>
+          </a:prstGeom>
+          <a:noFill/>
+          <a:ln w="12700">
+            <a:solidFill>
+              <a:prstClr val="black"/>
+            </a:solidFill>
+          </a:ln>
+        </p:spPr>
+        <p:txBody>
+          <a:bodyPr vert="horz" lIns="91440" tIns="45720" rIns="91440" bIns="45720" rtlCol="0" anchor="ctr"/>
+          <a:lstStyle/>
+          <a:p>
+            <a:endParaRPr lang="en-US"/>
+          </a:p>
+        </p:txBody>
+      </p:sp>
+      <p:sp>
+        <p:nvSpPr>
+          <p:cNvPr id="5" name="Notes Placeholder 4"/>
+          <p:cNvSpPr>
+            <a:spLocks noGrp="1"/>
+          </p:cNvSpPr>
+          <p:nvPr>
+            <p:ph type="body" sz="quarter" idx="3"/>
+          </p:nvPr>
+        </p:nvSpPr>
+        <p:spPr>
+          <a:xfrm>
+            <a:off x="685800" y="4400550"/>
+            <a:ext cx="5486400" cy="3600450"/>
+          </a:xfrm>
+          <a:prstGeom prst="rect">
+            <a:avLst/>
+          </a:prstGeom>
+        </p:spPr>
+        <p:txBody>
+          <a:bodyPr vert="horz" lIns="91440" tIns="45720" rIns="91440" bIns="45720" rtlCol="0"/>
+          <a:lstStyle/>
+          <a:p>
+            <a:pPr lvl="0"/>
+            <a:r>
+              <a:rPr lang="en-US" smtClean="0"/>
+              <a:t>Click to edit Master text styles</a:t>
+            </a:r>
+          </a:p>
+          <a:p>
+            <a:pPr lvl="1"/>
+            <a:r>
+              <a:rPr lang="en-US" smtClean="0"/>
+              <a:t>Second level</a:t>
+            </a:r>
+          </a:p>
+          <a:p>
+            <a:pPr lvl="2"/>
+            <a:r>
+              <a:rPr lang="en-US" smtClean="0"/>
+              <a:t>Third level</a:t>
+            </a:r>
+          </a:p>
+          <a:p>
+            <a:pPr lvl="3"/>
+            <a:r>
+              <a:rPr lang="en-US" smtClean="0"/>
+              <a:t>Fourth level</a:t>
+            </a:r>
+          </a:p>
+          <a:p>
+            <a:pPr lvl="4"/>
+            <a:r>
+              <a:rPr lang="en-US" smtClean="0"/>
+              <a:t>Fifth level</a:t>
+            </a:r>
+            <a:endParaRPr lang="en-US"/>
+          </a:p>
+        </p:txBody>
+      </p:sp>
+      <p:sp>
+        <p:nvSpPr>
+          <p:cNvPr id="6" name="Footer Placeholder 5"/>
+          <p:cNvSpPr>
+            <a:spLocks noGrp="1"/>
+          </p:cNvSpPr>
+          <p:nvPr>
+            <p:ph type="ftr" sz="quarter" idx="4"/>
+          </p:nvPr>
+        </p:nvSpPr>
+        <p:spPr>
+          <a:xfrm>
+            <a:off x="0" y="8685213"/>
+            <a:ext cx="2971800" cy="458787"/>
+          </a:xfrm>
+          <a:prstGeom prst="rect">
+            <a:avLst/>
+          </a:prstGeom>
+        </p:spPr>
+        <p:txBody>
+          <a:bodyPr vert="horz" lIns="91440" tIns="45720" rIns="91440" bIns="45720" rtlCol="0" anchor="b"/>
+          <a:lstStyle>
+            <a:lvl1pPr algn="l">
+              <a:defRPr sz="1200"/>
+            </a:lvl1pPr>
+          </a:lstStyle>
+          <a:p>
+            <a:endParaRPr lang="en-US"/>
+          </a:p>
+        </p:txBody>
+      </p:sp>
+      <p:sp>
+        <p:nvSpPr>
+          <p:cNvPr id="7" name="Slide Number Placeholder 6"/>
+          <p:cNvSpPr>
+            <a:spLocks noGrp="1"/>
+          </p:cNvSpPr>
+          <p:nvPr>
+            <p:ph type="sldNum" sz="quarter" idx="5"/>
+          </p:nvPr>
+        </p:nvSpPr>
+        <p:spPr>
+          <a:xfrm>
+            <a:off x="3884613" y="8685213"/>
+            <a:ext cx="2971800" cy="458787"/>
+          </a:xfrm>
+          <a:prstGeom prst="rect">
+            <a:avLst/>
+          </a:prstGeom>
+        </p:spPr>
+        <p:txBody>
+          <a:bodyPr vert="horz" lIns="91440" tIns="45720" rIns="91440" bIns="45720" rtlCol="0" anchor="b"/>
+          <a:lstStyle>
+            <a:lvl1pPr algn="r">
+              <a:defRPr sz="1200"/>
+            </a:lvl1pPr>
+          </a:lstStyle>
+          <a:p>
+            <a:fld id="{B6EF78B6-3B93-4515-A4D1-EC63DED7DCEF}" type="slidenum">
+              <a:rPr lang="en-US" smtClean="0"/>
+              <a:t>‹#›</a:t>
+            </a:fld>
+            <a:endParaRPr lang="en-US"/>
+          </a:p>
+        </p:txBody>
+      </p:sp>
+    </p:spTree>
+    <p:extLst>
+      <p:ext uri="{BB962C8B-B14F-4D97-AF65-F5344CB8AC3E}">
+        <p14:creationId xmlns:p14="http://schemas.microsoft.com/office/powerpoint/2010/main" val="3058729777"/>
+      </p:ext>
+    </p:extLst>
+  </p:cSld>
+  <p:clrMap bg1="lt1" tx1="dk1" bg2="lt2" tx2="dk2" accent1="accent1" accent2="accent2" accent3="accent3" accent4="accent4" accent5="accent5" accent6="accent6" hlink="hlink" folHlink="folHlink"/>
+  <p:notesStyle>
+    <a:lvl1pPr marL="0" algn="l" defTabSz="914400" rtl="0" eaLnBrk="1" latinLnBrk="0" hangingPunct="1">
+      <a:defRPr sz="1200" kern="1200">
+        <a:solidFill>
+          <a:schemeClr val="tx1"/>
+        </a:solidFill>
+        <a:latin typeface="+mn-lt"/>
+        <a:ea typeface="+mn-ea"/>
+        <a:cs typeface="+mn-cs"/>
+      </a:defRPr>
+    </a:lvl1pPr>
+    <a:lvl2pPr marL="457200" algn="l" defTabSz="914400" rtl="0" eaLnBrk="1" latinLnBrk="0" hangingPunct="1">
+      <a:defRPr sz="1200" kern="1200">
+        <a:solidFill>
+          <a:schemeClr val="tx1"/>
+        </a:solidFill>
+        <a:latin typeface="+mn-lt"/>
+        <a:ea typeface="+mn-ea"/>
+        <a:cs typeface="+mn-cs"/>
+      </a:defRPr>
+    </a:lvl2pPr>
+    <a:lvl3pPr marL="914400" algn="l" defTabSz="914400" rtl="0" eaLnBrk="1" latinLnBrk="0" hangingPunct="1">
+      <a:defRPr sz="1200" kern="1200">
+        <a:solidFill>
+          <a:schemeClr val="tx1"/>
+        </a:solidFill>
+        <a:latin typeface="+mn-lt"/>
+        <a:ea typeface="+mn-ea"/>
+        <a:cs typeface="+mn-cs"/>
+      </a:defRPr>
+    </a:lvl3pPr>
+    <a:lvl4pPr marL="1371600" algn="l" defTabSz="914400" rtl="0" eaLnBrk="1" latinLnBrk="0" hangingPunct="1">
+      <a:defRPr sz="1200" kern="1200">
+        <a:solidFill>
+          <a:schemeClr val="tx1"/>
+        </a:solidFill>
+        <a:latin typeface="+mn-lt"/>
+        <a:ea typeface="+mn-ea"/>
+        <a:cs typeface="+mn-cs"/>
+      </a:defRPr>
+    </a:lvl4pPr>
+    <a:lvl5pPr marL="1828800" algn="l" defTabSz="914400" rtl="0" eaLnBrk="1" latinLnBrk="0" hangingPunct="1">
+      <a:defRPr sz="1200" kern="1200">
+        <a:solidFill>
+          <a:schemeClr val="tx1"/>
+        </a:solidFill>
+        <a:latin typeface="+mn-lt"/>
+        <a:ea typeface="+mn-ea"/>
+        <a:cs typeface="+mn-cs"/>
+      </a:defRPr>
+    </a:lvl5pPr>
+    <a:lvl6pPr marL="2286000" algn="l" defTabSz="914400" rtl="0" eaLnBrk="1" latinLnBrk="0" hangingPunct="1">
+      <a:defRPr sz="1200" kern="1200">
+        <a:solidFill>
+          <a:schemeClr val="tx1"/>
+        </a:solidFill>
+        <a:latin typeface="+mn-lt"/>
+        <a:ea typeface="+mn-ea"/>
+        <a:cs typeface="+mn-cs"/>
+      </a:defRPr>
+    </a:lvl6pPr>
+    <a:lvl7pPr marL="2743200" algn="l" defTabSz="914400" rtl="0" eaLnBrk="1" latinLnBrk="0" hangingPunct="1">
+      <a:defRPr sz="1200" kern="1200">
+        <a:solidFill>
+          <a:schemeClr val="tx1"/>
+        </a:solidFill>
+        <a:latin typeface="+mn-lt"/>
+        <a:ea typeface="+mn-ea"/>
+        <a:cs typeface="+mn-cs"/>
+      </a:defRPr>
+    </a:lvl7pPr>
+    <a:lvl8pPr marL="3200400" algn="l" defTabSz="914400" rtl="0" eaLnBrk="1" latinLnBrk="0" hangingPunct="1">
+      <a:defRPr sz="1200" kern="1200">
+        <a:solidFill>
+          <a:schemeClr val="tx1"/>
+        </a:solidFill>
+        <a:latin typeface="+mn-lt"/>
+        <a:ea typeface="+mn-ea"/>
+        <a:cs typeface="+mn-cs"/>
+      </a:defRPr>
+    </a:lvl8pPr>
+    <a:lvl9pPr marL="3657600" algn="l" defTabSz="914400" rtl="0" eaLnBrk="1" latinLnBrk="0" hangingPunct="1">
+      <a:defRPr sz="1200" kern="1200">
+        <a:solidFill>
+          <a:schemeClr val="tx1"/>
+        </a:solidFill>
+        <a:latin typeface="+mn-lt"/>
+        <a:ea typeface="+mn-ea"/>
+        <a:cs typeface="+mn-cs"/>
+      </a:defRPr>
+    </a:lvl9pPr>
+  </p:notesStyle>
+</p:notesMaster>
+</file>
+
+<file path=ppt/notesSlides/notesSlide1.xml><?xml version="1.0" encoding="utf-8"?>
+<p:notes xmlns:a="http://schemas.openxmlformats.org/drawingml/2006/main" xmlns:r="http://schemas.openxmlformats.org/officeDocument/2006/relationships" xmlns:p="http://schemas.openxmlformats.org/presentationml/2006/main">
+  <p:cSld>
+    <p:spTree>
+      <p:nvGrpSpPr>
+        <p:cNvPr id="1" name=""/>
+        <p:cNvGrpSpPr/>
+        <p:nvPr/>
+      </p:nvGrpSpPr>
+      <p:grpSpPr>
+        <a:xfrm>
+          <a:off x="0" y="0"/>
+          <a:ext cx="0" cy="0"/>
+          <a:chOff x="0" y="0"/>
+          <a:chExt cx="0" cy="0"/>
+        </a:xfrm>
+      </p:grpSpPr>
+      <p:sp>
+        <p:nvSpPr>
+          <p:cNvPr id="2" name="Slide Image Placeholder 1"/>
+          <p:cNvSpPr>
+            <a:spLocks noGrp="1" noRot="1" noChangeAspect="1"/>
+          </p:cNvSpPr>
+          <p:nvPr>
+            <p:ph type="sldImg"/>
+          </p:nvPr>
+        </p:nvSpPr>
+        <p:spPr/>
+      </p:sp>
+      <p:sp>
+        <p:nvSpPr>
+          <p:cNvPr id="3" name="Notes Placeholder 2"/>
+          <p:cNvSpPr>
+            <a:spLocks noGrp="1"/>
+          </p:cNvSpPr>
+          <p:nvPr>
+            <p:ph type="body" idx="1"/>
+          </p:nvPr>
+        </p:nvSpPr>
+        <p:spPr/>
+        <p:txBody>
+          <a:bodyPr/>
+          <a:lstStyle/>
+          <a:p>
+            <a:endParaRPr lang="en-US"/>
+          </a:p>
+        </p:txBody>
+      </p:sp>
+      <p:sp>
+        <p:nvSpPr>
+          <p:cNvPr id="4" name="Slide Number Placeholder 3"/>
+          <p:cNvSpPr>
+            <a:spLocks noGrp="1"/>
+          </p:cNvSpPr>
+          <p:nvPr>
+            <p:ph type="sldNum" sz="quarter" idx="10"/>
+          </p:nvPr>
+        </p:nvSpPr>
+        <p:spPr/>
+        <p:txBody>
+          <a:bodyPr/>
+          <a:lstStyle/>
+          <a:p>
+            <a:fld id="{B6EF78B6-3B93-4515-A4D1-EC63DED7DCEF}" type="slidenum">
+              <a:rPr lang="en-US" smtClean="0"/>
+              <a:t>1</a:t>
+            </a:fld>
+            <a:endParaRPr lang="en-US"/>
+          </a:p>
+        </p:txBody>
+      </p:sp>
+    </p:spTree>
+    <p:extLst>
+      <p:ext uri="{BB962C8B-B14F-4D97-AF65-F5344CB8AC3E}">
+        <p14:creationId xmlns:p14="http://schemas.microsoft.com/office/powerpoint/2010/main" val="4285242766"/>
+      </p:ext>
+    </p:extLst>
+  </p:cSld>
+  <p:clrMapOvr>
+    <a:masterClrMapping/>
+  </p:clrMapOvr>
+</p:notes>
+</file>
+
+<file path=ppt/notesSlides/notesSlide2.xml><?xml version="1.0" encoding="utf-8"?>
+<p:notes xmlns:a="http://schemas.openxmlformats.org/drawingml/2006/main" xmlns:r="http://schemas.openxmlformats.org/officeDocument/2006/relationships" xmlns:p="http://schemas.openxmlformats.org/presentationml/2006/main">
+  <p:cSld>
+    <p:spTree>
+      <p:nvGrpSpPr>
+        <p:cNvPr id="1" name=""/>
+        <p:cNvGrpSpPr/>
+        <p:nvPr/>
+      </p:nvGrpSpPr>
+      <p:grpSpPr>
+        <a:xfrm>
+          <a:off x="0" y="0"/>
+          <a:ext cx="0" cy="0"/>
+          <a:chOff x="0" y="0"/>
+          <a:chExt cx="0" cy="0"/>
+        </a:xfrm>
+      </p:grpSpPr>
+      <p:sp>
+        <p:nvSpPr>
+          <p:cNvPr id="2" name="Slide Image Placeholder 1"/>
+          <p:cNvSpPr>
+            <a:spLocks noGrp="1" noRot="1" noChangeAspect="1"/>
+          </p:cNvSpPr>
+          <p:nvPr>
+            <p:ph type="sldImg"/>
+          </p:nvPr>
+        </p:nvSpPr>
+        <p:spPr/>
+      </p:sp>
+      <p:sp>
+        <p:nvSpPr>
+          <p:cNvPr id="3" name="Notes Placeholder 2"/>
+          <p:cNvSpPr>
+            <a:spLocks noGrp="1"/>
+          </p:cNvSpPr>
+          <p:nvPr>
+            <p:ph type="body" idx="1"/>
+          </p:nvPr>
+        </p:nvSpPr>
+        <p:spPr/>
+        <p:txBody>
+          <a:bodyPr/>
+          <a:lstStyle/>
+          <a:p>
+            <a:endParaRPr lang="en-US"/>
+          </a:p>
+        </p:txBody>
+      </p:sp>
+      <p:sp>
+        <p:nvSpPr>
+          <p:cNvPr id="4" name="Slide Number Placeholder 3"/>
+          <p:cNvSpPr>
+            <a:spLocks noGrp="1"/>
+          </p:cNvSpPr>
+          <p:nvPr>
+            <p:ph type="sldNum" sz="quarter" idx="10"/>
+          </p:nvPr>
+        </p:nvSpPr>
+        <p:spPr/>
+        <p:txBody>
+          <a:bodyPr/>
+          <a:lstStyle/>
+          <a:p>
+            <a:fld id="{B6EF78B6-3B93-4515-A4D1-EC63DED7DCEF}" type="slidenum">
+              <a:rPr lang="en-US" smtClean="0"/>
+              <a:t>15</a:t>
+            </a:fld>
+            <a:endParaRPr lang="en-US"/>
+          </a:p>
+        </p:txBody>
+      </p:sp>
+    </p:spTree>
+    <p:extLst>
+      <p:ext uri="{BB962C8B-B14F-4D97-AF65-F5344CB8AC3E}">
+        <p14:creationId xmlns:p14="http://schemas.microsoft.com/office/powerpoint/2010/main" val="1231691007"/>
+      </p:ext>
+    </p:extLst>
+  </p:cSld>
+  <p:clrMapOvr>
+    <a:masterClrMapping/>
+  </p:clrMapOvr>
+</p:notes>
+</file>
+
 <file path=ppt/slideLayouts/slideLayout1.xml><?xml version="1.0" encoding="utf-8"?>
 <p:sldLayout xmlns:a="http://schemas.openxmlformats.org/drawingml/2006/main" xmlns:r="http://schemas.openxmlformats.org/officeDocument/2006/relationships" xmlns:p="http://schemas.openxmlformats.org/presentationml/2006/main" type="title" preserve="1">
   <p:cSld name="Title Slide">
@@ -258,7 +780,7 @@
           <a:bodyPr/>
           <a:lstStyle/>
           <a:p>
-            <a:fld id="{0D6DBDDF-994F-474F-9E6E-F3E92B8BFD2B}" type="datetimeFigureOut">
+            <a:fld id="{CC9A1491-13B3-466A-99B2-10C1293AFE18}" type="datetime1">
               <a:rPr lang="en-US" smtClean="0"/>
               <a:t>12/7/2017</a:t>
             </a:fld>
@@ -428,7 +950,7 @@
           <a:bodyPr/>
           <a:lstStyle/>
           <a:p>
-            <a:fld id="{0D6DBDDF-994F-474F-9E6E-F3E92B8BFD2B}" type="datetimeFigureOut">
+            <a:fld id="{EE6E60EF-6204-4811-BC52-C158D57D48A5}" type="datetime1">
               <a:rPr lang="en-US" smtClean="0"/>
               <a:t>12/7/2017</a:t>
             </a:fld>
@@ -608,7 +1130,7 @@
           <a:bodyPr/>
           <a:lstStyle/>
           <a:p>
-            <a:fld id="{0D6DBDDF-994F-474F-9E6E-F3E92B8BFD2B}" type="datetimeFigureOut">
+            <a:fld id="{C3A04126-5851-40C3-ADCA-7A030ADD12F7}" type="datetime1">
               <a:rPr lang="en-US" smtClean="0"/>
               <a:t>12/7/2017</a:t>
             </a:fld>
@@ -782,7 +1304,7 @@
           <a:bodyPr/>
           <a:lstStyle/>
           <a:p>
-            <a:fld id="{0D6DBDDF-994F-474F-9E6E-F3E92B8BFD2B}" type="datetimeFigureOut">
+            <a:fld id="{79E53848-8BB5-4240-8E8D-37B5D7393E8F}" type="datetime1">
               <a:rPr lang="en-US" smtClean="0"/>
               <a:t>12/7/2017</a:t>
             </a:fld>
@@ -1065,7 +1587,7 @@
           <a:bodyPr/>
           <a:lstStyle/>
           <a:p>
-            <a:fld id="{0D6DBDDF-994F-474F-9E6E-F3E92B8BFD2B}" type="datetimeFigureOut">
+            <a:fld id="{07697E24-8B5D-4AFC-82AE-9F2EE5F01FE5}" type="datetime1">
               <a:rPr lang="en-US" smtClean="0"/>
               <a:t>12/7/2017</a:t>
             </a:fld>
@@ -1301,7 +1823,7 @@
           <a:bodyPr/>
           <a:lstStyle/>
           <a:p>
-            <a:fld id="{0D6DBDDF-994F-474F-9E6E-F3E92B8BFD2B}" type="datetimeFigureOut">
+            <a:fld id="{76D0FE2C-7992-4D13-8A42-5177CD311604}" type="datetime1">
               <a:rPr lang="en-US" smtClean="0"/>
               <a:t>12/7/2017</a:t>
             </a:fld>
@@ -1709,7 +2231,7 @@
           <a:bodyPr/>
           <a:lstStyle/>
           <a:p>
-            <a:fld id="{0D6DBDDF-994F-474F-9E6E-F3E92B8BFD2B}" type="datetimeFigureOut">
+            <a:fld id="{6BD74EEE-A82D-40E7-BE40-BC53DE05217B}" type="datetime1">
               <a:rPr lang="en-US" smtClean="0"/>
               <a:t>12/7/2017</a:t>
             </a:fld>
@@ -1864,7 +2386,7 @@
           <a:bodyPr/>
           <a:lstStyle/>
           <a:p>
-            <a:fld id="{0D6DBDDF-994F-474F-9E6E-F3E92B8BFD2B}" type="datetimeFigureOut">
+            <a:fld id="{7C7BD737-AB9E-41F2-AEC6-DE08EA742473}" type="datetime1">
               <a:rPr lang="en-US" smtClean="0"/>
               <a:t>12/7/2017</a:t>
             </a:fld>
@@ -1959,7 +2481,7 @@
           <a:bodyPr/>
           <a:lstStyle/>
           <a:p>
-            <a:fld id="{0D6DBDDF-994F-474F-9E6E-F3E92B8BFD2B}" type="datetimeFigureOut">
+            <a:fld id="{80B9A7BC-BB4D-4912-A07B-FD6FE4BB6912}" type="datetime1">
               <a:rPr lang="en-US" smtClean="0"/>
               <a:t>12/7/2017</a:t>
             </a:fld>
@@ -2236,7 +2758,7 @@
           <a:bodyPr/>
           <a:lstStyle/>
           <a:p>
-            <a:fld id="{0D6DBDDF-994F-474F-9E6E-F3E92B8BFD2B}" type="datetimeFigureOut">
+            <a:fld id="{E9ACAA80-A1AD-4417-86E7-0B32E539AFCE}" type="datetime1">
               <a:rPr lang="en-US" smtClean="0"/>
               <a:t>12/7/2017</a:t>
             </a:fld>
@@ -2489,7 +3011,7 @@
           <a:bodyPr/>
           <a:lstStyle/>
           <a:p>
-            <a:fld id="{0D6DBDDF-994F-474F-9E6E-F3E92B8BFD2B}" type="datetimeFigureOut">
+            <a:fld id="{F6FE82A2-499E-48A7-B968-CB6BEBD35663}" type="datetime1">
               <a:rPr lang="en-US" smtClean="0"/>
               <a:t>12/7/2017</a:t>
             </a:fld>
@@ -2702,7 +3224,7 @@
             </a:lvl1pPr>
           </a:lstStyle>
           <a:p>
-            <a:fld id="{0D6DBDDF-994F-474F-9E6E-F3E92B8BFD2B}" type="datetimeFigureOut">
+            <a:fld id="{7300D1FF-2012-4A75-86DF-8D2D0286976E}" type="datetime1">
               <a:rPr lang="en-US" smtClean="0"/>
               <a:t>12/7/2017</a:t>
             </a:fld>
@@ -2809,6 +3331,7 @@
     <p:sldLayoutId id="2147483748" r:id="rId10"/>
     <p:sldLayoutId id="2147483749" r:id="rId11"/>
   </p:sldLayoutIdLst>
+  <p:hf hdr="0" ftr="0" dt="0"/>
   <p:txStyles>
     <p:titleStyle>
       <a:lvl1pPr algn="l" defTabSz="914400" rtl="0" eaLnBrk="1" latinLnBrk="0" hangingPunct="1">
@@ -3155,7 +3678,7 @@
           <p:nvPr/>
         </p:nvPicPr>
         <p:blipFill>
-          <a:blip r:embed="rId2">
+          <a:blip r:embed="rId3">
             <a:extLst>
               <a:ext uri="{28A0092B-C50C-407E-A947-70E740481C1C}">
                 <a14:useLocalDpi xmlns:a14="http://schemas.microsoft.com/office/drawing/2010/main" val="0"/>
@@ -3196,7 +3719,7 @@
           <p:nvPr/>
         </p:nvPicPr>
         <p:blipFill>
-          <a:blip r:embed="rId3" cstate="print">
+          <a:blip r:embed="rId4" cstate="print">
             <a:extLst>
               <a:ext uri="{28A0092B-C50C-407E-A947-70E740481C1C}">
                 <a14:useLocalDpi xmlns:a14="http://schemas.microsoft.com/office/drawing/2010/main" val="0"/>
@@ -3382,6 +3905,29 @@
               <a:latin typeface="+mj-lt"/>
               <a:cs typeface="Arial" panose="020B0604020202020204" pitchFamily="34" charset="0"/>
             </a:endParaRPr>
+          </a:p>
+        </p:txBody>
+      </p:sp>
+      <p:sp>
+        <p:nvSpPr>
+          <p:cNvPr id="3" name="Slide Number Placeholder 2"/>
+          <p:cNvSpPr>
+            <a:spLocks noGrp="1"/>
+          </p:cNvSpPr>
+          <p:nvPr>
+            <p:ph type="sldNum" sz="quarter" idx="12"/>
+          </p:nvPr>
+        </p:nvSpPr>
+        <p:spPr/>
+        <p:txBody>
+          <a:bodyPr/>
+          <a:lstStyle/>
+          <a:p>
+            <a:fld id="{09BCD257-A602-407A-A5C5-1B58A212E395}" type="slidenum">
+              <a:rPr lang="en-US" smtClean="0"/>
+              <a:t>1</a:t>
+            </a:fld>
+            <a:endParaRPr lang="en-US"/>
           </a:p>
         </p:txBody>
       </p:sp>
@@ -3648,6 +4194,29 @@
               <a:t>Dọc</a:t>
             </a:r>
             <a:endParaRPr lang="en-US" dirty="0"/>
+          </a:p>
+        </p:txBody>
+      </p:sp>
+      <p:sp>
+        <p:nvSpPr>
+          <p:cNvPr id="3" name="Slide Number Placeholder 2"/>
+          <p:cNvSpPr>
+            <a:spLocks noGrp="1"/>
+          </p:cNvSpPr>
+          <p:nvPr>
+            <p:ph type="sldNum" sz="quarter" idx="12"/>
+          </p:nvPr>
+        </p:nvSpPr>
+        <p:spPr/>
+        <p:txBody>
+          <a:bodyPr/>
+          <a:lstStyle/>
+          <a:p>
+            <a:fld id="{09BCD257-A602-407A-A5C5-1B58A212E395}" type="slidenum">
+              <a:rPr lang="en-US" smtClean="0"/>
+              <a:t>10</a:t>
+            </a:fld>
+            <a:endParaRPr lang="en-US"/>
           </a:p>
         </p:txBody>
       </p:sp>
@@ -4351,6 +4920,29 @@
           </a:p>
         </p:txBody>
       </p:sp>
+      <p:sp>
+        <p:nvSpPr>
+          <p:cNvPr id="4" name="Slide Number Placeholder 3"/>
+          <p:cNvSpPr>
+            <a:spLocks noGrp="1"/>
+          </p:cNvSpPr>
+          <p:nvPr>
+            <p:ph type="sldNum" sz="quarter" idx="12"/>
+          </p:nvPr>
+        </p:nvSpPr>
+        <p:spPr/>
+        <p:txBody>
+          <a:bodyPr/>
+          <a:lstStyle/>
+          <a:p>
+            <a:fld id="{09BCD257-A602-407A-A5C5-1B58A212E395}" type="slidenum">
+              <a:rPr lang="en-US" smtClean="0"/>
+              <a:t>11</a:t>
+            </a:fld>
+            <a:endParaRPr lang="en-US"/>
+          </a:p>
+        </p:txBody>
+      </p:sp>
     </p:spTree>
     <p:extLst>
       <p:ext uri="{BB962C8B-B14F-4D97-AF65-F5344CB8AC3E}">
@@ -4852,6 +5444,29 @@
               <a:t>.</a:t>
             </a:r>
             <a:endParaRPr lang="en-US" dirty="0"/>
+          </a:p>
+        </p:txBody>
+      </p:sp>
+      <p:sp>
+        <p:nvSpPr>
+          <p:cNvPr id="3" name="Slide Number Placeholder 2"/>
+          <p:cNvSpPr>
+            <a:spLocks noGrp="1"/>
+          </p:cNvSpPr>
+          <p:nvPr>
+            <p:ph type="sldNum" sz="quarter" idx="12"/>
+          </p:nvPr>
+        </p:nvSpPr>
+        <p:spPr/>
+        <p:txBody>
+          <a:bodyPr/>
+          <a:lstStyle/>
+          <a:p>
+            <a:fld id="{09BCD257-A602-407A-A5C5-1B58A212E395}" type="slidenum">
+              <a:rPr lang="en-US" smtClean="0"/>
+              <a:t>12</a:t>
+            </a:fld>
+            <a:endParaRPr lang="en-US"/>
           </a:p>
         </p:txBody>
       </p:sp>
@@ -5371,6 +5986,29 @@
           </p:spPr>
         </p:pic>
       </p:grpSp>
+      <p:sp>
+        <p:nvSpPr>
+          <p:cNvPr id="3" name="Slide Number Placeholder 2"/>
+          <p:cNvSpPr>
+            <a:spLocks noGrp="1"/>
+          </p:cNvSpPr>
+          <p:nvPr>
+            <p:ph type="sldNum" sz="quarter" idx="12"/>
+          </p:nvPr>
+        </p:nvSpPr>
+        <p:spPr/>
+        <p:txBody>
+          <a:bodyPr/>
+          <a:lstStyle/>
+          <a:p>
+            <a:fld id="{09BCD257-A602-407A-A5C5-1B58A212E395}" type="slidenum">
+              <a:rPr lang="en-US" smtClean="0"/>
+              <a:t>13</a:t>
+            </a:fld>
+            <a:endParaRPr lang="en-US"/>
+          </a:p>
+        </p:txBody>
+      </p:sp>
     </p:spTree>
     <p:extLst>
       <p:ext uri="{BB962C8B-B14F-4D97-AF65-F5344CB8AC3E}">
@@ -5498,7 +6136,396 @@
           <a:bodyPr/>
           <a:lstStyle/>
           <a:p>
+            <a:r>
+              <a:rPr lang="en-US" sz="2000" dirty="0" err="1" smtClean="0"/>
+              <a:t>Bộ</a:t>
+            </a:r>
+            <a:r>
+              <a:rPr lang="en-US" sz="2000" dirty="0" smtClean="0"/>
+              <a:t> </a:t>
+            </a:r>
+            <a:r>
+              <a:rPr lang="en-US" sz="2000" dirty="0" err="1" smtClean="0"/>
+              <a:t>dữ</a:t>
+            </a:r>
+            <a:r>
+              <a:rPr lang="en-US" sz="2000" dirty="0" smtClean="0"/>
+              <a:t> </a:t>
+            </a:r>
+            <a:r>
+              <a:rPr lang="en-US" sz="2000" dirty="0" err="1" smtClean="0"/>
+              <a:t>liệu</a:t>
+            </a:r>
+            <a:r>
+              <a:rPr lang="en-US" sz="2000" dirty="0" smtClean="0"/>
+              <a:t> </a:t>
+            </a:r>
+            <a:r>
+              <a:rPr lang="en-US" sz="2000" dirty="0" err="1" smtClean="0"/>
+              <a:t>thực</a:t>
+            </a:r>
+            <a:r>
+              <a:rPr lang="en-US" sz="2000" dirty="0" smtClean="0"/>
+              <a:t> (</a:t>
+            </a:r>
+            <a:r>
+              <a:rPr lang="en-US" sz="2000" u="sng" dirty="0">
+                <a:hlinkClick r:id="rId2"/>
+              </a:rPr>
+              <a:t>http://fimi.ua.ac.be/data</a:t>
+            </a:r>
+            <a:r>
+              <a:rPr lang="en-US" sz="2000" dirty="0" smtClean="0"/>
+              <a:t>)</a:t>
+            </a:r>
+          </a:p>
+          <a:p>
+            <a:pPr lvl="1"/>
+            <a:r>
+              <a:rPr lang="en-US" sz="1800" dirty="0" smtClean="0"/>
+              <a:t>So </a:t>
+            </a:r>
+            <a:r>
+              <a:rPr lang="en-US" sz="1800" dirty="0" err="1" smtClean="0"/>
+              <a:t>sánh</a:t>
+            </a:r>
+            <a:r>
+              <a:rPr lang="en-US" sz="1800" dirty="0" smtClean="0"/>
+              <a:t> </a:t>
+            </a:r>
+            <a:r>
+              <a:rPr lang="en-US" sz="1800" dirty="0" err="1" smtClean="0"/>
+              <a:t>với</a:t>
+            </a:r>
+            <a:r>
+              <a:rPr lang="en-US" sz="1800" dirty="0" smtClean="0"/>
+              <a:t> </a:t>
+            </a:r>
+            <a:r>
+              <a:rPr lang="en-US" sz="1800" dirty="0" err="1" smtClean="0"/>
+              <a:t>bài</a:t>
+            </a:r>
+            <a:r>
+              <a:rPr lang="en-US" sz="1800" dirty="0"/>
+              <a:t> </a:t>
+            </a:r>
+            <a:r>
+              <a:rPr lang="en-US" sz="1800" dirty="0" err="1" smtClean="0"/>
+              <a:t>báo</a:t>
+            </a:r>
+            <a:r>
+              <a:rPr lang="en-US" sz="1800" dirty="0" smtClean="0"/>
+              <a:t> </a:t>
+            </a:r>
+            <a:r>
+              <a:rPr lang="en-US" sz="1800" dirty="0" err="1" smtClean="0"/>
+              <a:t>gốc</a:t>
+            </a:r>
+            <a:endParaRPr lang="en-US" sz="1800" dirty="0" smtClean="0"/>
+          </a:p>
+          <a:p>
+            <a:pPr marL="457200" lvl="1" indent="0">
+              <a:buNone/>
+            </a:pPr>
+            <a:endParaRPr lang="en-US" sz="1800" dirty="0" smtClean="0"/>
+          </a:p>
+          <a:p>
+            <a:pPr marL="0" indent="0">
+              <a:buNone/>
+            </a:pPr>
+            <a:endParaRPr lang="en-US" sz="2000" dirty="0" smtClean="0"/>
+          </a:p>
+          <a:p>
+            <a:pPr marL="0" indent="0">
+              <a:buNone/>
+            </a:pPr>
+            <a:endParaRPr lang="en-US" sz="2000" dirty="0"/>
+          </a:p>
+          <a:p>
+            <a:pPr marL="0" indent="0">
+              <a:buNone/>
+            </a:pPr>
+            <a:endParaRPr lang="en-US" sz="2000" dirty="0" smtClean="0"/>
+          </a:p>
+          <a:p>
+            <a:r>
+              <a:rPr lang="en-US" sz="2000" dirty="0" err="1" smtClean="0"/>
+              <a:t>Bộ</a:t>
+            </a:r>
+            <a:r>
+              <a:rPr lang="en-US" sz="2000" dirty="0" smtClean="0"/>
+              <a:t> </a:t>
+            </a:r>
+            <a:r>
+              <a:rPr lang="en-US" sz="2000" dirty="0" err="1" smtClean="0"/>
+              <a:t>dữ</a:t>
+            </a:r>
+            <a:r>
+              <a:rPr lang="en-US" sz="2000" dirty="0" smtClean="0"/>
+              <a:t> </a:t>
+            </a:r>
+            <a:r>
+              <a:rPr lang="en-US" sz="2000" dirty="0" err="1" smtClean="0"/>
+              <a:t>liệu</a:t>
+            </a:r>
+            <a:r>
+              <a:rPr lang="en-US" sz="2000" dirty="0" smtClean="0"/>
+              <a:t> </a:t>
+            </a:r>
+            <a:r>
+              <a:rPr lang="en-US" sz="2000" dirty="0" err="1" smtClean="0"/>
+              <a:t>tổng</a:t>
+            </a:r>
+            <a:r>
+              <a:rPr lang="en-US" sz="2000" dirty="0" smtClean="0"/>
+              <a:t> </a:t>
+            </a:r>
+            <a:r>
+              <a:rPr lang="en-US" sz="2000" dirty="0" err="1" smtClean="0"/>
+              <a:t>hợp</a:t>
+            </a:r>
+            <a:r>
+              <a:rPr lang="en-US" sz="2000" dirty="0" smtClean="0"/>
+              <a:t> (</a:t>
+            </a:r>
+            <a:r>
+              <a:rPr lang="en-US" sz="2000" dirty="0" err="1" smtClean="0"/>
+              <a:t>được</a:t>
+            </a:r>
+            <a:r>
+              <a:rPr lang="en-US" sz="2000" dirty="0" smtClean="0"/>
+              <a:t> </a:t>
+            </a:r>
+            <a:r>
+              <a:rPr lang="en-US" sz="2000" dirty="0" err="1" smtClean="0"/>
+              <a:t>phát</a:t>
+            </a:r>
+            <a:r>
+              <a:rPr lang="en-US" sz="2000" dirty="0" smtClean="0"/>
+              <a:t> </a:t>
+            </a:r>
+            <a:r>
+              <a:rPr lang="en-US" sz="2000" dirty="0" err="1" smtClean="0"/>
+              <a:t>sinh</a:t>
+            </a:r>
+            <a:r>
+              <a:rPr lang="en-US" sz="2000" dirty="0" smtClean="0"/>
+              <a:t> </a:t>
+            </a:r>
+            <a:r>
+              <a:rPr lang="en-US" sz="2000" dirty="0" err="1" smtClean="0"/>
+              <a:t>từ</a:t>
+            </a:r>
+            <a:r>
+              <a:rPr lang="en-US" sz="2000" dirty="0" smtClean="0"/>
+              <a:t> </a:t>
+            </a:r>
+            <a:r>
+              <a:rPr lang="en-US" sz="2000" dirty="0" err="1" smtClean="0"/>
+              <a:t>công</a:t>
+            </a:r>
+            <a:r>
+              <a:rPr lang="en-US" sz="2000" dirty="0" smtClean="0"/>
+              <a:t> </a:t>
+            </a:r>
+            <a:r>
+              <a:rPr lang="en-US" sz="2000" dirty="0" err="1" smtClean="0"/>
+              <a:t>cụ</a:t>
+            </a:r>
+            <a:r>
+              <a:rPr lang="en-US" sz="2000" dirty="0" smtClean="0"/>
+              <a:t> </a:t>
+            </a:r>
+            <a:r>
+              <a:rPr lang="en-US" sz="2000" dirty="0" err="1" smtClean="0"/>
+              <a:t>có</a:t>
+            </a:r>
+            <a:r>
+              <a:rPr lang="en-US" sz="2000" dirty="0" smtClean="0"/>
+              <a:t> </a:t>
+            </a:r>
+            <a:r>
+              <a:rPr lang="en-US" sz="2000" dirty="0" err="1" smtClean="0"/>
+              <a:t>tên</a:t>
+            </a:r>
+            <a:r>
+              <a:rPr lang="en-US" sz="2000" dirty="0" smtClean="0"/>
+              <a:t> </a:t>
+            </a:r>
+            <a:r>
+              <a:rPr lang="en-US" sz="2000" dirty="0" err="1" smtClean="0"/>
+              <a:t>là</a:t>
+            </a:r>
+            <a:r>
+              <a:rPr lang="en-US" sz="2000" dirty="0"/>
+              <a:t> SPMF)</a:t>
+            </a:r>
+            <a:endParaRPr lang="en-US" sz="2000" dirty="0" smtClean="0"/>
+          </a:p>
+          <a:p>
+            <a:pPr lvl="1"/>
+            <a:r>
+              <a:rPr lang="en-US" sz="1800" dirty="0" err="1" smtClean="0"/>
+              <a:t>Đánh</a:t>
+            </a:r>
+            <a:r>
+              <a:rPr lang="en-US" sz="1800" dirty="0" smtClean="0"/>
+              <a:t> </a:t>
+            </a:r>
+            <a:r>
+              <a:rPr lang="en-US" sz="1800" dirty="0" err="1" smtClean="0"/>
+              <a:t>giáo</a:t>
+            </a:r>
+            <a:r>
+              <a:rPr lang="en-US" sz="1800" dirty="0" smtClean="0"/>
+              <a:t> </a:t>
+            </a:r>
+            <a:r>
+              <a:rPr lang="en-US" sz="1800" dirty="0" err="1" smtClean="0"/>
+              <a:t>thời</a:t>
+            </a:r>
+            <a:r>
+              <a:rPr lang="en-US" sz="1800" dirty="0" smtClean="0"/>
+              <a:t> </a:t>
+            </a:r>
+            <a:r>
+              <a:rPr lang="en-US" sz="1800" dirty="0" err="1" smtClean="0"/>
+              <a:t>gian</a:t>
+            </a:r>
+            <a:r>
+              <a:rPr lang="en-US" sz="1800" dirty="0" smtClean="0"/>
+              <a:t> </a:t>
+            </a:r>
+            <a:r>
+              <a:rPr lang="en-US" sz="1800" dirty="0" err="1" smtClean="0"/>
+              <a:t>thực</a:t>
+            </a:r>
+            <a:r>
+              <a:rPr lang="en-US" sz="1800" dirty="0" smtClean="0"/>
+              <a:t> </a:t>
+            </a:r>
+            <a:r>
+              <a:rPr lang="en-US" sz="1800" dirty="0" err="1" smtClean="0"/>
+              <a:t>thi</a:t>
+            </a:r>
+            <a:r>
+              <a:rPr lang="en-US" sz="1800" dirty="0" smtClean="0"/>
+              <a:t> </a:t>
+            </a:r>
+            <a:r>
+              <a:rPr lang="en-US" sz="1800" dirty="0" err="1" smtClean="0"/>
+              <a:t>và</a:t>
+            </a:r>
+            <a:r>
+              <a:rPr lang="en-US" sz="1800" dirty="0" smtClean="0"/>
+              <a:t> </a:t>
+            </a:r>
+            <a:r>
+              <a:rPr lang="en-US" sz="1800" dirty="0" err="1" smtClean="0"/>
+              <a:t>khả</a:t>
+            </a:r>
+            <a:r>
+              <a:rPr lang="en-US" sz="1800" dirty="0" smtClean="0"/>
+              <a:t> </a:t>
+            </a:r>
+            <a:r>
+              <a:rPr lang="en-US" sz="1800" dirty="0" err="1" smtClean="0"/>
+              <a:t>năng</a:t>
+            </a:r>
+            <a:r>
+              <a:rPr lang="en-US" sz="1800" dirty="0" smtClean="0"/>
+              <a:t> </a:t>
+            </a:r>
+            <a:r>
+              <a:rPr lang="en-US" sz="1800" dirty="0" err="1" smtClean="0"/>
+              <a:t>mở</a:t>
+            </a:r>
+            <a:r>
+              <a:rPr lang="en-US" sz="1800" dirty="0" smtClean="0"/>
+              <a:t> </a:t>
+            </a:r>
+            <a:r>
+              <a:rPr lang="en-US" sz="1800" dirty="0" err="1" smtClean="0"/>
+              <a:t>rộng</a:t>
+            </a:r>
+            <a:endParaRPr lang="en-US" sz="1800" dirty="0" smtClean="0"/>
+          </a:p>
+          <a:p>
+            <a:pPr marL="457200" lvl="1" indent="0">
+              <a:buNone/>
+            </a:pPr>
             <a:endParaRPr lang="en-US" dirty="0"/>
+          </a:p>
+        </p:txBody>
+      </p:sp>
+      <p:pic>
+        <p:nvPicPr>
+          <p:cNvPr id="7" name="Picture 6"/>
+          <p:cNvPicPr>
+            <a:picLocks noChangeAspect="1"/>
+          </p:cNvPicPr>
+          <p:nvPr/>
+        </p:nvPicPr>
+        <p:blipFill>
+          <a:blip r:embed="rId3"/>
+          <a:stretch>
+            <a:fillRect/>
+          </a:stretch>
+        </p:blipFill>
+        <p:spPr>
+          <a:xfrm>
+            <a:off x="1444625" y="2538412"/>
+            <a:ext cx="6985348" cy="1373188"/>
+          </a:xfrm>
+          <a:prstGeom prst="rect">
+            <a:avLst/>
+          </a:prstGeom>
+        </p:spPr>
+      </p:pic>
+      <p:pic>
+        <p:nvPicPr>
+          <p:cNvPr id="8" name="Picture 7"/>
+          <p:cNvPicPr>
+            <a:picLocks noChangeAspect="1"/>
+          </p:cNvPicPr>
+          <p:nvPr/>
+        </p:nvPicPr>
+        <p:blipFill>
+          <a:blip r:embed="rId4"/>
+          <a:stretch>
+            <a:fillRect/>
+          </a:stretch>
+        </p:blipFill>
+        <p:spPr>
+          <a:xfrm>
+            <a:off x="1381124" y="4748212"/>
+            <a:ext cx="7062089" cy="1390651"/>
+          </a:xfrm>
+          <a:prstGeom prst="rect">
+            <a:avLst/>
+          </a:prstGeom>
+        </p:spPr>
+      </p:pic>
+      <p:sp>
+        <p:nvSpPr>
+          <p:cNvPr id="9" name="Slide Number Placeholder 8"/>
+          <p:cNvSpPr>
+            <a:spLocks noGrp="1"/>
+          </p:cNvSpPr>
+          <p:nvPr>
+            <p:ph type="sldNum" sz="quarter" idx="12"/>
+          </p:nvPr>
+        </p:nvSpPr>
+        <p:spPr/>
+        <p:txBody>
+          <a:bodyPr/>
+          <a:lstStyle/>
+          <a:p>
+            <a:fld id="{09BCD257-A602-407A-A5C5-1B58A212E395}" type="slidenum">
+              <a:rPr lang="en-US" smtClean="0"/>
+              <a:t>14</a:t>
+            </a:fld>
+            <a:endParaRPr lang="en-US"/>
           </a:p>
         </p:txBody>
       </p:sp>
@@ -5626,14 +6653,979 @@
           </a:p>
         </p:txBody>
       </p:sp>
+      <p:pic>
+        <p:nvPicPr>
+          <p:cNvPr id="12" name="Picture 11"/>
+          <p:cNvPicPr/>
+          <p:nvPr/>
+        </p:nvPicPr>
+        <p:blipFill>
+          <a:blip r:embed="rId3">
+            <a:extLst>
+              <a:ext uri="{28A0092B-C50C-407E-A947-70E740481C1C}">
+                <a14:useLocalDpi xmlns:a14="http://schemas.microsoft.com/office/drawing/2010/main" val="0"/>
+              </a:ext>
+            </a:extLst>
+          </a:blip>
+          <a:srcRect/>
+          <a:stretch>
+            <a:fillRect/>
+          </a:stretch>
+        </p:blipFill>
+        <p:spPr bwMode="auto">
+          <a:xfrm>
+            <a:off x="673100" y="1843088"/>
+            <a:ext cx="3962400" cy="2381830"/>
+          </a:xfrm>
+          <a:prstGeom prst="rect">
+            <a:avLst/>
+          </a:prstGeom>
+          <a:noFill/>
+        </p:spPr>
+      </p:pic>
+      <p:pic>
+        <p:nvPicPr>
+          <p:cNvPr id="13" name="Picture 12"/>
+          <p:cNvPicPr/>
+          <p:nvPr/>
+        </p:nvPicPr>
+        <p:blipFill>
+          <a:blip r:embed="rId4">
+            <a:extLst>
+              <a:ext uri="{28A0092B-C50C-407E-A947-70E740481C1C}">
+                <a14:useLocalDpi xmlns:a14="http://schemas.microsoft.com/office/drawing/2010/main" val="0"/>
+              </a:ext>
+            </a:extLst>
+          </a:blip>
+          <a:srcRect/>
+          <a:stretch>
+            <a:fillRect/>
+          </a:stretch>
+        </p:blipFill>
+        <p:spPr bwMode="auto">
+          <a:xfrm>
+            <a:off x="5124450" y="1846905"/>
+            <a:ext cx="3956050" cy="2378013"/>
+          </a:xfrm>
+          <a:prstGeom prst="rect">
+            <a:avLst/>
+          </a:prstGeom>
+          <a:noFill/>
+        </p:spPr>
+      </p:pic>
+      <p:pic>
+        <p:nvPicPr>
+          <p:cNvPr id="14" name="Picture 13"/>
+          <p:cNvPicPr/>
+          <p:nvPr/>
+        </p:nvPicPr>
+        <p:blipFill>
+          <a:blip r:embed="rId5">
+            <a:extLst>
+              <a:ext uri="{28A0092B-C50C-407E-A947-70E740481C1C}">
+                <a14:useLocalDpi xmlns:a14="http://schemas.microsoft.com/office/drawing/2010/main" val="0"/>
+              </a:ext>
+            </a:extLst>
+          </a:blip>
+          <a:srcRect/>
+          <a:stretch>
+            <a:fillRect/>
+          </a:stretch>
+        </p:blipFill>
+        <p:spPr bwMode="auto">
+          <a:xfrm>
+            <a:off x="850900" y="4340163"/>
+            <a:ext cx="3962400" cy="2381830"/>
+          </a:xfrm>
+          <a:prstGeom prst="rect">
+            <a:avLst/>
+          </a:prstGeom>
+          <a:noFill/>
+        </p:spPr>
+      </p:pic>
+      <p:pic>
+        <p:nvPicPr>
+          <p:cNvPr id="15" name="Picture 14"/>
+          <p:cNvPicPr/>
+          <p:nvPr/>
+        </p:nvPicPr>
+        <p:blipFill>
+          <a:blip r:embed="rId6">
+            <a:extLst>
+              <a:ext uri="{28A0092B-C50C-407E-A947-70E740481C1C}">
+                <a14:useLocalDpi xmlns:a14="http://schemas.microsoft.com/office/drawing/2010/main" val="0"/>
+              </a:ext>
+            </a:extLst>
+          </a:blip>
+          <a:srcRect/>
+          <a:stretch>
+            <a:fillRect/>
+          </a:stretch>
+        </p:blipFill>
+        <p:spPr bwMode="auto">
+          <a:xfrm>
+            <a:off x="5124450" y="4343980"/>
+            <a:ext cx="3956050" cy="2378013"/>
+          </a:xfrm>
+          <a:prstGeom prst="rect">
+            <a:avLst/>
+          </a:prstGeom>
+          <a:noFill/>
+        </p:spPr>
+      </p:pic>
       <p:sp>
         <p:nvSpPr>
-          <p:cNvPr id="3" name="Content Placeholder 2"/>
+          <p:cNvPr id="16" name="TextBox 15"/>
+          <p:cNvSpPr txBox="1"/>
+          <p:nvPr/>
+        </p:nvSpPr>
+        <p:spPr>
+          <a:xfrm>
+            <a:off x="272990" y="2473768"/>
+            <a:ext cx="400110" cy="1116652"/>
+          </a:xfrm>
+          <a:prstGeom prst="rect">
+            <a:avLst/>
+          </a:prstGeom>
+          <a:noFill/>
+        </p:spPr>
+        <p:txBody>
+          <a:bodyPr vert="vert270" wrap="none" rtlCol="0">
+            <a:spAutoFit/>
+          </a:bodyPr>
+          <a:lstStyle/>
+          <a:p>
+            <a:r>
+              <a:rPr lang="en-US" sz="1400" dirty="0" err="1" smtClean="0"/>
+              <a:t>Tập</a:t>
+            </a:r>
+            <a:r>
+              <a:rPr lang="en-US" sz="1400" dirty="0" smtClean="0"/>
+              <a:t> Connect</a:t>
+            </a:r>
+            <a:endParaRPr lang="en-US" sz="1400" dirty="0"/>
+          </a:p>
+        </p:txBody>
+      </p:sp>
+      <p:sp>
+        <p:nvSpPr>
+          <p:cNvPr id="17" name="TextBox 16"/>
+          <p:cNvSpPr txBox="1"/>
+          <p:nvPr/>
+        </p:nvSpPr>
+        <p:spPr>
+          <a:xfrm>
+            <a:off x="4724340" y="2422281"/>
+            <a:ext cx="400110" cy="1227259"/>
+          </a:xfrm>
+          <a:prstGeom prst="rect">
+            <a:avLst/>
+          </a:prstGeom>
+          <a:noFill/>
+        </p:spPr>
+        <p:txBody>
+          <a:bodyPr vert="vert270" wrap="none" rtlCol="0">
+            <a:spAutoFit/>
+          </a:bodyPr>
+          <a:lstStyle/>
+          <a:p>
+            <a:r>
+              <a:rPr lang="en-US" sz="1400" dirty="0" err="1" smtClean="0"/>
+              <a:t>Tập</a:t>
+            </a:r>
+            <a:r>
+              <a:rPr lang="en-US" sz="1400" dirty="0" smtClean="0"/>
+              <a:t> Accidents</a:t>
+            </a:r>
+            <a:endParaRPr lang="en-US" sz="1400" dirty="0"/>
+          </a:p>
+        </p:txBody>
+      </p:sp>
+      <p:sp>
+        <p:nvSpPr>
+          <p:cNvPr id="18" name="TextBox 17"/>
+          <p:cNvSpPr txBox="1"/>
+          <p:nvPr/>
+        </p:nvSpPr>
+        <p:spPr>
+          <a:xfrm>
+            <a:off x="272990" y="4881074"/>
+            <a:ext cx="400110" cy="1296189"/>
+          </a:xfrm>
+          <a:prstGeom prst="rect">
+            <a:avLst/>
+          </a:prstGeom>
+          <a:noFill/>
+        </p:spPr>
+        <p:txBody>
+          <a:bodyPr vert="vert270" wrap="none" rtlCol="0">
+            <a:spAutoFit/>
+          </a:bodyPr>
+          <a:lstStyle/>
+          <a:p>
+            <a:r>
+              <a:rPr lang="en-US" sz="1400" dirty="0" err="1" smtClean="0"/>
+              <a:t>Tập</a:t>
+            </a:r>
+            <a:r>
+              <a:rPr lang="en-US" sz="1400" dirty="0" smtClean="0"/>
+              <a:t> Syn_data1</a:t>
+            </a:r>
+            <a:endParaRPr lang="en-US" sz="1400" dirty="0"/>
+          </a:p>
+        </p:txBody>
+      </p:sp>
+      <p:sp>
+        <p:nvSpPr>
+          <p:cNvPr id="19" name="TextBox 18"/>
+          <p:cNvSpPr txBox="1"/>
+          <p:nvPr/>
+        </p:nvSpPr>
+        <p:spPr>
+          <a:xfrm>
+            <a:off x="4724340" y="4919356"/>
+            <a:ext cx="400110" cy="1296189"/>
+          </a:xfrm>
+          <a:prstGeom prst="rect">
+            <a:avLst/>
+          </a:prstGeom>
+          <a:noFill/>
+        </p:spPr>
+        <p:txBody>
+          <a:bodyPr vert="vert270" wrap="none" rtlCol="0">
+            <a:spAutoFit/>
+          </a:bodyPr>
+          <a:lstStyle/>
+          <a:p>
+            <a:r>
+              <a:rPr lang="en-US" sz="1400" dirty="0" err="1" smtClean="0"/>
+              <a:t>Tập</a:t>
+            </a:r>
+            <a:r>
+              <a:rPr lang="en-US" sz="1400" dirty="0" smtClean="0"/>
+              <a:t> Syn_data2</a:t>
+            </a:r>
+            <a:endParaRPr lang="en-US" sz="1400" dirty="0"/>
+          </a:p>
+        </p:txBody>
+      </p:sp>
+      <mc:AlternateContent xmlns:mc="http://schemas.openxmlformats.org/markup-compatibility/2006">
+        <mc:Choice xmlns:a14="http://schemas.microsoft.com/office/drawing/2010/main" Requires="a14">
+          <p:sp>
+            <p:nvSpPr>
+              <p:cNvPr id="21" name="TextBox 20"/>
+              <p:cNvSpPr txBox="1"/>
+              <p:nvPr/>
+            </p:nvSpPr>
+            <p:spPr>
+              <a:xfrm>
+                <a:off x="9182100" y="1690688"/>
+                <a:ext cx="2806700" cy="4939814"/>
+              </a:xfrm>
+              <a:prstGeom prst="rect">
+                <a:avLst/>
+              </a:prstGeom>
+              <a:noFill/>
+            </p:spPr>
+            <p:txBody>
+              <a:bodyPr wrap="square" rtlCol="0">
+                <a:spAutoFit/>
+              </a:bodyPr>
+              <a:lstStyle/>
+              <a:p>
+                <a:pPr>
+                  <a:lnSpc>
+                    <a:spcPct val="150000"/>
+                  </a:lnSpc>
+                </a:pPr>
+                <a:r>
+                  <a:rPr lang="en-US" sz="1400" dirty="0" err="1"/>
+                  <a:t>Bộ</a:t>
+                </a:r>
+                <a:r>
+                  <a:rPr lang="en-US" sz="1400" dirty="0"/>
+                  <a:t> </a:t>
+                </a:r>
+                <a:r>
+                  <a:rPr lang="en-US" sz="1400" dirty="0" err="1"/>
+                  <a:t>nhớ</a:t>
+                </a:r>
+                <a:r>
+                  <a:rPr lang="en-US" sz="1400" dirty="0"/>
+                  <a:t> </a:t>
+                </a:r>
+                <a:r>
+                  <a:rPr lang="en-US" sz="1400" dirty="0" err="1"/>
+                  <a:t>sử</a:t>
+                </a:r>
+                <a:r>
+                  <a:rPr lang="en-US" sz="1400" dirty="0"/>
+                  <a:t> </a:t>
+                </a:r>
+                <a:r>
+                  <a:rPr lang="en-US" sz="1400" dirty="0" err="1"/>
+                  <a:t>dụng</a:t>
+                </a:r>
+                <a:r>
+                  <a:rPr lang="en-US" sz="1400" dirty="0"/>
+                  <a:t> </a:t>
+                </a:r>
+                <a:r>
+                  <a:rPr lang="en-US" sz="1400" dirty="0" err="1"/>
+                  <a:t>của</a:t>
+                </a:r>
+                <a:r>
+                  <a:rPr lang="en-US" sz="1400" dirty="0"/>
+                  <a:t> </a:t>
+                </a:r>
+                <a:r>
+                  <a:rPr lang="en-US" sz="1400" dirty="0" err="1"/>
+                  <a:t>ba</a:t>
+                </a:r>
+                <a:r>
+                  <a:rPr lang="en-US" sz="1400" dirty="0"/>
+                  <a:t> </a:t>
+                </a:r>
+                <a:r>
+                  <a:rPr lang="en-US" sz="1400" dirty="0" err="1"/>
+                  <a:t>thuật</a:t>
+                </a:r>
+                <a:r>
+                  <a:rPr lang="en-US" sz="1400" dirty="0"/>
+                  <a:t> </a:t>
+                </a:r>
+                <a:r>
+                  <a:rPr lang="en-US" sz="1400" dirty="0" err="1"/>
+                  <a:t>toán</a:t>
+                </a:r>
+                <a:r>
+                  <a:rPr lang="en-US" sz="1400" dirty="0"/>
+                  <a:t> </a:t>
+                </a:r>
+                <a:r>
+                  <a:rPr lang="en-US" sz="1400" dirty="0" err="1"/>
+                  <a:t>đề</a:t>
+                </a:r>
+                <a:r>
+                  <a:rPr lang="en-US" sz="1400" dirty="0"/>
+                  <a:t> </a:t>
+                </a:r>
+                <a:r>
+                  <a:rPr lang="en-US" sz="1400" dirty="0" err="1"/>
+                  <a:t>xuất</a:t>
+                </a:r>
+                <a:r>
+                  <a:rPr lang="en-US" sz="1400" dirty="0"/>
+                  <a:t> </a:t>
+                </a:r>
+                <a:r>
+                  <a:rPr lang="en-US" sz="1400" dirty="0" err="1"/>
+                  <a:t>không</a:t>
+                </a:r>
+                <a:r>
+                  <a:rPr lang="en-US" sz="1400" dirty="0"/>
+                  <a:t> </a:t>
+                </a:r>
+                <a:r>
+                  <a:rPr lang="en-US" sz="1400" dirty="0" err="1"/>
+                  <a:t>chênh</a:t>
+                </a:r>
+                <a:r>
+                  <a:rPr lang="en-US" sz="1400" dirty="0"/>
+                  <a:t> </a:t>
+                </a:r>
+                <a:r>
+                  <a:rPr lang="en-US" sz="1400" dirty="0" err="1"/>
+                  <a:t>lệch</a:t>
+                </a:r>
+                <a:r>
+                  <a:rPr lang="en-US" sz="1400" dirty="0"/>
+                  <a:t> </a:t>
+                </a:r>
+                <a:r>
+                  <a:rPr lang="en-US" sz="1400" dirty="0" err="1"/>
+                  <a:t>nhiều</a:t>
+                </a:r>
+                <a:r>
+                  <a:rPr lang="en-US" sz="1400" dirty="0"/>
+                  <a:t> </a:t>
+                </a:r>
+                <a:r>
+                  <a:rPr lang="en-US" sz="1400" dirty="0" err="1"/>
+                  <a:t>nếu</a:t>
+                </a:r>
+                <a:r>
+                  <a:rPr lang="en-US" sz="1400" dirty="0"/>
+                  <a:t> so </a:t>
+                </a:r>
+                <a:r>
+                  <a:rPr lang="en-US" sz="1400" dirty="0" err="1"/>
+                  <a:t>sánh</a:t>
+                </a:r>
+                <a:r>
+                  <a:rPr lang="en-US" sz="1400" dirty="0"/>
+                  <a:t> </a:t>
+                </a:r>
+                <a:r>
+                  <a:rPr lang="en-US" sz="1400" dirty="0" err="1"/>
+                  <a:t>với</a:t>
+                </a:r>
+                <a:r>
+                  <a:rPr lang="en-US" sz="1400" dirty="0"/>
+                  <a:t> </a:t>
+                </a:r>
+                <a:r>
+                  <a:rPr lang="en-US" sz="1400" dirty="0" err="1"/>
+                  <a:t>thuật</a:t>
+                </a:r>
+                <a:r>
+                  <a:rPr lang="en-US" sz="1400" dirty="0"/>
+                  <a:t> </a:t>
+                </a:r>
+                <a:r>
+                  <a:rPr lang="en-US" sz="1400" dirty="0" err="1"/>
+                  <a:t>toán</a:t>
+                </a:r>
+                <a:r>
+                  <a:rPr lang="en-US" sz="1400" dirty="0"/>
+                  <a:t> </a:t>
+                </a:r>
+                <a14:m>
+                  <m:oMath xmlns:m="http://schemas.openxmlformats.org/officeDocument/2006/math">
+                    <m:r>
+                      <a:rPr lang="en-US" sz="1400" i="1"/>
+                      <m:t>𝑁𝑇𝐼</m:t>
+                    </m:r>
+                  </m:oMath>
+                </a14:m>
+                <a:r>
+                  <a:rPr lang="en-US" sz="1400" dirty="0"/>
+                  <a:t>. </a:t>
+                </a:r>
+                <a:r>
+                  <a:rPr lang="en-US" sz="1400" dirty="0" err="1"/>
+                  <a:t>Bộ</a:t>
+                </a:r>
+                <a:r>
+                  <a:rPr lang="en-US" sz="1400" dirty="0"/>
+                  <a:t> </a:t>
+                </a:r>
+                <a:r>
+                  <a:rPr lang="en-US" sz="1400" dirty="0" err="1"/>
+                  <a:t>nhớ</a:t>
+                </a:r>
+                <a:r>
+                  <a:rPr lang="en-US" sz="1400" dirty="0"/>
+                  <a:t> </a:t>
+                </a:r>
+                <a:r>
+                  <a:rPr lang="en-US" sz="1400" dirty="0" err="1"/>
+                  <a:t>sử</a:t>
+                </a:r>
+                <a:r>
+                  <a:rPr lang="en-US" sz="1400" dirty="0"/>
+                  <a:t> </a:t>
+                </a:r>
+                <a:r>
+                  <a:rPr lang="en-US" sz="1400" dirty="0" err="1"/>
+                  <a:t>dụng</a:t>
+                </a:r>
+                <a:r>
+                  <a:rPr lang="en-US" sz="1400" dirty="0"/>
+                  <a:t> </a:t>
+                </a:r>
+                <a:r>
+                  <a:rPr lang="en-US" sz="1400" dirty="0" err="1"/>
+                  <a:t>của</a:t>
+                </a:r>
+                <a:r>
+                  <a:rPr lang="en-US" sz="1400" dirty="0"/>
+                  <a:t> </a:t>
+                </a:r>
+                <a:r>
+                  <a:rPr lang="en-US" sz="1400" dirty="0" err="1"/>
+                  <a:t>thuật</a:t>
+                </a:r>
+                <a:r>
+                  <a:rPr lang="en-US" sz="1400" dirty="0"/>
+                  <a:t> </a:t>
+                </a:r>
+                <a:r>
+                  <a:rPr lang="en-US" sz="1400" dirty="0" err="1"/>
+                  <a:t>toán</a:t>
+                </a:r>
+                <a:r>
+                  <a:rPr lang="en-US" sz="1400" dirty="0"/>
+                  <a:t> </a:t>
+                </a:r>
+                <a14:m>
+                  <m:oMath xmlns:m="http://schemas.openxmlformats.org/officeDocument/2006/math">
+                    <m:r>
+                      <a:rPr lang="en-US" sz="1400" i="1"/>
+                      <m:t>𝑃𝑇</m:t>
+                    </m:r>
+                  </m:oMath>
+                </a14:m>
+                <a:r>
+                  <a:rPr lang="en-US" sz="1400" dirty="0"/>
+                  <a:t> </a:t>
+                </a:r>
+                <a:r>
+                  <a:rPr lang="en-US" sz="1400" dirty="0" err="1"/>
+                  <a:t>tăng</a:t>
+                </a:r>
+                <a:r>
+                  <a:rPr lang="en-US" sz="1400" dirty="0"/>
+                  <a:t> </a:t>
+                </a:r>
+                <a:r>
+                  <a:rPr lang="en-US" sz="1400" dirty="0" err="1"/>
+                  <a:t>lên</a:t>
+                </a:r>
+                <a:r>
+                  <a:rPr lang="en-US" sz="1400" dirty="0"/>
+                  <a:t> </a:t>
+                </a:r>
+                <a:r>
+                  <a:rPr lang="en-US" sz="1400" dirty="0" err="1"/>
+                  <a:t>đáng</a:t>
+                </a:r>
+                <a:r>
+                  <a:rPr lang="en-US" sz="1400" dirty="0"/>
+                  <a:t> </a:t>
+                </a:r>
+                <a:r>
+                  <a:rPr lang="en-US" sz="1400" dirty="0" err="1"/>
+                  <a:t>kể</a:t>
+                </a:r>
+                <a:r>
+                  <a:rPr lang="en-US" sz="1400" dirty="0"/>
+                  <a:t> </a:t>
+                </a:r>
+                <a:r>
+                  <a:rPr lang="en-US" sz="1400" dirty="0" err="1"/>
+                  <a:t>nếu</a:t>
+                </a:r>
+                <a:r>
+                  <a:rPr lang="en-US" sz="1400" dirty="0"/>
+                  <a:t> so </a:t>
+                </a:r>
+                <a:r>
+                  <a:rPr lang="en-US" sz="1400" dirty="0" err="1"/>
+                  <a:t>sánh</a:t>
+                </a:r>
+                <a:r>
+                  <a:rPr lang="en-US" sz="1400" dirty="0"/>
+                  <a:t> </a:t>
+                </a:r>
+                <a:r>
+                  <a:rPr lang="en-US" sz="1400" dirty="0" err="1"/>
+                  <a:t>trên</a:t>
+                </a:r>
+                <a:r>
+                  <a:rPr lang="en-US" sz="1400" dirty="0"/>
+                  <a:t> </a:t>
+                </a:r>
+                <a:r>
+                  <a:rPr lang="en-US" sz="1400" dirty="0" err="1"/>
+                  <a:t>tập</a:t>
+                </a:r>
+                <a:r>
+                  <a:rPr lang="en-US" sz="1400" dirty="0"/>
+                  <a:t> Connect </a:t>
+                </a:r>
+                <a:r>
+                  <a:rPr lang="en-US" sz="1400" dirty="0" err="1"/>
+                  <a:t>với</a:t>
+                </a:r>
+                <a:r>
+                  <a:rPr lang="en-US" sz="1400" dirty="0"/>
+                  <a:t> </a:t>
+                </a:r>
+                <a:r>
+                  <a:rPr lang="en-US" sz="1400" dirty="0" err="1"/>
+                  <a:t>những</a:t>
+                </a:r>
+                <a:r>
+                  <a:rPr lang="en-US" sz="1400" dirty="0"/>
+                  <a:t> </a:t>
+                </a:r>
+                <a:r>
+                  <a:rPr lang="en-US" sz="1400" dirty="0" err="1"/>
+                  <a:t>tập</a:t>
+                </a:r>
+                <a:r>
+                  <a:rPr lang="en-US" sz="1400" dirty="0"/>
+                  <a:t> </a:t>
+                </a:r>
+                <a:r>
+                  <a:rPr lang="en-US" sz="1400" dirty="0" err="1"/>
+                  <a:t>khác</a:t>
+                </a:r>
+                <a:r>
+                  <a:rPr lang="en-US" sz="1400" dirty="0"/>
+                  <a:t>. </a:t>
+                </a:r>
+                <a:r>
+                  <a:rPr lang="en-US" sz="1400" dirty="0" err="1"/>
+                  <a:t>Nguyên</a:t>
+                </a:r>
+                <a:r>
+                  <a:rPr lang="en-US" sz="1400" dirty="0"/>
+                  <a:t> </a:t>
+                </a:r>
+                <a:r>
+                  <a:rPr lang="en-US" sz="1400" dirty="0" err="1"/>
+                  <a:t>nhân</a:t>
+                </a:r>
+                <a:r>
+                  <a:rPr lang="en-US" sz="1400" dirty="0"/>
+                  <a:t> </a:t>
+                </a:r>
+                <a:r>
+                  <a:rPr lang="en-US" sz="1400" dirty="0" err="1"/>
+                  <a:t>là</a:t>
+                </a:r>
+                <a:r>
+                  <a:rPr lang="en-US" sz="1400" dirty="0"/>
+                  <a:t> do </a:t>
+                </a:r>
+                <a:r>
+                  <a:rPr lang="en-US" sz="1400" dirty="0" err="1"/>
+                  <a:t>thuật</a:t>
+                </a:r>
+                <a:r>
+                  <a:rPr lang="en-US" sz="1400" dirty="0"/>
+                  <a:t> </a:t>
+                </a:r>
+                <a:r>
+                  <a:rPr lang="en-US" sz="1400" dirty="0" err="1"/>
+                  <a:t>toán</a:t>
+                </a:r>
+                <a:r>
+                  <a:rPr lang="en-US" sz="1400" dirty="0"/>
+                  <a:t> </a:t>
+                </a:r>
+                <a14:m>
+                  <m:oMath xmlns:m="http://schemas.openxmlformats.org/officeDocument/2006/math">
+                    <m:r>
+                      <a:rPr lang="en-US" sz="1400" i="1"/>
+                      <m:t>𝑃𝑇</m:t>
+                    </m:r>
+                  </m:oMath>
+                </a14:m>
+                <a:r>
+                  <a:rPr lang="en-US" sz="1400" dirty="0"/>
+                  <a:t> </a:t>
+                </a:r>
+                <a:r>
+                  <a:rPr lang="en-US" sz="1400" dirty="0" err="1"/>
+                  <a:t>không</a:t>
+                </a:r>
+                <a:r>
+                  <a:rPr lang="en-US" sz="1400" dirty="0"/>
+                  <a:t> </a:t>
+                </a:r>
+                <a:r>
+                  <a:rPr lang="en-US" sz="1400" dirty="0" err="1"/>
+                  <a:t>rút</a:t>
+                </a:r>
+                <a:r>
+                  <a:rPr lang="en-US" sz="1400" dirty="0"/>
+                  <a:t> </a:t>
+                </a:r>
+                <a:r>
+                  <a:rPr lang="en-US" sz="1400" dirty="0" err="1"/>
+                  <a:t>tỉa</a:t>
+                </a:r>
+                <a:r>
+                  <a:rPr lang="en-US" sz="1400" dirty="0"/>
+                  <a:t> </a:t>
+                </a:r>
+                <a:r>
+                  <a:rPr lang="en-US" sz="1400" dirty="0" err="1"/>
+                  <a:t>cơ</a:t>
+                </a:r>
+                <a:r>
+                  <a:rPr lang="en-US" sz="1400" dirty="0"/>
+                  <a:t> </a:t>
+                </a:r>
+                <a:r>
+                  <a:rPr lang="en-US" sz="1400" dirty="0" err="1"/>
+                  <a:t>sở</a:t>
+                </a:r>
+                <a:r>
+                  <a:rPr lang="en-US" sz="1400" dirty="0"/>
+                  <a:t> </a:t>
+                </a:r>
+                <a:r>
+                  <a:rPr lang="en-US" sz="1400" dirty="0" err="1"/>
+                  <a:t>dữ</a:t>
+                </a:r>
+                <a:r>
+                  <a:rPr lang="en-US" sz="1400" dirty="0"/>
+                  <a:t> </a:t>
+                </a:r>
+                <a:r>
+                  <a:rPr lang="en-US" sz="1400" dirty="0" err="1"/>
+                  <a:t>liệu</a:t>
+                </a:r>
+                <a:r>
+                  <a:rPr lang="en-US" sz="1400" dirty="0"/>
+                  <a:t> </a:t>
+                </a:r>
+                <a:r>
+                  <a:rPr lang="en-US" sz="1400" dirty="0" err="1"/>
+                  <a:t>đầu</a:t>
+                </a:r>
+                <a:r>
+                  <a:rPr lang="en-US" sz="1400" dirty="0"/>
+                  <a:t> </a:t>
+                </a:r>
+                <a:r>
+                  <a:rPr lang="en-US" sz="1400" dirty="0" err="1"/>
+                  <a:t>vào</a:t>
+                </a:r>
+                <a:r>
+                  <a:rPr lang="en-US" sz="1400" dirty="0"/>
+                  <a:t> </a:t>
+                </a:r>
+                <a:r>
+                  <a:rPr lang="en-US" sz="1400" dirty="0" err="1"/>
+                  <a:t>trước</a:t>
+                </a:r>
+                <a:r>
+                  <a:rPr lang="en-US" sz="1400" dirty="0"/>
+                  <a:t> </a:t>
+                </a:r>
+                <a:r>
+                  <a:rPr lang="en-US" sz="1400" dirty="0" err="1"/>
+                  <a:t>khi</a:t>
+                </a:r>
+                <a:r>
+                  <a:rPr lang="en-US" sz="1400" dirty="0"/>
+                  <a:t> </a:t>
+                </a:r>
+                <a:r>
+                  <a:rPr lang="en-US" sz="1400" dirty="0" err="1"/>
+                  <a:t>xây</a:t>
+                </a:r>
+                <a:r>
+                  <a:rPr lang="en-US" sz="1400" dirty="0"/>
+                  <a:t> </a:t>
+                </a:r>
+                <a:r>
+                  <a:rPr lang="en-US" sz="1400" dirty="0" err="1"/>
+                  <a:t>dựng</a:t>
+                </a:r>
+                <a:r>
+                  <a:rPr lang="en-US" sz="1400" dirty="0"/>
+                  <a:t> </a:t>
+                </a:r>
+                <a:r>
+                  <a:rPr lang="en-US" sz="1400" dirty="0" err="1"/>
+                  <a:t>cây</a:t>
+                </a:r>
+                <a:r>
+                  <a:rPr lang="en-US" sz="1400" dirty="0"/>
+                  <a:t> Pi-Tree </a:t>
+                </a:r>
+                <a:r>
+                  <a:rPr lang="en-US" sz="1400" dirty="0" err="1"/>
+                  <a:t>và</a:t>
+                </a:r>
+                <a:r>
+                  <a:rPr lang="en-US" sz="1400" dirty="0"/>
+                  <a:t> </a:t>
+                </a:r>
+                <a:r>
+                  <a:rPr lang="en-US" sz="1400" dirty="0" err="1"/>
+                  <a:t>số</a:t>
+                </a:r>
+                <a:r>
+                  <a:rPr lang="en-US" sz="1400" dirty="0"/>
+                  <a:t> </a:t>
+                </a:r>
+                <a:r>
+                  <a:rPr lang="en-US" sz="1400" dirty="0" err="1"/>
+                  <a:t>đỉnh</a:t>
+                </a:r>
+                <a:r>
+                  <a:rPr lang="en-US" sz="1400" dirty="0"/>
+                  <a:t> </a:t>
+                </a:r>
+                <a:r>
+                  <a:rPr lang="en-US" sz="1400" dirty="0" err="1"/>
+                  <a:t>phát</a:t>
+                </a:r>
+                <a:r>
+                  <a:rPr lang="en-US" sz="1400" dirty="0"/>
+                  <a:t> </a:t>
+                </a:r>
+                <a:r>
+                  <a:rPr lang="en-US" sz="1400" dirty="0" err="1"/>
+                  <a:t>sinh</a:t>
+                </a:r>
+                <a:r>
+                  <a:rPr lang="en-US" sz="1400" dirty="0"/>
+                  <a:t> </a:t>
+                </a:r>
+                <a:r>
+                  <a:rPr lang="en-US" sz="1400" dirty="0" err="1"/>
+                  <a:t>trên</a:t>
+                </a:r>
+                <a:r>
+                  <a:rPr lang="en-US" sz="1400" dirty="0"/>
+                  <a:t> </a:t>
+                </a:r>
+                <a:r>
+                  <a:rPr lang="en-US" sz="1400" dirty="0" err="1"/>
+                  <a:t>tập</a:t>
+                </a:r>
+                <a:r>
+                  <a:rPr lang="en-US" sz="1400" dirty="0"/>
+                  <a:t> Connect </a:t>
+                </a:r>
+                <a:r>
+                  <a:rPr lang="en-US" sz="1400" dirty="0" err="1"/>
+                  <a:t>là</a:t>
+                </a:r>
+                <a:r>
+                  <a:rPr lang="en-US" sz="1400" dirty="0"/>
+                  <a:t> 359,291, </a:t>
+                </a:r>
+                <a:r>
+                  <a:rPr lang="en-US" sz="1400" dirty="0" err="1"/>
+                  <a:t>trên</a:t>
+                </a:r>
+                <a:r>
+                  <a:rPr lang="en-US" sz="1400" dirty="0"/>
+                  <a:t> </a:t>
+                </a:r>
+                <a:r>
+                  <a:rPr lang="en-US" sz="1400" dirty="0" err="1"/>
+                  <a:t>tập</a:t>
+                </a:r>
+                <a:r>
+                  <a:rPr lang="en-US" sz="1400" dirty="0"/>
+                  <a:t> Accidents </a:t>
+                </a:r>
+                <a:r>
+                  <a:rPr lang="en-US" sz="1400" dirty="0" err="1"/>
+                  <a:t>là</a:t>
+                </a:r>
+                <a:r>
+                  <a:rPr lang="en-US" sz="1400" dirty="0"/>
+                  <a:t> 4,243,241, </a:t>
+                </a:r>
+                <a:r>
+                  <a:rPr lang="en-US" sz="1400" dirty="0" err="1"/>
+                  <a:t>trên</a:t>
+                </a:r>
+                <a:r>
+                  <a:rPr lang="en-US" sz="1400" dirty="0"/>
+                  <a:t> </a:t>
+                </a:r>
+                <a:r>
+                  <a:rPr lang="en-US" sz="1400" dirty="0" err="1"/>
+                  <a:t>tập</a:t>
+                </a:r>
+                <a:r>
+                  <a:rPr lang="en-US" sz="1400" dirty="0"/>
+                  <a:t> Syn_data1 </a:t>
+                </a:r>
+                <a:r>
+                  <a:rPr lang="en-US" sz="1400" dirty="0" err="1"/>
+                  <a:t>là</a:t>
+                </a:r>
+                <a:r>
+                  <a:rPr lang="en-US" sz="1400" dirty="0"/>
+                  <a:t> 17,021,247 </a:t>
+                </a:r>
+                <a:r>
+                  <a:rPr lang="en-US" sz="1400" dirty="0" err="1"/>
+                  <a:t>và</a:t>
+                </a:r>
+                <a:r>
+                  <a:rPr lang="en-US" sz="1400" dirty="0"/>
+                  <a:t> </a:t>
+                </a:r>
+                <a:r>
+                  <a:rPr lang="en-US" sz="1400" dirty="0" err="1"/>
+                  <a:t>trên</a:t>
+                </a:r>
+                <a:r>
+                  <a:rPr lang="en-US" sz="1400" dirty="0"/>
+                  <a:t> </a:t>
+                </a:r>
+                <a:r>
+                  <a:rPr lang="en-US" sz="1400" dirty="0" err="1"/>
+                  <a:t>tập</a:t>
+                </a:r>
+                <a:r>
+                  <a:rPr lang="en-US" sz="1400" dirty="0"/>
+                  <a:t> Syn_data2 </a:t>
+                </a:r>
+                <a:r>
+                  <a:rPr lang="en-US" sz="1400" dirty="0" err="1"/>
+                  <a:t>là</a:t>
+                </a:r>
+                <a:r>
+                  <a:rPr lang="en-US" sz="1400" dirty="0"/>
+                  <a:t> 18,152,498.</a:t>
+                </a:r>
+                <a:endParaRPr lang="en-US" sz="1400" dirty="0"/>
+              </a:p>
+            </p:txBody>
+          </p:sp>
+        </mc:Choice>
+        <mc:Fallback>
+          <p:sp>
+            <p:nvSpPr>
+              <p:cNvPr id="21" name="TextBox 20"/>
+              <p:cNvSpPr txBox="1">
+                <a:spLocks noRot="1" noChangeAspect="1" noMove="1" noResize="1" noEditPoints="1" noAdjustHandles="1" noChangeArrowheads="1" noChangeShapeType="1" noTextEdit="1"/>
+              </p:cNvSpPr>
+              <p:nvPr/>
+            </p:nvSpPr>
+            <p:spPr>
+              <a:xfrm>
+                <a:off x="9182100" y="1690688"/>
+                <a:ext cx="2806700" cy="4939814"/>
+              </a:xfrm>
+              <a:prstGeom prst="rect">
+                <a:avLst/>
+              </a:prstGeom>
+              <a:blipFill rotWithShape="0">
+                <a:blip r:embed="rId7"/>
+                <a:stretch>
+                  <a:fillRect l="-651" r="-1735"/>
+                </a:stretch>
+              </a:blipFill>
+            </p:spPr>
+            <p:txBody>
+              <a:bodyPr/>
+              <a:lstStyle/>
+              <a:p>
+                <a:r>
+                  <a:rPr lang="en-US">
+                    <a:noFill/>
+                  </a:rPr>
+                  <a:t> </a:t>
+                </a:r>
+              </a:p>
+            </p:txBody>
+          </p:sp>
+        </mc:Fallback>
+      </mc:AlternateContent>
+      <p:sp>
+        <p:nvSpPr>
+          <p:cNvPr id="22" name="Slide Number Placeholder 21"/>
           <p:cNvSpPr>
             <a:spLocks noGrp="1"/>
           </p:cNvSpPr>
           <p:nvPr>
-            <p:ph idx="1"/>
+            <p:ph type="sldNum" sz="quarter" idx="12"/>
           </p:nvPr>
         </p:nvSpPr>
         <p:spPr/>
@@ -5641,7 +7633,11 @@
           <a:bodyPr/>
           <a:lstStyle/>
           <a:p>
-            <a:endParaRPr lang="en-US" dirty="0"/>
+            <a:fld id="{09BCD257-A602-407A-A5C5-1B58A212E395}" type="slidenum">
+              <a:rPr lang="en-US" smtClean="0"/>
+              <a:t>15</a:t>
+            </a:fld>
+            <a:endParaRPr lang="en-US"/>
           </a:p>
         </p:txBody>
       </p:sp>
@@ -5773,14 +7769,328 @@
           </a:p>
         </p:txBody>
       </p:sp>
+      <p:grpSp>
+        <p:nvGrpSpPr>
+          <p:cNvPr id="12" name="Group 11"/>
+          <p:cNvGrpSpPr/>
+          <p:nvPr/>
+        </p:nvGrpSpPr>
+        <p:grpSpPr>
+          <a:xfrm>
+            <a:off x="348219" y="1728788"/>
+            <a:ext cx="8903732" cy="4972595"/>
+            <a:chOff x="1719819" y="1809749"/>
+            <a:chExt cx="8903732" cy="4972595"/>
+          </a:xfrm>
+        </p:grpSpPr>
+        <p:pic>
+          <p:nvPicPr>
+            <p:cNvPr id="4" name="Picture 3"/>
+            <p:cNvPicPr/>
+            <p:nvPr/>
+          </p:nvPicPr>
+          <p:blipFill>
+            <a:blip r:embed="rId2">
+              <a:extLst>
+                <a:ext uri="{28A0092B-C50C-407E-A947-70E740481C1C}">
+                  <a14:useLocalDpi xmlns:a14="http://schemas.microsoft.com/office/drawing/2010/main" val="0"/>
+                </a:ext>
+              </a:extLst>
+            </a:blip>
+            <a:srcRect/>
+            <a:stretch>
+              <a:fillRect/>
+            </a:stretch>
+          </p:blipFill>
+          <p:spPr bwMode="auto">
+            <a:xfrm>
+              <a:off x="2114551" y="1809749"/>
+              <a:ext cx="3930649" cy="2362745"/>
+            </a:xfrm>
+            <a:prstGeom prst="rect">
+              <a:avLst/>
+            </a:prstGeom>
+            <a:noFill/>
+          </p:spPr>
+        </p:pic>
+        <p:pic>
+          <p:nvPicPr>
+            <p:cNvPr id="5" name="Picture 4"/>
+            <p:cNvPicPr/>
+            <p:nvPr/>
+          </p:nvPicPr>
+          <p:blipFill>
+            <a:blip r:embed="rId3">
+              <a:extLst>
+                <a:ext uri="{28A0092B-C50C-407E-A947-70E740481C1C}">
+                  <a14:useLocalDpi xmlns:a14="http://schemas.microsoft.com/office/drawing/2010/main" val="0"/>
+                </a:ext>
+              </a:extLst>
+            </a:blip>
+            <a:srcRect/>
+            <a:stretch>
+              <a:fillRect/>
+            </a:stretch>
+          </p:blipFill>
+          <p:spPr bwMode="auto">
+            <a:xfrm>
+              <a:off x="6692900" y="1809750"/>
+              <a:ext cx="3930650" cy="2362745"/>
+            </a:xfrm>
+            <a:prstGeom prst="rect">
+              <a:avLst/>
+            </a:prstGeom>
+            <a:noFill/>
+          </p:spPr>
+        </p:pic>
+        <p:pic>
+          <p:nvPicPr>
+            <p:cNvPr id="6" name="Picture 5"/>
+            <p:cNvPicPr/>
+            <p:nvPr/>
+          </p:nvPicPr>
+          <p:blipFill>
+            <a:blip r:embed="rId4">
+              <a:extLst>
+                <a:ext uri="{28A0092B-C50C-407E-A947-70E740481C1C}">
+                  <a14:useLocalDpi xmlns:a14="http://schemas.microsoft.com/office/drawing/2010/main" val="0"/>
+                </a:ext>
+              </a:extLst>
+            </a:blip>
+            <a:srcRect/>
+            <a:stretch>
+              <a:fillRect/>
+            </a:stretch>
+          </p:blipFill>
+          <p:spPr bwMode="auto">
+            <a:xfrm>
+              <a:off x="2114550" y="4419599"/>
+              <a:ext cx="3930649" cy="2362745"/>
+            </a:xfrm>
+            <a:prstGeom prst="rect">
+              <a:avLst/>
+            </a:prstGeom>
+            <a:noFill/>
+          </p:spPr>
+        </p:pic>
+        <p:pic>
+          <p:nvPicPr>
+            <p:cNvPr id="7" name="Picture 6"/>
+            <p:cNvPicPr/>
+            <p:nvPr/>
+          </p:nvPicPr>
+          <p:blipFill>
+            <a:blip r:embed="rId5">
+              <a:extLst>
+                <a:ext uri="{28A0092B-C50C-407E-A947-70E740481C1C}">
+                  <a14:useLocalDpi xmlns:a14="http://schemas.microsoft.com/office/drawing/2010/main" val="0"/>
+                </a:ext>
+              </a:extLst>
+            </a:blip>
+            <a:srcRect/>
+            <a:stretch>
+              <a:fillRect/>
+            </a:stretch>
+          </p:blipFill>
+          <p:spPr bwMode="auto">
+            <a:xfrm>
+              <a:off x="6692901" y="4419599"/>
+              <a:ext cx="3930650" cy="2362745"/>
+            </a:xfrm>
+            <a:prstGeom prst="rect">
+              <a:avLst/>
+            </a:prstGeom>
+            <a:noFill/>
+          </p:spPr>
+        </p:pic>
+        <p:sp>
+          <p:nvSpPr>
+            <p:cNvPr id="8" name="TextBox 7"/>
+            <p:cNvSpPr txBox="1"/>
+            <p:nvPr/>
+          </p:nvSpPr>
+          <p:spPr>
+            <a:xfrm>
+              <a:off x="1719819" y="2496817"/>
+              <a:ext cx="400110" cy="1116652"/>
+            </a:xfrm>
+            <a:prstGeom prst="rect">
+              <a:avLst/>
+            </a:prstGeom>
+            <a:noFill/>
+          </p:spPr>
+          <p:txBody>
+            <a:bodyPr vert="vert270" wrap="none" rtlCol="0">
+              <a:spAutoFit/>
+            </a:bodyPr>
+            <a:lstStyle/>
+            <a:p>
+              <a:r>
+                <a:rPr lang="en-US" sz="1400" dirty="0" err="1" smtClean="0"/>
+                <a:t>Tập</a:t>
+              </a:r>
+              <a:r>
+                <a:rPr lang="en-US" sz="1400" dirty="0" smtClean="0"/>
+                <a:t> Connect</a:t>
+              </a:r>
+              <a:endParaRPr lang="en-US" sz="1400" dirty="0"/>
+            </a:p>
+          </p:txBody>
+        </p:sp>
+        <p:sp>
+          <p:nvSpPr>
+            <p:cNvPr id="9" name="TextBox 8"/>
+            <p:cNvSpPr txBox="1"/>
+            <p:nvPr/>
+          </p:nvSpPr>
+          <p:spPr>
+            <a:xfrm>
+              <a:off x="1719819" y="4952876"/>
+              <a:ext cx="400110" cy="1296189"/>
+            </a:xfrm>
+            <a:prstGeom prst="rect">
+              <a:avLst/>
+            </a:prstGeom>
+            <a:noFill/>
+          </p:spPr>
+          <p:txBody>
+            <a:bodyPr vert="vert270" wrap="none" rtlCol="0">
+              <a:spAutoFit/>
+            </a:bodyPr>
+            <a:lstStyle/>
+            <a:p>
+              <a:r>
+                <a:rPr lang="en-US" sz="1400" dirty="0" err="1" smtClean="0"/>
+                <a:t>Tập</a:t>
+              </a:r>
+              <a:r>
+                <a:rPr lang="en-US" sz="1400" dirty="0" smtClean="0"/>
+                <a:t> Syn_data1</a:t>
+              </a:r>
+              <a:endParaRPr lang="en-US" sz="1400" dirty="0"/>
+            </a:p>
+          </p:txBody>
+        </p:sp>
+        <p:sp>
+          <p:nvSpPr>
+            <p:cNvPr id="10" name="TextBox 9"/>
+            <p:cNvSpPr txBox="1"/>
+            <p:nvPr/>
+          </p:nvSpPr>
+          <p:spPr>
+            <a:xfrm>
+              <a:off x="6292790" y="2441513"/>
+              <a:ext cx="400110" cy="1227259"/>
+            </a:xfrm>
+            <a:prstGeom prst="rect">
+              <a:avLst/>
+            </a:prstGeom>
+            <a:noFill/>
+          </p:spPr>
+          <p:txBody>
+            <a:bodyPr vert="vert270" wrap="none" rtlCol="0">
+              <a:spAutoFit/>
+            </a:bodyPr>
+            <a:lstStyle/>
+            <a:p>
+              <a:r>
+                <a:rPr lang="en-US" sz="1400" dirty="0" err="1" smtClean="0"/>
+                <a:t>Tập</a:t>
+              </a:r>
+              <a:r>
+                <a:rPr lang="en-US" sz="1400" dirty="0" smtClean="0"/>
+                <a:t> Accidents</a:t>
+              </a:r>
+              <a:endParaRPr lang="en-US" sz="1400" dirty="0"/>
+            </a:p>
+          </p:txBody>
+        </p:sp>
+        <p:sp>
+          <p:nvSpPr>
+            <p:cNvPr id="11" name="TextBox 10"/>
+            <p:cNvSpPr txBox="1"/>
+            <p:nvPr/>
+          </p:nvSpPr>
+          <p:spPr>
+            <a:xfrm>
+              <a:off x="6292790" y="4952875"/>
+              <a:ext cx="400110" cy="1296189"/>
+            </a:xfrm>
+            <a:prstGeom prst="rect">
+              <a:avLst/>
+            </a:prstGeom>
+            <a:noFill/>
+          </p:spPr>
+          <p:txBody>
+            <a:bodyPr vert="vert270" wrap="none" rtlCol="0">
+              <a:spAutoFit/>
+            </a:bodyPr>
+            <a:lstStyle/>
+            <a:p>
+              <a:r>
+                <a:rPr lang="en-US" sz="1400" dirty="0" err="1" smtClean="0"/>
+                <a:t>Tập</a:t>
+              </a:r>
+              <a:r>
+                <a:rPr lang="en-US" sz="1400" dirty="0" smtClean="0"/>
+                <a:t> Syn_data2</a:t>
+              </a:r>
+              <a:endParaRPr lang="en-US" sz="1400" dirty="0"/>
+            </a:p>
+          </p:txBody>
+        </p:sp>
+      </p:grpSp>
       <p:sp>
         <p:nvSpPr>
-          <p:cNvPr id="3" name="Content Placeholder 2"/>
+          <p:cNvPr id="13" name="TextBox 12"/>
+          <p:cNvSpPr txBox="1"/>
+          <p:nvPr/>
+        </p:nvSpPr>
+        <p:spPr>
+          <a:xfrm>
+            <a:off x="9448800" y="1732593"/>
+            <a:ext cx="2273300" cy="2963632"/>
+          </a:xfrm>
+          <a:prstGeom prst="rect">
+            <a:avLst/>
+          </a:prstGeom>
+          <a:noFill/>
+        </p:spPr>
+        <p:txBody>
+          <a:bodyPr wrap="square" rtlCol="0">
+            <a:spAutoFit/>
+          </a:bodyPr>
+          <a:lstStyle/>
+          <a:p>
+            <a:pPr>
+              <a:lnSpc>
+                <a:spcPct val="150000"/>
+              </a:lnSpc>
+            </a:pPr>
+            <a:r>
+              <a:rPr lang="vi-VN" sz="1400" dirty="0"/>
+              <a:t>Thời gian tiền xử lý càng tăng khi tập dữ liệu đầu vào càng lớn. Thuật toán BT có thời gian tiền xử lý lâu hơn BTI và BTIV là vì thuật toán BT không rút tỉa cơ sở dữ liệu đầu vào trước khi chuyển qua </a:t>
+            </a:r>
+            <a:r>
+              <a:rPr lang="vi-VN" sz="1400" dirty="0" smtClean="0"/>
+              <a:t>BitTable</a:t>
+            </a:r>
+            <a:r>
+              <a:rPr lang="en-US" sz="1400" dirty="0" smtClean="0"/>
+              <a:t>.</a:t>
+            </a:r>
+            <a:endParaRPr lang="en-US" sz="1400" dirty="0"/>
+          </a:p>
+        </p:txBody>
+      </p:sp>
+      <p:sp>
+        <p:nvSpPr>
+          <p:cNvPr id="14" name="Slide Number Placeholder 13"/>
           <p:cNvSpPr>
             <a:spLocks noGrp="1"/>
           </p:cNvSpPr>
           <p:nvPr>
-            <p:ph idx="1"/>
+            <p:ph type="sldNum" sz="quarter" idx="12"/>
           </p:nvPr>
         </p:nvSpPr>
         <p:spPr/>
@@ -5788,7 +8098,11 @@
           <a:bodyPr/>
           <a:lstStyle/>
           <a:p>
-            <a:endParaRPr lang="en-US" dirty="0"/>
+            <a:fld id="{09BCD257-A602-407A-A5C5-1B58A212E395}" type="slidenum">
+              <a:rPr lang="en-US" smtClean="0"/>
+              <a:t>16</a:t>
+            </a:fld>
+            <a:endParaRPr lang="en-US"/>
           </a:p>
         </p:txBody>
       </p:sp>
@@ -5916,14 +8230,1125 @@
           </a:p>
         </p:txBody>
       </p:sp>
+      <p:pic>
+        <p:nvPicPr>
+          <p:cNvPr id="4" name="Picture 3"/>
+          <p:cNvPicPr/>
+          <p:nvPr/>
+        </p:nvPicPr>
+        <p:blipFill>
+          <a:blip r:embed="rId2">
+            <a:extLst>
+              <a:ext uri="{28A0092B-C50C-407E-A947-70E740481C1C}">
+                <a14:useLocalDpi xmlns:a14="http://schemas.microsoft.com/office/drawing/2010/main" val="0"/>
+              </a:ext>
+            </a:extLst>
+          </a:blip>
+          <a:srcRect/>
+          <a:stretch>
+            <a:fillRect/>
+          </a:stretch>
+        </p:blipFill>
+        <p:spPr bwMode="auto">
+          <a:xfrm>
+            <a:off x="791181" y="1835150"/>
+            <a:ext cx="3634282" cy="2195136"/>
+          </a:xfrm>
+          <a:prstGeom prst="rect">
+            <a:avLst/>
+          </a:prstGeom>
+          <a:noFill/>
+        </p:spPr>
+      </p:pic>
+      <p:pic>
+        <p:nvPicPr>
+          <p:cNvPr id="5" name="Picture 4"/>
+          <p:cNvPicPr/>
+          <p:nvPr/>
+        </p:nvPicPr>
+        <p:blipFill>
+          <a:blip r:embed="rId3">
+            <a:extLst>
+              <a:ext uri="{28A0092B-C50C-407E-A947-70E740481C1C}">
+                <a14:useLocalDpi xmlns:a14="http://schemas.microsoft.com/office/drawing/2010/main" val="0"/>
+              </a:ext>
+            </a:extLst>
+          </a:blip>
+          <a:srcRect/>
+          <a:stretch>
+            <a:fillRect/>
+          </a:stretch>
+        </p:blipFill>
+        <p:spPr bwMode="auto">
+          <a:xfrm>
+            <a:off x="4869678" y="1835150"/>
+            <a:ext cx="3639322" cy="2195136"/>
+          </a:xfrm>
+          <a:prstGeom prst="rect">
+            <a:avLst/>
+          </a:prstGeom>
+          <a:noFill/>
+        </p:spPr>
+      </p:pic>
+      <p:pic>
+        <p:nvPicPr>
+          <p:cNvPr id="6" name="Picture 5"/>
+          <p:cNvPicPr/>
+          <p:nvPr/>
+        </p:nvPicPr>
+        <p:blipFill>
+          <a:blip r:embed="rId4">
+            <a:extLst>
+              <a:ext uri="{28A0092B-C50C-407E-A947-70E740481C1C}">
+                <a14:useLocalDpi xmlns:a14="http://schemas.microsoft.com/office/drawing/2010/main" val="0"/>
+              </a:ext>
+            </a:extLst>
+          </a:blip>
+          <a:srcRect/>
+          <a:stretch>
+            <a:fillRect/>
+          </a:stretch>
+        </p:blipFill>
+        <p:spPr bwMode="auto">
+          <a:xfrm>
+            <a:off x="791181" y="4269164"/>
+            <a:ext cx="3634282" cy="2192096"/>
+          </a:xfrm>
+          <a:prstGeom prst="rect">
+            <a:avLst/>
+          </a:prstGeom>
+          <a:noFill/>
+        </p:spPr>
+      </p:pic>
+      <p:pic>
+        <p:nvPicPr>
+          <p:cNvPr id="7" name="Picture 6"/>
+          <p:cNvPicPr/>
+          <p:nvPr/>
+        </p:nvPicPr>
+        <p:blipFill>
+          <a:blip r:embed="rId5">
+            <a:extLst>
+              <a:ext uri="{28A0092B-C50C-407E-A947-70E740481C1C}">
+                <a14:useLocalDpi xmlns:a14="http://schemas.microsoft.com/office/drawing/2010/main" val="0"/>
+              </a:ext>
+            </a:extLst>
+          </a:blip>
+          <a:srcRect/>
+          <a:stretch>
+            <a:fillRect/>
+          </a:stretch>
+        </p:blipFill>
+        <p:spPr bwMode="auto">
+          <a:xfrm>
+            <a:off x="4869678" y="4269164"/>
+            <a:ext cx="3639322" cy="2195136"/>
+          </a:xfrm>
+          <a:prstGeom prst="rect">
+            <a:avLst/>
+          </a:prstGeom>
+          <a:noFill/>
+        </p:spPr>
+      </p:pic>
       <p:sp>
         <p:nvSpPr>
-          <p:cNvPr id="3" name="Content Placeholder 2"/>
+          <p:cNvPr id="8" name="TextBox 7"/>
+          <p:cNvSpPr txBox="1"/>
+          <p:nvPr/>
+        </p:nvSpPr>
+        <p:spPr>
+          <a:xfrm>
+            <a:off x="359524" y="2328302"/>
+            <a:ext cx="431657" cy="1208831"/>
+          </a:xfrm>
+          <a:prstGeom prst="rect">
+            <a:avLst/>
+          </a:prstGeom>
+          <a:noFill/>
+        </p:spPr>
+        <p:txBody>
+          <a:bodyPr vert="vert270" wrap="none" rtlCol="0">
+            <a:spAutoFit/>
+          </a:bodyPr>
+          <a:lstStyle/>
+          <a:p>
+            <a:r>
+              <a:rPr lang="en-US" sz="1400" dirty="0" err="1" smtClean="0"/>
+              <a:t>Tập</a:t>
+            </a:r>
+            <a:r>
+              <a:rPr lang="en-US" sz="1400" dirty="0" smtClean="0"/>
+              <a:t> Connect</a:t>
+            </a:r>
+            <a:endParaRPr lang="en-US" sz="1400" dirty="0"/>
+          </a:p>
+        </p:txBody>
+      </p:sp>
+      <p:sp>
+        <p:nvSpPr>
+          <p:cNvPr id="9" name="TextBox 8"/>
+          <p:cNvSpPr txBox="1"/>
+          <p:nvPr/>
+        </p:nvSpPr>
+        <p:spPr>
+          <a:xfrm>
+            <a:off x="4438020" y="2328302"/>
+            <a:ext cx="431657" cy="1328569"/>
+          </a:xfrm>
+          <a:prstGeom prst="rect">
+            <a:avLst/>
+          </a:prstGeom>
+          <a:noFill/>
+        </p:spPr>
+        <p:txBody>
+          <a:bodyPr vert="vert270" wrap="none" rtlCol="0">
+            <a:spAutoFit/>
+          </a:bodyPr>
+          <a:lstStyle/>
+          <a:p>
+            <a:r>
+              <a:rPr lang="en-US" sz="1400" dirty="0" err="1" smtClean="0"/>
+              <a:t>Tập</a:t>
+            </a:r>
+            <a:r>
+              <a:rPr lang="en-US" sz="1400" dirty="0" smtClean="0"/>
+              <a:t> Accidents</a:t>
+            </a:r>
+            <a:endParaRPr lang="en-US" sz="1400" dirty="0"/>
+          </a:p>
+        </p:txBody>
+      </p:sp>
+      <p:sp>
+        <p:nvSpPr>
+          <p:cNvPr id="10" name="TextBox 9"/>
+          <p:cNvSpPr txBox="1"/>
+          <p:nvPr/>
+        </p:nvSpPr>
+        <p:spPr>
+          <a:xfrm>
+            <a:off x="359524" y="4663617"/>
+            <a:ext cx="431657" cy="1403189"/>
+          </a:xfrm>
+          <a:prstGeom prst="rect">
+            <a:avLst/>
+          </a:prstGeom>
+          <a:noFill/>
+        </p:spPr>
+        <p:txBody>
+          <a:bodyPr vert="vert270" wrap="none" rtlCol="0">
+            <a:spAutoFit/>
+          </a:bodyPr>
+          <a:lstStyle/>
+          <a:p>
+            <a:r>
+              <a:rPr lang="en-US" sz="1400" dirty="0" err="1" smtClean="0"/>
+              <a:t>Tập</a:t>
+            </a:r>
+            <a:r>
+              <a:rPr lang="en-US" sz="1400" dirty="0" smtClean="0"/>
+              <a:t> Syn_data1</a:t>
+            </a:r>
+            <a:endParaRPr lang="en-US" sz="1400" dirty="0"/>
+          </a:p>
+        </p:txBody>
+      </p:sp>
+      <p:sp>
+        <p:nvSpPr>
+          <p:cNvPr id="11" name="TextBox 10"/>
+          <p:cNvSpPr txBox="1"/>
+          <p:nvPr/>
+        </p:nvSpPr>
+        <p:spPr>
+          <a:xfrm>
+            <a:off x="4438020" y="4663616"/>
+            <a:ext cx="431657" cy="1403189"/>
+          </a:xfrm>
+          <a:prstGeom prst="rect">
+            <a:avLst/>
+          </a:prstGeom>
+          <a:noFill/>
+        </p:spPr>
+        <p:txBody>
+          <a:bodyPr vert="vert270" wrap="none" rtlCol="0">
+            <a:spAutoFit/>
+          </a:bodyPr>
+          <a:lstStyle/>
+          <a:p>
+            <a:r>
+              <a:rPr lang="en-US" sz="1400" dirty="0" err="1" smtClean="0"/>
+              <a:t>Tập</a:t>
+            </a:r>
+            <a:r>
+              <a:rPr lang="en-US" sz="1400" dirty="0" smtClean="0"/>
+              <a:t> Syn_data2</a:t>
+            </a:r>
+            <a:endParaRPr lang="en-US" sz="1400" dirty="0"/>
+          </a:p>
+        </p:txBody>
+      </p:sp>
+      <p:sp>
+        <p:nvSpPr>
+          <p:cNvPr id="13" name="TextBox 12"/>
+          <p:cNvSpPr txBox="1"/>
+          <p:nvPr/>
+        </p:nvSpPr>
+        <p:spPr>
+          <a:xfrm>
+            <a:off x="9220200" y="2057400"/>
+            <a:ext cx="184731" cy="369332"/>
+          </a:xfrm>
+          <a:prstGeom prst="rect">
+            <a:avLst/>
+          </a:prstGeom>
+          <a:noFill/>
+        </p:spPr>
+        <p:txBody>
+          <a:bodyPr wrap="none" rtlCol="0">
+            <a:spAutoFit/>
+          </a:bodyPr>
+          <a:lstStyle/>
+          <a:p>
+            <a:endParaRPr lang="en-US" dirty="0"/>
+          </a:p>
+        </p:txBody>
+      </p:sp>
+      <mc:AlternateContent xmlns:mc="http://schemas.openxmlformats.org/markup-compatibility/2006">
+        <mc:Choice xmlns:a14="http://schemas.microsoft.com/office/drawing/2010/main" Requires="a14">
+          <p:sp>
+            <p:nvSpPr>
+              <p:cNvPr id="14" name="TextBox 13"/>
+              <p:cNvSpPr txBox="1"/>
+              <p:nvPr/>
+            </p:nvSpPr>
+            <p:spPr>
+              <a:xfrm>
+                <a:off x="8725185" y="1709738"/>
+                <a:ext cx="2628615" cy="4939814"/>
+              </a:xfrm>
+              <a:prstGeom prst="rect">
+                <a:avLst/>
+              </a:prstGeom>
+              <a:noFill/>
+            </p:spPr>
+            <p:txBody>
+              <a:bodyPr wrap="square" rtlCol="0">
+                <a:spAutoFit/>
+              </a:bodyPr>
+              <a:lstStyle/>
+              <a:p>
+                <a:pPr>
+                  <a:lnSpc>
+                    <a:spcPct val="150000"/>
+                  </a:lnSpc>
+                </a:pPr>
+                <a:r>
+                  <a:rPr lang="en-US" sz="1400" dirty="0" err="1"/>
+                  <a:t>Thời</a:t>
+                </a:r>
+                <a:r>
+                  <a:rPr lang="en-US" sz="1400" dirty="0"/>
+                  <a:t> </a:t>
+                </a:r>
+                <a:r>
+                  <a:rPr lang="en-US" sz="1400" dirty="0" err="1"/>
+                  <a:t>gian</a:t>
+                </a:r>
+                <a:r>
+                  <a:rPr lang="en-US" sz="1400" dirty="0"/>
+                  <a:t> </a:t>
+                </a:r>
+                <a:r>
+                  <a:rPr lang="en-US" sz="1400" dirty="0" err="1"/>
+                  <a:t>xử</a:t>
+                </a:r>
+                <a:r>
+                  <a:rPr lang="en-US" sz="1400" dirty="0"/>
+                  <a:t> </a:t>
+                </a:r>
+                <a:r>
+                  <a:rPr lang="en-US" sz="1400" dirty="0" err="1"/>
+                  <a:t>lý</a:t>
+                </a:r>
+                <a:r>
+                  <a:rPr lang="en-US" sz="1400" dirty="0"/>
+                  <a:t> </a:t>
+                </a:r>
+                <a:r>
+                  <a:rPr lang="en-US" sz="1400" dirty="0" err="1"/>
+                  <a:t>của</a:t>
+                </a:r>
+                <a:r>
+                  <a:rPr lang="en-US" sz="1400" dirty="0"/>
+                  <a:t> </a:t>
+                </a:r>
+                <a:r>
+                  <a:rPr lang="en-US" sz="1400" dirty="0" err="1"/>
+                  <a:t>thuật</a:t>
+                </a:r>
+                <a:r>
+                  <a:rPr lang="en-US" sz="1400" dirty="0"/>
+                  <a:t> </a:t>
+                </a:r>
+                <a:r>
+                  <a:rPr lang="en-US" sz="1400" dirty="0" err="1"/>
+                  <a:t>toán</a:t>
+                </a:r>
+                <a:r>
+                  <a:rPr lang="en-US" sz="1400" dirty="0"/>
+                  <a:t> </a:t>
+                </a:r>
+                <a14:m>
+                  <m:oMath xmlns:m="http://schemas.openxmlformats.org/officeDocument/2006/math">
+                    <m:r>
+                      <a:rPr lang="en-US" sz="1400" i="1"/>
+                      <m:t>𝐵𝑇</m:t>
+                    </m:r>
+                  </m:oMath>
+                </a14:m>
+                <a:r>
+                  <a:rPr lang="en-US" sz="1400" dirty="0"/>
+                  <a:t> </a:t>
+                </a:r>
+                <a:r>
+                  <a:rPr lang="en-US" sz="1400" dirty="0" err="1"/>
+                  <a:t>và</a:t>
+                </a:r>
+                <a:r>
+                  <a:rPr lang="en-US" sz="1400" dirty="0"/>
+                  <a:t> </a:t>
+                </a:r>
+                <a14:m>
+                  <m:oMath xmlns:m="http://schemas.openxmlformats.org/officeDocument/2006/math">
+                    <m:r>
+                      <a:rPr lang="en-US" sz="1400" i="1"/>
+                      <m:t>𝐵𝑇𝐼</m:t>
+                    </m:r>
+                  </m:oMath>
+                </a14:m>
+                <a:r>
+                  <a:rPr lang="en-US" sz="1400" dirty="0"/>
+                  <a:t> </a:t>
+                </a:r>
+                <a:r>
+                  <a:rPr lang="en-US" sz="1400" dirty="0" err="1"/>
+                  <a:t>không</a:t>
+                </a:r>
+                <a:r>
+                  <a:rPr lang="en-US" sz="1400" dirty="0"/>
+                  <a:t> </a:t>
+                </a:r>
+                <a:r>
+                  <a:rPr lang="en-US" sz="1400" dirty="0" err="1"/>
+                  <a:t>nhanh</a:t>
+                </a:r>
+                <a:r>
+                  <a:rPr lang="en-US" sz="1400" dirty="0"/>
+                  <a:t> </a:t>
+                </a:r>
+                <a:r>
+                  <a:rPr lang="en-US" sz="1400" dirty="0" err="1"/>
+                  <a:t>hơn</a:t>
+                </a:r>
+                <a:r>
+                  <a:rPr lang="en-US" sz="1400" dirty="0"/>
+                  <a:t> </a:t>
+                </a:r>
+                <a:r>
+                  <a:rPr lang="en-US" sz="1400" dirty="0" err="1"/>
+                  <a:t>thuật</a:t>
+                </a:r>
+                <a:r>
+                  <a:rPr lang="en-US" sz="1400" dirty="0"/>
+                  <a:t> </a:t>
+                </a:r>
+                <a:r>
+                  <a:rPr lang="en-US" sz="1400" dirty="0" err="1"/>
+                  <a:t>toán</a:t>
+                </a:r>
+                <a:r>
+                  <a:rPr lang="en-US" sz="1400" dirty="0"/>
+                  <a:t> </a:t>
+                </a:r>
+                <a14:m>
+                  <m:oMath xmlns:m="http://schemas.openxmlformats.org/officeDocument/2006/math">
+                    <m:r>
+                      <a:rPr lang="en-US" sz="1400" i="1"/>
+                      <m:t>𝑃𝑇</m:t>
+                    </m:r>
+                  </m:oMath>
+                </a14:m>
+                <a:r>
+                  <a:rPr lang="en-US" sz="1400" dirty="0"/>
+                  <a:t> </a:t>
+                </a:r>
+                <a:r>
+                  <a:rPr lang="en-US" sz="1400" dirty="0" err="1"/>
+                  <a:t>của</a:t>
+                </a:r>
+                <a:r>
+                  <a:rPr lang="en-US" sz="1400" dirty="0"/>
+                  <a:t> </a:t>
+                </a:r>
+                <a:r>
+                  <a:rPr lang="en-US" sz="1400" dirty="0" err="1"/>
+                  <a:t>tác</a:t>
+                </a:r>
+                <a:r>
+                  <a:rPr lang="en-US" sz="1400" dirty="0"/>
+                  <a:t> </a:t>
+                </a:r>
+                <a:r>
+                  <a:rPr lang="en-US" sz="1400" dirty="0" err="1"/>
+                  <a:t>giả</a:t>
+                </a:r>
+                <a:r>
+                  <a:rPr lang="en-US" sz="1400" dirty="0"/>
+                  <a:t> </a:t>
+                </a:r>
+                <a:r>
+                  <a:rPr lang="en-US" sz="1400" dirty="0" err="1"/>
+                  <a:t>bài</a:t>
+                </a:r>
+                <a:r>
+                  <a:rPr lang="en-US" sz="1400" dirty="0"/>
+                  <a:t> </a:t>
+                </a:r>
+                <a:r>
+                  <a:rPr lang="en-US" sz="1400" dirty="0" err="1"/>
+                  <a:t>báo</a:t>
+                </a:r>
+                <a:r>
+                  <a:rPr lang="en-US" sz="1400" dirty="0"/>
+                  <a:t> </a:t>
+                </a:r>
+                <a:r>
+                  <a:rPr lang="en-US" sz="1400" dirty="0" err="1"/>
+                  <a:t>gốc</a:t>
+                </a:r>
+                <a:r>
+                  <a:rPr lang="en-US" sz="1400" dirty="0"/>
+                  <a:t>. </a:t>
+                </a:r>
+                <a:r>
+                  <a:rPr lang="en-US" sz="1400" dirty="0" err="1"/>
+                  <a:t>Tuy</a:t>
+                </a:r>
+                <a:r>
+                  <a:rPr lang="en-US" sz="1400" dirty="0"/>
+                  <a:t> </a:t>
+                </a:r>
+                <a:r>
+                  <a:rPr lang="en-US" sz="1400" dirty="0" err="1"/>
+                  <a:t>nhiên</a:t>
+                </a:r>
+                <a:r>
+                  <a:rPr lang="en-US" sz="1400" dirty="0"/>
+                  <a:t>, </a:t>
+                </a:r>
+                <a:r>
+                  <a:rPr lang="en-US" sz="1400" dirty="0" err="1"/>
+                  <a:t>thuật</a:t>
+                </a:r>
+                <a:r>
+                  <a:rPr lang="en-US" sz="1400" dirty="0"/>
+                  <a:t> </a:t>
+                </a:r>
+                <a:r>
+                  <a:rPr lang="en-US" sz="1400" dirty="0" err="1"/>
+                  <a:t>toán</a:t>
+                </a:r>
+                <a:r>
+                  <a:rPr lang="en-US" sz="1400" dirty="0"/>
+                  <a:t> </a:t>
+                </a:r>
+                <a14:m>
+                  <m:oMath xmlns:m="http://schemas.openxmlformats.org/officeDocument/2006/math">
+                    <m:r>
+                      <a:rPr lang="en-US" sz="1400" i="1"/>
+                      <m:t>𝐵𝑇𝐼𝑉</m:t>
+                    </m:r>
+                  </m:oMath>
+                </a14:m>
+                <a:r>
+                  <a:rPr lang="en-US" sz="1400" dirty="0"/>
+                  <a:t> </a:t>
+                </a:r>
+                <a:r>
+                  <a:rPr lang="en-US" sz="1400" dirty="0" err="1"/>
+                  <a:t>có</a:t>
+                </a:r>
+                <a:r>
+                  <a:rPr lang="en-US" sz="1400" dirty="0"/>
+                  <a:t> </a:t>
+                </a:r>
+                <a:r>
+                  <a:rPr lang="en-US" sz="1400" dirty="0" err="1"/>
+                  <a:t>thời</a:t>
+                </a:r>
+                <a:r>
+                  <a:rPr lang="en-US" sz="1400" dirty="0"/>
+                  <a:t> </a:t>
+                </a:r>
+                <a:r>
+                  <a:rPr lang="en-US" sz="1400" dirty="0" err="1"/>
+                  <a:t>gian</a:t>
+                </a:r>
+                <a:r>
+                  <a:rPr lang="en-US" sz="1400" dirty="0"/>
+                  <a:t> </a:t>
+                </a:r>
+                <a:r>
+                  <a:rPr lang="en-US" sz="1400" dirty="0" err="1"/>
+                  <a:t>xử</a:t>
+                </a:r>
+                <a:r>
+                  <a:rPr lang="en-US" sz="1400" dirty="0"/>
+                  <a:t> </a:t>
+                </a:r>
+                <a:r>
+                  <a:rPr lang="en-US" sz="1400" dirty="0" err="1"/>
+                  <a:t>lý</a:t>
+                </a:r>
+                <a:r>
+                  <a:rPr lang="en-US" sz="1400" dirty="0"/>
+                  <a:t> </a:t>
+                </a:r>
+                <a:r>
+                  <a:rPr lang="en-US" sz="1400" dirty="0" err="1"/>
+                  <a:t>nhanh</a:t>
+                </a:r>
+                <a:r>
+                  <a:rPr lang="en-US" sz="1400" dirty="0"/>
+                  <a:t> </a:t>
+                </a:r>
+                <a:r>
+                  <a:rPr lang="en-US" sz="1400" dirty="0" err="1"/>
+                  <a:t>hơn</a:t>
+                </a:r>
+                <a:r>
+                  <a:rPr lang="en-US" sz="1400" dirty="0"/>
+                  <a:t> </a:t>
+                </a:r>
+                <a:r>
+                  <a:rPr lang="en-US" sz="1400" dirty="0" err="1"/>
+                  <a:t>đáng</a:t>
+                </a:r>
+                <a:r>
+                  <a:rPr lang="en-US" sz="1400" dirty="0"/>
+                  <a:t> </a:t>
+                </a:r>
+                <a:r>
+                  <a:rPr lang="en-US" sz="1400" dirty="0" err="1"/>
+                  <a:t>kể</a:t>
+                </a:r>
+                <a:r>
+                  <a:rPr lang="en-US" sz="1400" dirty="0"/>
+                  <a:t> so </a:t>
+                </a:r>
+                <a:r>
+                  <a:rPr lang="en-US" sz="1400" dirty="0" err="1"/>
+                  <a:t>với</a:t>
+                </a:r>
+                <a:r>
+                  <a:rPr lang="en-US" sz="1400" dirty="0"/>
+                  <a:t> </a:t>
+                </a:r>
+                <a:r>
+                  <a:rPr lang="en-US" sz="1400" dirty="0" err="1"/>
+                  <a:t>những</a:t>
+                </a:r>
+                <a:r>
+                  <a:rPr lang="en-US" sz="1400" dirty="0"/>
+                  <a:t> </a:t>
+                </a:r>
+                <a:r>
+                  <a:rPr lang="en-US" sz="1400" dirty="0" err="1"/>
+                  <a:t>thuật</a:t>
+                </a:r>
+                <a:r>
+                  <a:rPr lang="en-US" sz="1400" dirty="0"/>
+                  <a:t> </a:t>
+                </a:r>
+                <a:r>
+                  <a:rPr lang="en-US" sz="1400" dirty="0" err="1"/>
+                  <a:t>toán</a:t>
+                </a:r>
+                <a:r>
+                  <a:rPr lang="en-US" sz="1400" dirty="0"/>
+                  <a:t> </a:t>
+                </a:r>
+                <a:r>
+                  <a:rPr lang="en-US" sz="1400" dirty="0" err="1"/>
+                  <a:t>khác</a:t>
+                </a:r>
+                <a:r>
+                  <a:rPr lang="en-US" sz="1400" dirty="0"/>
+                  <a:t>. </a:t>
+                </a:r>
+                <a:endParaRPr lang="en-US" sz="1400" dirty="0" smtClean="0"/>
+              </a:p>
+              <a:p>
+                <a:pPr>
+                  <a:lnSpc>
+                    <a:spcPct val="150000"/>
+                  </a:lnSpc>
+                </a:pPr>
+                <a:r>
+                  <a:rPr lang="en-US" sz="1400" dirty="0" err="1"/>
+                  <a:t>Thời</a:t>
+                </a:r>
+                <a:r>
+                  <a:rPr lang="en-US" sz="1400" dirty="0"/>
+                  <a:t> </a:t>
+                </a:r>
+                <a:r>
+                  <a:rPr lang="en-US" sz="1400" dirty="0" err="1"/>
+                  <a:t>gian</a:t>
+                </a:r>
+                <a:r>
+                  <a:rPr lang="en-US" sz="1400" dirty="0"/>
+                  <a:t> </a:t>
+                </a:r>
+                <a:r>
+                  <a:rPr lang="en-US" sz="1400" dirty="0" err="1"/>
+                  <a:t>xử</a:t>
+                </a:r>
+                <a:r>
+                  <a:rPr lang="en-US" sz="1400" dirty="0"/>
+                  <a:t> </a:t>
+                </a:r>
+                <a:r>
+                  <a:rPr lang="en-US" sz="1400" dirty="0" err="1"/>
+                  <a:t>lý</a:t>
+                </a:r>
+                <a:r>
+                  <a:rPr lang="en-US" sz="1400" dirty="0"/>
+                  <a:t> </a:t>
+                </a:r>
+                <a:r>
+                  <a:rPr lang="en-US" sz="1400" dirty="0" err="1"/>
+                  <a:t>càng</a:t>
+                </a:r>
+                <a:r>
+                  <a:rPr lang="en-US" sz="1400" dirty="0"/>
+                  <a:t> </a:t>
+                </a:r>
+                <a:r>
+                  <a:rPr lang="en-US" sz="1400" dirty="0" err="1"/>
+                  <a:t>nhanh</a:t>
+                </a:r>
+                <a:r>
+                  <a:rPr lang="en-US" sz="1400" dirty="0"/>
+                  <a:t> </a:t>
+                </a:r>
+                <a:r>
+                  <a:rPr lang="en-US" sz="1400" dirty="0" err="1"/>
+                  <a:t>khi</a:t>
+                </a:r>
+                <a:r>
+                  <a:rPr lang="en-US" sz="1400" dirty="0"/>
+                  <a:t> </a:t>
+                </a:r>
+                <a:r>
+                  <a:rPr lang="en-US" sz="1400" dirty="0" err="1"/>
+                  <a:t>chiều</a:t>
+                </a:r>
+                <a:r>
+                  <a:rPr lang="en-US" sz="1400" dirty="0"/>
+                  <a:t> </a:t>
+                </a:r>
+                <a:r>
+                  <a:rPr lang="en-US" sz="1400" dirty="0" err="1"/>
+                  <a:t>dài</a:t>
+                </a:r>
+                <a:r>
+                  <a:rPr lang="en-US" sz="1400" dirty="0"/>
+                  <a:t> </a:t>
+                </a:r>
+                <a:r>
+                  <a:rPr lang="en-US" sz="1400" dirty="0" err="1"/>
+                  <a:t>itemset</a:t>
+                </a:r>
+                <a:r>
+                  <a:rPr lang="en-US" sz="1400" dirty="0"/>
+                  <a:t> </a:t>
+                </a:r>
+                <a:r>
+                  <a:rPr lang="en-US" sz="1400" dirty="0" err="1"/>
+                  <a:t>truy</a:t>
+                </a:r>
+                <a:r>
+                  <a:rPr lang="en-US" sz="1400" dirty="0"/>
+                  <a:t> </a:t>
+                </a:r>
+                <a:r>
+                  <a:rPr lang="en-US" sz="1400" dirty="0" err="1"/>
+                  <a:t>vấn</a:t>
+                </a:r>
+                <a:r>
+                  <a:rPr lang="en-US" sz="1400" dirty="0"/>
+                  <a:t> </a:t>
+                </a:r>
+                <a:r>
+                  <a:rPr lang="en-US" sz="1400" dirty="0" err="1"/>
+                  <a:t>càng</a:t>
+                </a:r>
+                <a:r>
+                  <a:rPr lang="en-US" sz="1400" dirty="0"/>
+                  <a:t> </a:t>
+                </a:r>
+                <a:r>
+                  <a:rPr lang="en-US" sz="1400" dirty="0" err="1"/>
+                  <a:t>dài</a:t>
+                </a:r>
+                <a:r>
+                  <a:rPr lang="en-US" sz="1400" dirty="0"/>
+                  <a:t>. </a:t>
+                </a:r>
+                <a:r>
+                  <a:rPr lang="en-US" sz="1400" dirty="0" err="1"/>
+                  <a:t>Điều</a:t>
+                </a:r>
+                <a:r>
+                  <a:rPr lang="en-US" sz="1400" dirty="0"/>
+                  <a:t> </a:t>
+                </a:r>
+                <a:r>
+                  <a:rPr lang="en-US" sz="1400" dirty="0" err="1"/>
+                  <a:t>này</a:t>
+                </a:r>
+                <a:r>
+                  <a:rPr lang="en-US" sz="1400" dirty="0"/>
+                  <a:t> </a:t>
+                </a:r>
+                <a:r>
+                  <a:rPr lang="en-US" sz="1400" dirty="0" err="1"/>
+                  <a:t>có</a:t>
+                </a:r>
+                <a:r>
+                  <a:rPr lang="en-US" sz="1400" dirty="0"/>
+                  <a:t> </a:t>
+                </a:r>
+                <a:r>
+                  <a:rPr lang="en-US" sz="1400" dirty="0" err="1"/>
+                  <a:t>thể</a:t>
+                </a:r>
+                <a:r>
+                  <a:rPr lang="en-US" sz="1400" dirty="0"/>
+                  <a:t> </a:t>
+                </a:r>
+                <a:r>
+                  <a:rPr lang="en-US" sz="1400" dirty="0" err="1"/>
+                  <a:t>được</a:t>
+                </a:r>
+                <a:r>
+                  <a:rPr lang="en-US" sz="1400" dirty="0"/>
+                  <a:t> </a:t>
+                </a:r>
+                <a:r>
+                  <a:rPr lang="en-US" sz="1400" dirty="0" err="1"/>
+                  <a:t>giải</a:t>
+                </a:r>
+                <a:r>
+                  <a:rPr lang="en-US" sz="1400" dirty="0"/>
+                  <a:t> </a:t>
+                </a:r>
+                <a:r>
+                  <a:rPr lang="en-US" sz="1400" dirty="0" err="1"/>
+                  <a:t>thích</a:t>
+                </a:r>
+                <a:r>
+                  <a:rPr lang="en-US" sz="1400" dirty="0"/>
+                  <a:t> </a:t>
+                </a:r>
+                <a:r>
+                  <a:rPr lang="en-US" sz="1400" dirty="0" err="1"/>
+                  <a:t>là</a:t>
+                </a:r>
+                <a:r>
+                  <a:rPr lang="en-US" sz="1400" dirty="0"/>
+                  <a:t> </a:t>
+                </a:r>
+                <a:r>
+                  <a:rPr lang="en-US" sz="1400" dirty="0" err="1"/>
+                  <a:t>vì</a:t>
+                </a:r>
+                <a:r>
+                  <a:rPr lang="en-US" sz="1400" dirty="0"/>
+                  <a:t> </a:t>
+                </a:r>
+                <a:r>
+                  <a:rPr lang="en-US" sz="1400" dirty="0" err="1"/>
+                  <a:t>có</a:t>
+                </a:r>
+                <a:r>
+                  <a:rPr lang="en-US" sz="1400" dirty="0"/>
+                  <a:t> </a:t>
+                </a:r>
+                <a:r>
+                  <a:rPr lang="en-US" sz="1400" dirty="0" err="1"/>
+                  <a:t>thể</a:t>
+                </a:r>
+                <a:r>
+                  <a:rPr lang="en-US" sz="1400" dirty="0"/>
+                  <a:t> </a:t>
+                </a:r>
+                <a:r>
+                  <a:rPr lang="en-US" sz="1400" dirty="0" err="1"/>
+                  <a:t>độ</a:t>
+                </a:r>
+                <a:r>
+                  <a:rPr lang="en-US" sz="1400" dirty="0"/>
+                  <a:t> </a:t>
+                </a:r>
+                <a:r>
+                  <a:rPr lang="en-US" sz="1400" dirty="0" err="1"/>
+                  <a:t>dài</a:t>
+                </a:r>
+                <a:r>
+                  <a:rPr lang="en-US" sz="1400" dirty="0"/>
+                  <a:t> </a:t>
+                </a:r>
+                <a:r>
+                  <a:rPr lang="en-US" sz="1400" dirty="0" err="1"/>
+                  <a:t>itemset</a:t>
+                </a:r>
+                <a:r>
+                  <a:rPr lang="en-US" sz="1400" dirty="0"/>
+                  <a:t> </a:t>
+                </a:r>
+                <a:r>
+                  <a:rPr lang="en-US" sz="1400" dirty="0" err="1"/>
+                  <a:t>truy</a:t>
+                </a:r>
+                <a:r>
+                  <a:rPr lang="en-US" sz="1400" dirty="0"/>
+                  <a:t> </a:t>
+                </a:r>
+                <a:r>
+                  <a:rPr lang="en-US" sz="1400" dirty="0" err="1"/>
+                  <a:t>vấn</a:t>
+                </a:r>
+                <a:r>
+                  <a:rPr lang="en-US" sz="1400" dirty="0"/>
+                  <a:t> </a:t>
+                </a:r>
+                <a:r>
+                  <a:rPr lang="en-US" sz="1400" dirty="0" err="1"/>
+                  <a:t>càng</a:t>
+                </a:r>
+                <a:r>
+                  <a:rPr lang="en-US" sz="1400" dirty="0"/>
+                  <a:t> </a:t>
+                </a:r>
+                <a:r>
+                  <a:rPr lang="en-US" sz="1400" dirty="0" err="1"/>
+                  <a:t>dài</a:t>
+                </a:r>
+                <a:r>
+                  <a:rPr lang="en-US" sz="1400" dirty="0"/>
+                  <a:t> </a:t>
+                </a:r>
+                <a:r>
+                  <a:rPr lang="en-US" sz="1400" dirty="0" err="1"/>
+                  <a:t>thì</a:t>
+                </a:r>
+                <a:r>
+                  <a:rPr lang="en-US" sz="1400" dirty="0"/>
+                  <a:t> </a:t>
+                </a:r>
+                <a:r>
+                  <a:rPr lang="en-US" sz="1400" dirty="0" err="1"/>
+                  <a:t>số</a:t>
+                </a:r>
+                <a:r>
+                  <a:rPr lang="en-US" sz="1400" dirty="0"/>
+                  <a:t> </a:t>
+                </a:r>
+                <a:r>
+                  <a:rPr lang="en-US" sz="1400" dirty="0" err="1"/>
+                  <a:t>giao</a:t>
+                </a:r>
+                <a:r>
+                  <a:rPr lang="en-US" sz="1400" dirty="0"/>
+                  <a:t> </a:t>
+                </a:r>
+                <a:r>
+                  <a:rPr lang="en-US" sz="1400" dirty="0" err="1"/>
+                  <a:t>dịch</a:t>
+                </a:r>
+                <a:r>
+                  <a:rPr lang="en-US" sz="1400" dirty="0"/>
+                  <a:t> </a:t>
+                </a:r>
+                <a:r>
+                  <a:rPr lang="en-US" sz="1400" dirty="0" err="1"/>
+                  <a:t>có</a:t>
+                </a:r>
+                <a:r>
+                  <a:rPr lang="en-US" sz="1400" dirty="0"/>
+                  <a:t> </a:t>
+                </a:r>
+                <a:r>
+                  <a:rPr lang="en-US" sz="1400" dirty="0" err="1"/>
+                  <a:t>chứa</a:t>
+                </a:r>
+                <a:r>
+                  <a:rPr lang="en-US" sz="1400" dirty="0"/>
+                  <a:t> </a:t>
+                </a:r>
+                <a:r>
+                  <a:rPr lang="en-US" sz="1400" dirty="0" err="1"/>
+                  <a:t>itemset</a:t>
+                </a:r>
+                <a:r>
+                  <a:rPr lang="en-US" sz="1400" dirty="0"/>
+                  <a:t> </a:t>
+                </a:r>
+                <a:r>
+                  <a:rPr lang="en-US" sz="1400" dirty="0" err="1"/>
+                  <a:t>truy</a:t>
+                </a:r>
+                <a:r>
+                  <a:rPr lang="en-US" sz="1400" dirty="0"/>
+                  <a:t> </a:t>
+                </a:r>
+                <a:r>
+                  <a:rPr lang="en-US" sz="1400" dirty="0" err="1"/>
+                  <a:t>vấn</a:t>
+                </a:r>
+                <a:r>
+                  <a:rPr lang="en-US" sz="1400" dirty="0"/>
+                  <a:t> </a:t>
+                </a:r>
+                <a:r>
+                  <a:rPr lang="en-US" sz="1400" dirty="0" err="1"/>
+                  <a:t>càng</a:t>
+                </a:r>
+                <a:r>
+                  <a:rPr lang="en-US" sz="1400" dirty="0"/>
+                  <a:t> </a:t>
+                </a:r>
+                <a:r>
+                  <a:rPr lang="en-US" sz="1400" dirty="0" err="1"/>
+                  <a:t>giảm</a:t>
+                </a:r>
+                <a:r>
+                  <a:rPr lang="en-US" sz="1400" dirty="0"/>
+                  <a:t> </a:t>
+                </a:r>
+                <a:r>
+                  <a:rPr lang="en-US" sz="1400" dirty="0" err="1"/>
+                  <a:t>nên</a:t>
+                </a:r>
+                <a:r>
+                  <a:rPr lang="en-US" sz="1400" dirty="0"/>
+                  <a:t> </a:t>
+                </a:r>
+                <a:r>
+                  <a:rPr lang="en-US" sz="1400" dirty="0" err="1"/>
+                  <a:t>thời</a:t>
+                </a:r>
+                <a:r>
+                  <a:rPr lang="en-US" sz="1400" dirty="0"/>
+                  <a:t> </a:t>
+                </a:r>
+                <a:r>
+                  <a:rPr lang="en-US" sz="1400" dirty="0" err="1"/>
+                  <a:t>gian</a:t>
+                </a:r>
+                <a:r>
+                  <a:rPr lang="en-US" sz="1400" dirty="0"/>
+                  <a:t> </a:t>
+                </a:r>
+                <a:r>
+                  <a:rPr lang="en-US" sz="1400" dirty="0" err="1"/>
+                  <a:t>xử</a:t>
+                </a:r>
+                <a:r>
+                  <a:rPr lang="en-US" sz="1400" dirty="0"/>
+                  <a:t> </a:t>
+                </a:r>
+                <a:r>
+                  <a:rPr lang="en-US" sz="1400" dirty="0" err="1"/>
+                  <a:t>lý</a:t>
+                </a:r>
+                <a:r>
+                  <a:rPr lang="en-US" sz="1400" dirty="0"/>
+                  <a:t> </a:t>
+                </a:r>
+                <a:r>
+                  <a:rPr lang="en-US" sz="1400" dirty="0" err="1"/>
+                  <a:t>cũng</a:t>
+                </a:r>
+                <a:r>
+                  <a:rPr lang="en-US" sz="1400" dirty="0"/>
+                  <a:t> </a:t>
+                </a:r>
+                <a:r>
+                  <a:rPr lang="en-US" sz="1400" dirty="0" err="1"/>
+                  <a:t>giảm</a:t>
+                </a:r>
+                <a:r>
+                  <a:rPr lang="en-US" sz="1400" dirty="0"/>
+                  <a:t> </a:t>
+                </a:r>
+                <a:r>
+                  <a:rPr lang="en-US" sz="1400" dirty="0" err="1"/>
+                  <a:t>theo.</a:t>
+                </a:r>
+                <a:endParaRPr lang="en-US" sz="1400" dirty="0"/>
+              </a:p>
+            </p:txBody>
+          </p:sp>
+        </mc:Choice>
+        <mc:Fallback>
+          <p:sp>
+            <p:nvSpPr>
+              <p:cNvPr id="14" name="TextBox 13"/>
+              <p:cNvSpPr txBox="1">
+                <a:spLocks noRot="1" noChangeAspect="1" noMove="1" noResize="1" noEditPoints="1" noAdjustHandles="1" noChangeArrowheads="1" noChangeShapeType="1" noTextEdit="1"/>
+              </p:cNvSpPr>
+              <p:nvPr/>
+            </p:nvSpPr>
+            <p:spPr>
+              <a:xfrm>
+                <a:off x="8725185" y="1709738"/>
+                <a:ext cx="2628615" cy="4939814"/>
+              </a:xfrm>
+              <a:prstGeom prst="rect">
+                <a:avLst/>
+              </a:prstGeom>
+              <a:blipFill rotWithShape="0">
+                <a:blip r:embed="rId6"/>
+                <a:stretch>
+                  <a:fillRect l="-694" r="-463"/>
+                </a:stretch>
+              </a:blipFill>
+            </p:spPr>
+            <p:txBody>
+              <a:bodyPr/>
+              <a:lstStyle/>
+              <a:p>
+                <a:r>
+                  <a:rPr lang="en-US">
+                    <a:noFill/>
+                  </a:rPr>
+                  <a:t> </a:t>
+                </a:r>
+              </a:p>
+            </p:txBody>
+          </p:sp>
+        </mc:Fallback>
+      </mc:AlternateContent>
+      <p:sp>
+        <p:nvSpPr>
+          <p:cNvPr id="15" name="Slide Number Placeholder 14"/>
           <p:cNvSpPr>
             <a:spLocks noGrp="1"/>
           </p:cNvSpPr>
           <p:nvPr>
-            <p:ph idx="1"/>
+            <p:ph type="sldNum" sz="quarter" idx="12"/>
           </p:nvPr>
         </p:nvSpPr>
         <p:spPr/>
@@ -5931,7 +9356,11 @@
           <a:bodyPr/>
           <a:lstStyle/>
           <a:p>
-            <a:endParaRPr lang="en-US" dirty="0"/>
+            <a:fld id="{09BCD257-A602-407A-A5C5-1B58A212E395}" type="slidenum">
+              <a:rPr lang="en-US" smtClean="0"/>
+              <a:t>17</a:t>
+            </a:fld>
+            <a:endParaRPr lang="en-US"/>
           </a:p>
         </p:txBody>
       </p:sp>
@@ -6028,6 +9457,1085 @@
               <a:rPr lang="en-US" dirty="0" err="1" smtClean="0"/>
               <a:t>triển</a:t>
             </a:r>
+            <a:r>
+              <a:rPr lang="en-US" dirty="0" smtClean="0"/>
+              <a:t/>
+            </a:r>
+            <a:br>
+              <a:rPr lang="en-US" dirty="0" smtClean="0"/>
+            </a:br>
+            <a:r>
+              <a:rPr lang="en-US" dirty="0" smtClean="0"/>
+              <a:t>A. </a:t>
+            </a:r>
+            <a:r>
+              <a:rPr lang="en-US" dirty="0" err="1" smtClean="0"/>
+              <a:t>Kết</a:t>
+            </a:r>
+            <a:r>
+              <a:rPr lang="en-US" dirty="0" smtClean="0"/>
+              <a:t> </a:t>
+            </a:r>
+            <a:r>
+              <a:rPr lang="en-US" dirty="0" err="1" smtClean="0"/>
+              <a:t>luận</a:t>
+            </a:r>
+            <a:endParaRPr lang="en-US" dirty="0"/>
+          </a:p>
+        </p:txBody>
+      </p:sp>
+      <mc:AlternateContent xmlns:mc="http://schemas.openxmlformats.org/markup-compatibility/2006">
+        <mc:Choice xmlns:a14="http://schemas.microsoft.com/office/drawing/2010/main" Requires="a14">
+          <p:sp>
+            <p:nvSpPr>
+              <p:cNvPr id="3" name="Content Placeholder 2"/>
+              <p:cNvSpPr>
+                <a:spLocks noGrp="1"/>
+              </p:cNvSpPr>
+              <p:nvPr>
+                <p:ph idx="1"/>
+              </p:nvPr>
+            </p:nvSpPr>
+            <p:spPr/>
+            <p:txBody>
+              <a:bodyPr>
+                <a:normAutofit fontScale="70000" lnSpcReduction="20000"/>
+              </a:bodyPr>
+              <a:lstStyle/>
+              <a:p>
+                <a:pPr>
+                  <a:lnSpc>
+                    <a:spcPct val="120000"/>
+                  </a:lnSpc>
+                </a:pPr>
+                <a:r>
+                  <a:rPr lang="en-US" dirty="0" err="1" smtClean="0">
+                    <a:latin typeface="+mj-lt"/>
+                  </a:rPr>
+                  <a:t>Nghiên</a:t>
+                </a:r>
+                <a:r>
+                  <a:rPr lang="en-US" dirty="0" smtClean="0">
+                    <a:latin typeface="+mj-lt"/>
+                  </a:rPr>
+                  <a:t> </a:t>
+                </a:r>
+                <a:r>
+                  <a:rPr lang="en-US" dirty="0" err="1" smtClean="0">
+                    <a:latin typeface="+mj-lt"/>
+                  </a:rPr>
+                  <a:t>cứu</a:t>
+                </a:r>
+                <a:r>
+                  <a:rPr lang="en-US" dirty="0" smtClean="0">
+                    <a:latin typeface="+mj-lt"/>
+                  </a:rPr>
+                  <a:t> </a:t>
+                </a:r>
+                <a:r>
+                  <a:rPr lang="en-US" dirty="0" err="1" smtClean="0">
+                    <a:latin typeface="+mj-lt"/>
+                  </a:rPr>
+                  <a:t>tổng</a:t>
+                </a:r>
+                <a:r>
+                  <a:rPr lang="en-US" dirty="0" smtClean="0">
+                    <a:latin typeface="+mj-lt"/>
+                  </a:rPr>
+                  <a:t> </a:t>
+                </a:r>
+                <a:r>
+                  <a:rPr lang="en-US" dirty="0" err="1" smtClean="0">
+                    <a:latin typeface="+mj-lt"/>
+                  </a:rPr>
+                  <a:t>quan</a:t>
+                </a:r>
+                <a:r>
+                  <a:rPr lang="en-US" dirty="0" smtClean="0">
+                    <a:latin typeface="+mj-lt"/>
+                  </a:rPr>
+                  <a:t> </a:t>
+                </a:r>
+                <a:r>
+                  <a:rPr lang="en-US" dirty="0" err="1" smtClean="0">
+                    <a:latin typeface="+mj-lt"/>
+                  </a:rPr>
+                  <a:t>về</a:t>
+                </a:r>
+                <a:r>
+                  <a:rPr lang="en-US" dirty="0" smtClean="0">
+                    <a:latin typeface="+mj-lt"/>
+                  </a:rPr>
+                  <a:t> </a:t>
+                </a:r>
+                <a:r>
+                  <a:rPr lang="en-US" dirty="0" err="1" smtClean="0">
+                    <a:latin typeface="+mj-lt"/>
+                  </a:rPr>
+                  <a:t>bài</a:t>
+                </a:r>
+                <a:r>
+                  <a:rPr lang="en-US" dirty="0" smtClean="0">
+                    <a:latin typeface="+mj-lt"/>
+                  </a:rPr>
+                  <a:t> </a:t>
+                </a:r>
+                <a:r>
+                  <a:rPr lang="en-US" dirty="0" err="1" smtClean="0">
+                    <a:latin typeface="+mj-lt"/>
+                  </a:rPr>
+                  <a:t>toán</a:t>
+                </a:r>
+                <a:r>
+                  <a:rPr lang="en-US" dirty="0" smtClean="0">
+                    <a:latin typeface="+mj-lt"/>
+                  </a:rPr>
+                  <a:t> </a:t>
+                </a:r>
+                <a:r>
+                  <a:rPr lang="en-US" dirty="0" err="1" smtClean="0">
+                    <a:latin typeface="+mj-lt"/>
+                  </a:rPr>
+                  <a:t>khai</a:t>
+                </a:r>
+                <a:r>
+                  <a:rPr lang="en-US" dirty="0" smtClean="0">
+                    <a:latin typeface="+mj-lt"/>
+                  </a:rPr>
+                  <a:t> </a:t>
+                </a:r>
+                <a:r>
+                  <a:rPr lang="en-US" dirty="0" err="1" smtClean="0">
+                    <a:latin typeface="+mj-lt"/>
+                  </a:rPr>
+                  <a:t>thác</a:t>
+                </a:r>
+                <a:r>
+                  <a:rPr lang="en-US" dirty="0" smtClean="0">
+                    <a:latin typeface="+mj-lt"/>
+                  </a:rPr>
+                  <a:t> top-k </a:t>
+                </a:r>
+                <a:r>
+                  <a:rPr lang="en-US" dirty="0" err="1" smtClean="0">
+                    <a:latin typeface="+mj-lt"/>
+                  </a:rPr>
+                  <a:t>sự</a:t>
+                </a:r>
+                <a:r>
+                  <a:rPr lang="en-US" dirty="0" smtClean="0">
+                    <a:latin typeface="+mj-lt"/>
+                  </a:rPr>
+                  <a:t> </a:t>
+                </a:r>
+                <a:r>
+                  <a:rPr lang="en-US" dirty="0" err="1" smtClean="0">
+                    <a:latin typeface="+mj-lt"/>
+                  </a:rPr>
+                  <a:t>kiện</a:t>
+                </a:r>
+                <a:r>
+                  <a:rPr lang="en-US" dirty="0" smtClean="0">
+                    <a:latin typeface="+mj-lt"/>
+                  </a:rPr>
+                  <a:t> </a:t>
+                </a:r>
+                <a:r>
+                  <a:rPr lang="en-US" dirty="0" err="1" smtClean="0">
+                    <a:latin typeface="+mj-lt"/>
+                  </a:rPr>
+                  <a:t>đồng</a:t>
+                </a:r>
+                <a:r>
+                  <a:rPr lang="en-US" dirty="0" smtClean="0">
+                    <a:latin typeface="+mj-lt"/>
+                  </a:rPr>
+                  <a:t> </a:t>
+                </a:r>
+                <a:r>
+                  <a:rPr lang="en-US" dirty="0" err="1" smtClean="0">
+                    <a:latin typeface="+mj-lt"/>
+                  </a:rPr>
+                  <a:t>xuất</a:t>
+                </a:r>
+                <a:r>
+                  <a:rPr lang="en-US" dirty="0" smtClean="0">
+                    <a:latin typeface="+mj-lt"/>
+                  </a:rPr>
+                  <a:t> </a:t>
+                </a:r>
+                <a:r>
+                  <a:rPr lang="en-US" dirty="0" err="1" smtClean="0">
+                    <a:latin typeface="+mj-lt"/>
+                  </a:rPr>
+                  <a:t>hiện</a:t>
+                </a:r>
+                <a:r>
+                  <a:rPr lang="en-US" dirty="0" smtClean="0">
+                    <a:latin typeface="+mj-lt"/>
+                  </a:rPr>
+                  <a:t> </a:t>
+                </a:r>
+                <a:r>
+                  <a:rPr lang="en-US" dirty="0" err="1" smtClean="0">
+                    <a:latin typeface="+mj-lt"/>
+                  </a:rPr>
+                  <a:t>trên</a:t>
+                </a:r>
+                <a:r>
+                  <a:rPr lang="en-US" dirty="0" smtClean="0">
+                    <a:latin typeface="+mj-lt"/>
+                  </a:rPr>
+                  <a:t> </a:t>
+                </a:r>
+                <a:r>
+                  <a:rPr lang="en-US" dirty="0" err="1" smtClean="0">
+                    <a:latin typeface="+mj-lt"/>
+                  </a:rPr>
+                  <a:t>cơ</a:t>
+                </a:r>
+                <a:r>
+                  <a:rPr lang="en-US" dirty="0" smtClean="0">
+                    <a:latin typeface="+mj-lt"/>
+                  </a:rPr>
+                  <a:t> </a:t>
+                </a:r>
+                <a:r>
+                  <a:rPr lang="en-US" dirty="0" err="1" smtClean="0">
+                    <a:latin typeface="+mj-lt"/>
+                  </a:rPr>
+                  <a:t>sở</a:t>
+                </a:r>
+                <a:r>
+                  <a:rPr lang="en-US" dirty="0" smtClean="0">
+                    <a:latin typeface="+mj-lt"/>
+                  </a:rPr>
+                  <a:t> </a:t>
+                </a:r>
+                <a:r>
+                  <a:rPr lang="en-US" dirty="0" err="1" smtClean="0">
+                    <a:latin typeface="+mj-lt"/>
+                  </a:rPr>
+                  <a:t>dữ</a:t>
+                </a:r>
+                <a:r>
+                  <a:rPr lang="en-US" dirty="0" smtClean="0">
+                    <a:latin typeface="+mj-lt"/>
+                  </a:rPr>
+                  <a:t> </a:t>
+                </a:r>
+                <a:r>
+                  <a:rPr lang="en-US" dirty="0" err="1" smtClean="0">
+                    <a:latin typeface="+mj-lt"/>
+                  </a:rPr>
+                  <a:t>liệu</a:t>
+                </a:r>
+                <a:r>
+                  <a:rPr lang="en-US" dirty="0" smtClean="0">
+                    <a:latin typeface="+mj-lt"/>
+                  </a:rPr>
+                  <a:t> </a:t>
+                </a:r>
+                <a:r>
+                  <a:rPr lang="en-US" dirty="0" err="1" smtClean="0">
+                    <a:latin typeface="+mj-lt"/>
+                  </a:rPr>
+                  <a:t>giao</a:t>
+                </a:r>
+                <a:r>
+                  <a:rPr lang="en-US" dirty="0" smtClean="0">
+                    <a:latin typeface="+mj-lt"/>
+                  </a:rPr>
+                  <a:t> </a:t>
+                </a:r>
+                <a:r>
+                  <a:rPr lang="en-US" dirty="0" err="1" smtClean="0">
+                    <a:latin typeface="+mj-lt"/>
+                  </a:rPr>
+                  <a:t>tác</a:t>
+                </a:r>
+                <a:r>
+                  <a:rPr lang="en-US" dirty="0" smtClean="0">
+                    <a:latin typeface="+mj-lt"/>
+                  </a:rPr>
+                  <a:t>.</a:t>
+                </a:r>
+              </a:p>
+              <a:p>
+                <a:pPr>
+                  <a:lnSpc>
+                    <a:spcPct val="120000"/>
+                  </a:lnSpc>
+                </a:pPr>
+                <a:r>
+                  <a:rPr lang="en-US" dirty="0" err="1" smtClean="0">
+                    <a:latin typeface="+mj-lt"/>
+                  </a:rPr>
+                  <a:t>Tiếp</a:t>
+                </a:r>
+                <a:r>
+                  <a:rPr lang="en-US" dirty="0" smtClean="0">
+                    <a:latin typeface="+mj-lt"/>
+                  </a:rPr>
+                  <a:t> </a:t>
+                </a:r>
+                <a:r>
+                  <a:rPr lang="en-US" dirty="0" err="1">
+                    <a:latin typeface="+mj-lt"/>
+                  </a:rPr>
+                  <a:t>cận</a:t>
+                </a:r>
+                <a:r>
+                  <a:rPr lang="en-US" dirty="0">
+                    <a:latin typeface="+mj-lt"/>
+                  </a:rPr>
+                  <a:t> </a:t>
+                </a:r>
+                <a:r>
+                  <a:rPr lang="en-US" dirty="0" err="1">
+                    <a:latin typeface="+mj-lt"/>
+                  </a:rPr>
+                  <a:t>giải</a:t>
+                </a:r>
+                <a:r>
+                  <a:rPr lang="en-US" dirty="0">
+                    <a:latin typeface="+mj-lt"/>
+                  </a:rPr>
+                  <a:t> </a:t>
+                </a:r>
+                <a:r>
+                  <a:rPr lang="en-US" dirty="0" err="1">
+                    <a:latin typeface="+mj-lt"/>
+                  </a:rPr>
+                  <a:t>pháp</a:t>
+                </a:r>
+                <a:r>
+                  <a:rPr lang="en-US" dirty="0">
+                    <a:latin typeface="+mj-lt"/>
+                  </a:rPr>
+                  <a:t> </a:t>
+                </a:r>
+                <a:r>
+                  <a:rPr lang="en-US" dirty="0" err="1">
+                    <a:latin typeface="+mj-lt"/>
+                  </a:rPr>
+                  <a:t>biểu</a:t>
+                </a:r>
+                <a:r>
+                  <a:rPr lang="en-US" dirty="0">
+                    <a:latin typeface="+mj-lt"/>
+                  </a:rPr>
+                  <a:t> </a:t>
+                </a:r>
+                <a:r>
+                  <a:rPr lang="en-US" dirty="0" err="1">
+                    <a:latin typeface="+mj-lt"/>
+                  </a:rPr>
+                  <a:t>diễn</a:t>
+                </a:r>
+                <a:r>
+                  <a:rPr lang="en-US" dirty="0">
+                    <a:latin typeface="+mj-lt"/>
+                  </a:rPr>
+                  <a:t> </a:t>
+                </a:r>
+                <a:r>
+                  <a:rPr lang="en-US" dirty="0" err="1">
+                    <a:latin typeface="+mj-lt"/>
+                  </a:rPr>
+                  <a:t>dữ</a:t>
+                </a:r>
+                <a:r>
+                  <a:rPr lang="en-US" dirty="0">
+                    <a:latin typeface="+mj-lt"/>
+                  </a:rPr>
+                  <a:t> </a:t>
+                </a:r>
+                <a:r>
+                  <a:rPr lang="en-US" dirty="0" err="1">
+                    <a:latin typeface="+mj-lt"/>
+                  </a:rPr>
+                  <a:t>liệu</a:t>
+                </a:r>
+                <a:r>
+                  <a:rPr lang="en-US" dirty="0">
+                    <a:latin typeface="+mj-lt"/>
+                  </a:rPr>
+                  <a:t> </a:t>
+                </a:r>
+                <a:r>
+                  <a:rPr lang="en-US" dirty="0" err="1">
+                    <a:latin typeface="+mj-lt"/>
+                  </a:rPr>
+                  <a:t>bằng</a:t>
+                </a:r>
+                <a:r>
+                  <a:rPr lang="en-US" dirty="0">
+                    <a:latin typeface="+mj-lt"/>
+                  </a:rPr>
+                  <a:t> </a:t>
+                </a:r>
+                <a:r>
+                  <a:rPr lang="en-US" dirty="0" err="1">
+                    <a:latin typeface="+mj-lt"/>
+                  </a:rPr>
+                  <a:t>BitTable</a:t>
+                </a:r>
+                <a:r>
+                  <a:rPr lang="en-US" dirty="0">
+                    <a:latin typeface="+mj-lt"/>
+                  </a:rPr>
+                  <a:t> </a:t>
+                </a:r>
+                <a:r>
+                  <a:rPr lang="en-US" dirty="0" err="1">
+                    <a:latin typeface="+mj-lt"/>
+                  </a:rPr>
+                  <a:t>thông</a:t>
+                </a:r>
+                <a:r>
+                  <a:rPr lang="en-US" dirty="0">
+                    <a:latin typeface="+mj-lt"/>
+                  </a:rPr>
+                  <a:t> qua </a:t>
+                </a:r>
+                <a:r>
+                  <a:rPr lang="en-US" dirty="0" err="1">
+                    <a:latin typeface="+mj-lt"/>
+                  </a:rPr>
+                  <a:t>công</a:t>
+                </a:r>
+                <a:r>
+                  <a:rPr lang="en-US" dirty="0">
+                    <a:latin typeface="+mj-lt"/>
+                  </a:rPr>
+                  <a:t> </a:t>
+                </a:r>
+                <a:r>
+                  <a:rPr lang="en-US" dirty="0" err="1">
+                    <a:latin typeface="+mj-lt"/>
+                  </a:rPr>
+                  <a:t>trình</a:t>
+                </a:r>
+                <a:r>
+                  <a:rPr lang="en-US" dirty="0">
+                    <a:latin typeface="+mj-lt"/>
+                  </a:rPr>
+                  <a:t> </a:t>
+                </a:r>
+                <a:r>
+                  <a:rPr lang="en-US" dirty="0" err="1">
+                    <a:latin typeface="+mj-lt"/>
+                  </a:rPr>
+                  <a:t>gốc</a:t>
+                </a:r>
+                <a:r>
+                  <a:rPr lang="en-US" dirty="0">
+                    <a:latin typeface="+mj-lt"/>
+                  </a:rPr>
+                  <a:t> </a:t>
+                </a:r>
+                <a:r>
+                  <a:rPr lang="en-US" dirty="0" err="1">
+                    <a:latin typeface="+mj-lt"/>
+                  </a:rPr>
+                  <a:t>và</a:t>
+                </a:r>
+                <a:r>
+                  <a:rPr lang="en-US" dirty="0">
+                    <a:latin typeface="+mj-lt"/>
+                  </a:rPr>
+                  <a:t> </a:t>
+                </a:r>
+                <a:r>
+                  <a:rPr lang="en-US" dirty="0" err="1">
+                    <a:latin typeface="+mj-lt"/>
+                  </a:rPr>
+                  <a:t>những</a:t>
+                </a:r>
+                <a:r>
+                  <a:rPr lang="en-US" dirty="0">
+                    <a:latin typeface="+mj-lt"/>
+                  </a:rPr>
+                  <a:t> </a:t>
+                </a:r>
+                <a:r>
+                  <a:rPr lang="en-US" dirty="0" err="1">
+                    <a:latin typeface="+mj-lt"/>
+                  </a:rPr>
+                  <a:t>nghiên</a:t>
+                </a:r>
+                <a:r>
+                  <a:rPr lang="en-US" dirty="0">
+                    <a:latin typeface="+mj-lt"/>
+                  </a:rPr>
+                  <a:t> </a:t>
+                </a:r>
+                <a:r>
+                  <a:rPr lang="en-US" dirty="0" err="1">
+                    <a:latin typeface="+mj-lt"/>
+                  </a:rPr>
+                  <a:t>cứu</a:t>
+                </a:r>
+                <a:r>
+                  <a:rPr lang="en-US" dirty="0">
+                    <a:latin typeface="+mj-lt"/>
+                  </a:rPr>
+                  <a:t> </a:t>
+                </a:r>
+                <a:r>
+                  <a:rPr lang="en-US" dirty="0" err="1">
+                    <a:latin typeface="+mj-lt"/>
+                  </a:rPr>
+                  <a:t>liên</a:t>
+                </a:r>
+                <a:r>
+                  <a:rPr lang="en-US" dirty="0">
+                    <a:latin typeface="+mj-lt"/>
+                  </a:rPr>
+                  <a:t> </a:t>
+                </a:r>
+                <a:r>
+                  <a:rPr lang="en-US" dirty="0" err="1" smtClean="0">
+                    <a:latin typeface="+mj-lt"/>
+                  </a:rPr>
+                  <a:t>quan</a:t>
+                </a:r>
+                <a:r>
+                  <a:rPr lang="en-US" dirty="0" smtClean="0">
+                    <a:latin typeface="+mj-lt"/>
+                  </a:rPr>
+                  <a:t>.</a:t>
+                </a:r>
+              </a:p>
+              <a:p>
+                <a:pPr>
+                  <a:lnSpc>
+                    <a:spcPct val="120000"/>
+                  </a:lnSpc>
+                </a:pPr>
+                <a:r>
+                  <a:rPr lang="vi-VN" dirty="0" smtClean="0">
+                    <a:latin typeface="+mj-lt"/>
+                  </a:rPr>
+                  <a:t>Đề </a:t>
+                </a:r>
+                <a:r>
+                  <a:rPr lang="vi-VN" dirty="0">
+                    <a:latin typeface="+mj-lt"/>
+                  </a:rPr>
+                  <a:t>xuất giải thuật cải tiến dựa trên phân tích ưu và khuyết điểm của các phương pháp trên</a:t>
+                </a:r>
+                <a:r>
+                  <a:rPr lang="vi-VN" dirty="0" smtClean="0">
+                    <a:latin typeface="+mj-lt"/>
+                  </a:rPr>
+                  <a:t>.</a:t>
+                </a:r>
+                <a:endParaRPr lang="en-US" dirty="0" smtClean="0">
+                  <a:latin typeface="+mj-lt"/>
+                </a:endParaRPr>
+              </a:p>
+              <a:p>
+                <a:pPr>
+                  <a:lnSpc>
+                    <a:spcPct val="120000"/>
+                  </a:lnSpc>
+                </a:pPr>
+                <a:r>
+                  <a:rPr lang="vi-VN" dirty="0" smtClean="0">
+                    <a:latin typeface="+mj-lt"/>
+                  </a:rPr>
+                  <a:t>Trình </a:t>
+                </a:r>
+                <a:r>
+                  <a:rPr lang="vi-VN" dirty="0">
+                    <a:latin typeface="+mj-lt"/>
+                  </a:rPr>
+                  <a:t>bày kết quả </a:t>
+                </a:r>
+                <a:r>
+                  <a:rPr lang="vi-VN" dirty="0" smtClean="0">
+                    <a:latin typeface="+mj-lt"/>
+                  </a:rPr>
+                  <a:t>thực nghiệm </a:t>
+                </a:r>
+                <a:r>
+                  <a:rPr lang="vi-VN" dirty="0">
+                    <a:latin typeface="+mj-lt"/>
+                  </a:rPr>
+                  <a:t>của các phương pháp đề xuất so với ba phương pháp </a:t>
+                </a:r>
+                <a14:m>
+                  <m:oMath xmlns:m="http://schemas.openxmlformats.org/officeDocument/2006/math">
+                    <m:r>
+                      <a:rPr lang="vi-VN" i="1" dirty="0" smtClean="0">
+                        <a:latin typeface="Cambria Math" panose="02040503050406030204" pitchFamily="18" charset="0"/>
+                      </a:rPr>
+                      <m:t>𝑁𝑇</m:t>
+                    </m:r>
+                  </m:oMath>
+                </a14:m>
+                <a:r>
+                  <a:rPr lang="vi-VN" dirty="0" smtClean="0">
+                    <a:latin typeface="+mj-lt"/>
+                  </a:rPr>
+                  <a:t>,</a:t>
+                </a:r>
+                <a14:m>
+                  <m:oMath xmlns:m="http://schemas.openxmlformats.org/officeDocument/2006/math">
+                    <m:r>
+                      <a:rPr lang="vi-VN" i="1" dirty="0" smtClean="0">
+                        <a:latin typeface="Cambria Math" panose="02040503050406030204" pitchFamily="18" charset="0"/>
+                      </a:rPr>
+                      <m:t>𝑁𝑇𝐼</m:t>
+                    </m:r>
+                  </m:oMath>
+                </a14:m>
+                <a:r>
+                  <a:rPr lang="vi-VN" dirty="0" smtClean="0">
+                    <a:latin typeface="+mj-lt"/>
+                  </a:rPr>
+                  <a:t> </a:t>
+                </a:r>
+                <a:r>
+                  <a:rPr lang="vi-VN" dirty="0">
+                    <a:latin typeface="+mj-lt"/>
+                  </a:rPr>
+                  <a:t>và </a:t>
+                </a:r>
+                <a14:m>
+                  <m:oMath xmlns:m="http://schemas.openxmlformats.org/officeDocument/2006/math">
+                    <m:r>
+                      <a:rPr lang="vi-VN" i="1" dirty="0" smtClean="0">
+                        <a:latin typeface="Cambria Math" panose="02040503050406030204" pitchFamily="18" charset="0"/>
+                      </a:rPr>
+                      <m:t>𝑃𝑇</m:t>
+                    </m:r>
+                  </m:oMath>
+                </a14:m>
+                <a:r>
+                  <a:rPr lang="vi-VN" dirty="0">
+                    <a:latin typeface="+mj-lt"/>
+                  </a:rPr>
+                  <a:t>. Từ kết quả thực nghiệm cho thấy thuật toán đề xuất </a:t>
+                </a:r>
+                <a14:m>
+                  <m:oMath xmlns:m="http://schemas.openxmlformats.org/officeDocument/2006/math">
+                    <m:r>
+                      <a:rPr lang="vi-VN" i="1" dirty="0" smtClean="0">
+                        <a:latin typeface="Cambria Math" panose="02040503050406030204" pitchFamily="18" charset="0"/>
+                      </a:rPr>
+                      <m:t>𝐵𝑇𝐼𝑉</m:t>
+                    </m:r>
+                    <m:r>
+                      <a:rPr lang="vi-VN" i="1" dirty="0" smtClean="0">
+                        <a:latin typeface="Cambria Math" panose="02040503050406030204" pitchFamily="18" charset="0"/>
+                      </a:rPr>
+                      <m:t> </m:t>
+                    </m:r>
+                  </m:oMath>
+                </a14:m>
+                <a:r>
+                  <a:rPr lang="vi-VN" dirty="0">
+                    <a:latin typeface="+mj-lt"/>
+                  </a:rPr>
+                  <a:t>cho kết quả tốt hơn so với ba thuật toán </a:t>
+                </a:r>
+                <a14:m>
+                  <m:oMath xmlns:m="http://schemas.openxmlformats.org/officeDocument/2006/math">
+                    <m:r>
+                      <a:rPr lang="vi-VN" i="1" dirty="0" smtClean="0">
+                        <a:latin typeface="Cambria Math" panose="02040503050406030204" pitchFamily="18" charset="0"/>
+                      </a:rPr>
+                      <m:t>𝑁𝑇</m:t>
+                    </m:r>
+                  </m:oMath>
+                </a14:m>
+                <a:r>
+                  <a:rPr lang="vi-VN" dirty="0">
+                    <a:latin typeface="+mj-lt"/>
+                  </a:rPr>
+                  <a:t>,</a:t>
+                </a:r>
+                <a14:m>
+                  <m:oMath xmlns:m="http://schemas.openxmlformats.org/officeDocument/2006/math">
+                    <m:r>
+                      <a:rPr lang="vi-VN" i="1" dirty="0" smtClean="0">
+                        <a:latin typeface="Cambria Math" panose="02040503050406030204" pitchFamily="18" charset="0"/>
+                      </a:rPr>
+                      <m:t>𝑁𝑇𝐼</m:t>
+                    </m:r>
+                  </m:oMath>
+                </a14:m>
+                <a:r>
+                  <a:rPr lang="vi-VN" dirty="0">
+                    <a:latin typeface="+mj-lt"/>
+                  </a:rPr>
+                  <a:t> và </a:t>
+                </a:r>
+                <a14:m>
+                  <m:oMath xmlns:m="http://schemas.openxmlformats.org/officeDocument/2006/math">
+                    <m:r>
+                      <a:rPr lang="vi-VN" i="1" dirty="0" smtClean="0">
+                        <a:latin typeface="Cambria Math" panose="02040503050406030204" pitchFamily="18" charset="0"/>
+                      </a:rPr>
+                      <m:t>𝑃𝑇</m:t>
+                    </m:r>
+                  </m:oMath>
+                </a14:m>
+                <a:r>
+                  <a:rPr lang="vi-VN" dirty="0">
+                    <a:latin typeface="+mj-lt"/>
+                  </a:rPr>
+                  <a:t>.</a:t>
+                </a:r>
+                <a:endParaRPr lang="en-US" dirty="0" smtClean="0">
+                  <a:latin typeface="+mj-lt"/>
+                </a:endParaRPr>
+              </a:p>
+              <a:p>
+                <a:pPr>
+                  <a:lnSpc>
+                    <a:spcPct val="120000"/>
+                  </a:lnSpc>
+                </a:pPr>
+                <a:r>
+                  <a:rPr lang="en-US" dirty="0" err="1" smtClean="0">
+                    <a:latin typeface="+mj-lt"/>
+                  </a:rPr>
+                  <a:t>Hạn</a:t>
+                </a:r>
+                <a:r>
+                  <a:rPr lang="en-US" dirty="0" smtClean="0">
+                    <a:latin typeface="+mj-lt"/>
+                  </a:rPr>
+                  <a:t> </a:t>
+                </a:r>
+                <a:r>
+                  <a:rPr lang="en-US" dirty="0" err="1" smtClean="0">
+                    <a:latin typeface="+mj-lt"/>
+                  </a:rPr>
+                  <a:t>chế</a:t>
+                </a:r>
+                <a:endParaRPr lang="en-US" dirty="0" smtClean="0">
+                  <a:latin typeface="+mj-lt"/>
+                </a:endParaRPr>
+              </a:p>
+              <a:p>
+                <a:pPr lvl="1">
+                  <a:lnSpc>
+                    <a:spcPct val="120000"/>
+                  </a:lnSpc>
+                </a:pPr>
+                <a:r>
+                  <a:rPr lang="vi-VN" dirty="0">
+                    <a:latin typeface="+mj-lt"/>
+                  </a:rPr>
+                  <a:t>Chưa thực nghiệm trên các bộ dữ liệu thực </a:t>
+                </a:r>
+                <a:r>
+                  <a:rPr lang="vi-VN" dirty="0" smtClean="0">
+                    <a:latin typeface="+mj-lt"/>
+                  </a:rPr>
+                  <a:t>lớn</a:t>
+                </a:r>
+                <a:r>
+                  <a:rPr lang="en-US" dirty="0" smtClean="0">
+                    <a:latin typeface="+mj-lt"/>
+                  </a:rPr>
+                  <a:t>.</a:t>
+                </a:r>
+              </a:p>
+              <a:p>
+                <a:pPr lvl="1">
+                  <a:lnSpc>
+                    <a:spcPct val="120000"/>
+                  </a:lnSpc>
+                </a:pPr>
+                <a:r>
+                  <a:rPr lang="en-US" dirty="0" err="1" smtClean="0">
+                    <a:latin typeface="+mj-lt"/>
+                  </a:rPr>
+                  <a:t>Tài</a:t>
+                </a:r>
+                <a:r>
+                  <a:rPr lang="en-US" dirty="0" smtClean="0">
+                    <a:latin typeface="+mj-lt"/>
+                  </a:rPr>
+                  <a:t> </a:t>
+                </a:r>
+                <a:r>
+                  <a:rPr lang="en-US" dirty="0" err="1" smtClean="0">
+                    <a:latin typeface="+mj-lt"/>
+                  </a:rPr>
+                  <a:t>nguyên</a:t>
+                </a:r>
+                <a:r>
+                  <a:rPr lang="en-US" dirty="0" smtClean="0">
+                    <a:latin typeface="+mj-lt"/>
+                  </a:rPr>
+                  <a:t> </a:t>
+                </a:r>
+                <a:r>
+                  <a:rPr lang="en-US" dirty="0" err="1" smtClean="0">
+                    <a:latin typeface="+mj-lt"/>
+                  </a:rPr>
+                  <a:t>phần</a:t>
+                </a:r>
+                <a:r>
+                  <a:rPr lang="en-US" dirty="0" smtClean="0">
+                    <a:latin typeface="+mj-lt"/>
+                  </a:rPr>
+                  <a:t> </a:t>
+                </a:r>
+                <a:r>
+                  <a:rPr lang="en-US" dirty="0" err="1" smtClean="0">
+                    <a:latin typeface="+mj-lt"/>
+                  </a:rPr>
+                  <a:t>cứng</a:t>
+                </a:r>
+                <a:r>
+                  <a:rPr lang="en-US" dirty="0" smtClean="0">
+                    <a:latin typeface="+mj-lt"/>
+                  </a:rPr>
+                  <a:t> </a:t>
+                </a:r>
+                <a:r>
+                  <a:rPr lang="en-US" dirty="0" err="1" smtClean="0">
+                    <a:latin typeface="+mj-lt"/>
+                  </a:rPr>
+                  <a:t>còn</a:t>
+                </a:r>
+                <a:r>
+                  <a:rPr lang="en-US" dirty="0" smtClean="0">
+                    <a:latin typeface="+mj-lt"/>
+                  </a:rPr>
+                  <a:t> </a:t>
+                </a:r>
+                <a:r>
+                  <a:rPr lang="en-US" dirty="0" err="1" smtClean="0">
+                    <a:latin typeface="+mj-lt"/>
+                  </a:rPr>
+                  <a:t>hạn</a:t>
+                </a:r>
+                <a:r>
+                  <a:rPr lang="en-US" dirty="0" smtClean="0">
+                    <a:latin typeface="+mj-lt"/>
+                  </a:rPr>
+                  <a:t> </a:t>
+                </a:r>
+                <a:r>
+                  <a:rPr lang="en-US" dirty="0" err="1" smtClean="0">
+                    <a:latin typeface="+mj-lt"/>
+                  </a:rPr>
+                  <a:t>chế</a:t>
+                </a:r>
+                <a:r>
+                  <a:rPr lang="en-US" dirty="0" smtClean="0">
+                    <a:latin typeface="+mj-lt"/>
+                  </a:rPr>
+                  <a:t>.</a:t>
+                </a:r>
+              </a:p>
+              <a:p>
+                <a:pPr lvl="1">
+                  <a:lnSpc>
+                    <a:spcPct val="120000"/>
+                  </a:lnSpc>
+                </a:pPr>
+                <a:endParaRPr lang="en-US" dirty="0">
+                  <a:latin typeface="+mj-lt"/>
+                </a:endParaRPr>
+              </a:p>
+            </p:txBody>
+          </p:sp>
+        </mc:Choice>
+        <mc:Fallback>
+          <p:sp>
+            <p:nvSpPr>
+              <p:cNvPr id="3" name="Content Placeholder 2"/>
+              <p:cNvSpPr>
+                <a:spLocks noGrp="1" noRot="1" noChangeAspect="1" noMove="1" noResize="1" noEditPoints="1" noAdjustHandles="1" noChangeArrowheads="1" noChangeShapeType="1" noTextEdit="1"/>
+              </p:cNvSpPr>
+              <p:nvPr>
+                <p:ph idx="1"/>
+              </p:nvPr>
+            </p:nvSpPr>
+            <p:spPr>
+              <a:blipFill rotWithShape="0">
+                <a:blip r:embed="rId2"/>
+                <a:stretch>
+                  <a:fillRect l="-522" t="-700" b="-560"/>
+                </a:stretch>
+              </a:blipFill>
+            </p:spPr>
+            <p:txBody>
+              <a:bodyPr/>
+              <a:lstStyle/>
+              <a:p>
+                <a:r>
+                  <a:rPr lang="en-US">
+                    <a:noFill/>
+                  </a:rPr>
+                  <a:t> </a:t>
+                </a:r>
+              </a:p>
+            </p:txBody>
+          </p:sp>
+        </mc:Fallback>
+      </mc:AlternateContent>
+      <p:sp>
+        <p:nvSpPr>
+          <p:cNvPr id="4" name="Slide Number Placeholder 3"/>
+          <p:cNvSpPr>
+            <a:spLocks noGrp="1"/>
+          </p:cNvSpPr>
+          <p:nvPr>
+            <p:ph type="sldNum" sz="quarter" idx="12"/>
+          </p:nvPr>
+        </p:nvSpPr>
+        <p:spPr/>
+        <p:txBody>
+          <a:bodyPr/>
+          <a:lstStyle/>
+          <a:p>
+            <a:fld id="{09BCD257-A602-407A-A5C5-1B58A212E395}" type="slidenum">
+              <a:rPr lang="en-US" smtClean="0"/>
+              <a:t>18</a:t>
+            </a:fld>
+            <a:endParaRPr lang="en-US"/>
+          </a:p>
+        </p:txBody>
+      </p:sp>
+    </p:spTree>
+    <p:extLst>
+      <p:ext uri="{BB962C8B-B14F-4D97-AF65-F5344CB8AC3E}">
+        <p14:creationId xmlns:p14="http://schemas.microsoft.com/office/powerpoint/2010/main" val="3236838089"/>
+      </p:ext>
+    </p:extLst>
+  </p:cSld>
+  <p:clrMapOvr>
+    <a:masterClrMapping/>
+  </p:clrMapOvr>
+</p:sld>
+</file>
+
+<file path=ppt/slides/slide19.xml><?xml version="1.0" encoding="utf-8"?>
+<p:sld xmlns:a="http://schemas.openxmlformats.org/drawingml/2006/main" xmlns:r="http://schemas.openxmlformats.org/officeDocument/2006/relationships" xmlns:p="http://schemas.openxmlformats.org/presentationml/2006/main">
+  <p:cSld>
+    <p:spTree>
+      <p:nvGrpSpPr>
+        <p:cNvPr id="1" name=""/>
+        <p:cNvGrpSpPr/>
+        <p:nvPr/>
+      </p:nvGrpSpPr>
+      <p:grpSpPr>
+        <a:xfrm>
+          <a:off x="0" y="0"/>
+          <a:ext cx="0" cy="0"/>
+          <a:chOff x="0" y="0"/>
+          <a:chExt cx="0" cy="0"/>
+        </a:xfrm>
+      </p:grpSpPr>
+      <p:sp>
+        <p:nvSpPr>
+          <p:cNvPr id="2" name="Title 1"/>
+          <p:cNvSpPr>
+            <a:spLocks noGrp="1"/>
+          </p:cNvSpPr>
+          <p:nvPr>
+            <p:ph type="title"/>
+          </p:nvPr>
+        </p:nvSpPr>
+        <p:spPr/>
+        <p:txBody>
+          <a:bodyPr/>
+          <a:lstStyle/>
+          <a:p>
+            <a:r>
+              <a:rPr lang="en-US" dirty="0" smtClean="0"/>
+              <a:t>5. </a:t>
+            </a:r>
+            <a:r>
+              <a:rPr lang="en-US" dirty="0" err="1" smtClean="0"/>
+              <a:t>Kết</a:t>
+            </a:r>
+            <a:r>
+              <a:rPr lang="en-US" dirty="0" smtClean="0"/>
+              <a:t> </a:t>
+            </a:r>
+            <a:r>
+              <a:rPr lang="en-US" dirty="0" err="1" smtClean="0"/>
+              <a:t>luận</a:t>
+            </a:r>
+            <a:r>
+              <a:rPr lang="en-US" dirty="0" smtClean="0"/>
+              <a:t> </a:t>
+            </a:r>
+            <a:r>
+              <a:rPr lang="en-US" dirty="0" err="1" smtClean="0"/>
+              <a:t>và</a:t>
+            </a:r>
+            <a:r>
+              <a:rPr lang="en-US" dirty="0" smtClean="0"/>
+              <a:t> </a:t>
+            </a:r>
+            <a:r>
+              <a:rPr lang="en-US" dirty="0" err="1" smtClean="0"/>
+              <a:t>hướng</a:t>
+            </a:r>
+            <a:r>
+              <a:rPr lang="en-US" dirty="0" smtClean="0"/>
+              <a:t> </a:t>
+            </a:r>
+            <a:r>
+              <a:rPr lang="en-US" dirty="0" err="1" smtClean="0"/>
+              <a:t>phát</a:t>
+            </a:r>
+            <a:r>
+              <a:rPr lang="en-US" dirty="0" smtClean="0"/>
+              <a:t> </a:t>
+            </a:r>
+            <a:r>
+              <a:rPr lang="en-US" dirty="0" err="1" smtClean="0"/>
+              <a:t>triển</a:t>
+            </a:r>
+            <a:r>
+              <a:rPr lang="en-US" dirty="0" smtClean="0"/>
+              <a:t/>
+            </a:r>
+            <a:br>
+              <a:rPr lang="en-US" dirty="0" smtClean="0"/>
+            </a:br>
+            <a:r>
+              <a:rPr lang="en-US" dirty="0"/>
+              <a:t>B</a:t>
+            </a:r>
+            <a:r>
+              <a:rPr lang="en-US" dirty="0" smtClean="0"/>
+              <a:t>. </a:t>
+            </a:r>
+            <a:r>
+              <a:rPr lang="en-US" dirty="0" err="1" smtClean="0"/>
+              <a:t>Hướng</a:t>
+            </a:r>
+            <a:r>
+              <a:rPr lang="en-US" dirty="0" smtClean="0"/>
+              <a:t> </a:t>
+            </a:r>
+            <a:r>
+              <a:rPr lang="en-US" dirty="0" err="1" smtClean="0"/>
+              <a:t>phát</a:t>
+            </a:r>
+            <a:r>
+              <a:rPr lang="en-US" dirty="0" smtClean="0"/>
+              <a:t> </a:t>
+            </a:r>
+            <a:r>
+              <a:rPr lang="en-US" dirty="0" err="1" smtClean="0"/>
+              <a:t>triển</a:t>
+            </a:r>
             <a:endParaRPr lang="en-US" dirty="0"/>
           </a:p>
         </p:txBody>
@@ -6047,14 +10555,490 @@
           <a:bodyPr/>
           <a:lstStyle/>
           <a:p>
-            <a:endParaRPr lang="en-US" dirty="0"/>
+            <a:pPr marL="0" indent="0">
+              <a:lnSpc>
+                <a:spcPct val="100000"/>
+              </a:lnSpc>
+              <a:buNone/>
+            </a:pPr>
+            <a:r>
+              <a:rPr lang="en-US" dirty="0" err="1"/>
+              <a:t>Thực</a:t>
+            </a:r>
+            <a:r>
+              <a:rPr lang="en-US" dirty="0"/>
+              <a:t> </a:t>
+            </a:r>
+            <a:r>
+              <a:rPr lang="en-US" dirty="0" err="1"/>
+              <a:t>nghiệm</a:t>
+            </a:r>
+            <a:r>
+              <a:rPr lang="en-US" dirty="0"/>
+              <a:t> </a:t>
+            </a:r>
+            <a:r>
+              <a:rPr lang="en-US" dirty="0" err="1"/>
+              <a:t>cho</a:t>
+            </a:r>
+            <a:r>
+              <a:rPr lang="en-US" dirty="0"/>
+              <a:t> </a:t>
+            </a:r>
+            <a:r>
+              <a:rPr lang="en-US" dirty="0" err="1"/>
+              <a:t>thấy</a:t>
+            </a:r>
+            <a:r>
+              <a:rPr lang="en-US" dirty="0"/>
+              <a:t> </a:t>
+            </a:r>
+            <a:r>
+              <a:rPr lang="en-US" dirty="0" err="1"/>
+              <a:t>thời</a:t>
+            </a:r>
+            <a:r>
+              <a:rPr lang="en-US" dirty="0"/>
+              <a:t> </a:t>
+            </a:r>
+            <a:r>
+              <a:rPr lang="en-US" dirty="0" err="1"/>
+              <a:t>gian</a:t>
+            </a:r>
+            <a:r>
+              <a:rPr lang="en-US" dirty="0"/>
+              <a:t> </a:t>
+            </a:r>
+            <a:r>
+              <a:rPr lang="en-US" dirty="0" err="1"/>
+              <a:t>xử</a:t>
+            </a:r>
+            <a:r>
+              <a:rPr lang="en-US" dirty="0"/>
+              <a:t> </a:t>
+            </a:r>
+            <a:r>
+              <a:rPr lang="en-US" dirty="0" err="1"/>
+              <a:t>lý</a:t>
+            </a:r>
+            <a:r>
+              <a:rPr lang="en-US" dirty="0"/>
+              <a:t> </a:t>
+            </a:r>
+            <a:r>
+              <a:rPr lang="en-US" dirty="0" err="1"/>
+              <a:t>với</a:t>
+            </a:r>
+            <a:r>
+              <a:rPr lang="en-US" dirty="0"/>
+              <a:t> </a:t>
+            </a:r>
+            <a:r>
+              <a:rPr lang="en-US" dirty="0" err="1"/>
+              <a:t>phương</a:t>
+            </a:r>
+            <a:r>
+              <a:rPr lang="en-US" dirty="0"/>
+              <a:t> </a:t>
+            </a:r>
+            <a:r>
+              <a:rPr lang="en-US" dirty="0" err="1"/>
+              <a:t>pháp</a:t>
+            </a:r>
+            <a:r>
+              <a:rPr lang="en-US" dirty="0"/>
+              <a:t> </a:t>
+            </a:r>
+            <a:r>
+              <a:rPr lang="en-US" dirty="0" err="1"/>
+              <a:t>đề</a:t>
+            </a:r>
+            <a:r>
+              <a:rPr lang="en-US" dirty="0"/>
+              <a:t> </a:t>
+            </a:r>
+            <a:r>
+              <a:rPr lang="en-US" dirty="0" err="1"/>
+              <a:t>xuất</a:t>
+            </a:r>
+            <a:r>
+              <a:rPr lang="en-US" dirty="0"/>
+              <a:t> </a:t>
+            </a:r>
+            <a:r>
+              <a:rPr lang="en-US" dirty="0" err="1"/>
+              <a:t>thấp</a:t>
+            </a:r>
+            <a:r>
+              <a:rPr lang="en-US" dirty="0"/>
+              <a:t>. </a:t>
+            </a:r>
+            <a:r>
+              <a:rPr lang="en-US" dirty="0" err="1"/>
+              <a:t>Điều</a:t>
+            </a:r>
+            <a:r>
+              <a:rPr lang="en-US" dirty="0"/>
+              <a:t> </a:t>
+            </a:r>
+            <a:r>
+              <a:rPr lang="en-US" dirty="0" err="1"/>
+              <a:t>này</a:t>
+            </a:r>
+            <a:r>
+              <a:rPr lang="en-US" dirty="0"/>
+              <a:t> </a:t>
+            </a:r>
+            <a:r>
+              <a:rPr lang="en-US" dirty="0" err="1"/>
+              <a:t>gợi</a:t>
+            </a:r>
+            <a:r>
+              <a:rPr lang="en-US" dirty="0"/>
+              <a:t> </a:t>
+            </a:r>
+            <a:r>
+              <a:rPr lang="en-US" dirty="0" err="1"/>
+              <a:t>mở</a:t>
+            </a:r>
+            <a:r>
+              <a:rPr lang="en-US" dirty="0"/>
+              <a:t> </a:t>
+            </a:r>
+            <a:r>
+              <a:rPr lang="en-US" dirty="0" err="1"/>
+              <a:t>khả</a:t>
+            </a:r>
+            <a:r>
+              <a:rPr lang="en-US" dirty="0"/>
+              <a:t> </a:t>
+            </a:r>
+            <a:r>
+              <a:rPr lang="en-US" dirty="0" err="1"/>
+              <a:t>năng</a:t>
+            </a:r>
+            <a:r>
+              <a:rPr lang="en-US" dirty="0"/>
+              <a:t> </a:t>
+            </a:r>
+            <a:r>
+              <a:rPr lang="en-US" dirty="0" err="1"/>
+              <a:t>áp</a:t>
+            </a:r>
+            <a:r>
+              <a:rPr lang="en-US" dirty="0"/>
+              <a:t> </a:t>
+            </a:r>
+            <a:r>
+              <a:rPr lang="en-US" dirty="0" err="1"/>
+              <a:t>dụng</a:t>
+            </a:r>
+            <a:r>
+              <a:rPr lang="en-US" dirty="0"/>
+              <a:t> </a:t>
+            </a:r>
+            <a:r>
+              <a:rPr lang="en-US" dirty="0" err="1"/>
+              <a:t>của</a:t>
+            </a:r>
+            <a:r>
+              <a:rPr lang="en-US" dirty="0"/>
+              <a:t> </a:t>
+            </a:r>
+            <a:r>
+              <a:rPr lang="en-US" dirty="0" err="1"/>
+              <a:t>phương</a:t>
+            </a:r>
+            <a:r>
+              <a:rPr lang="en-US" dirty="0"/>
+              <a:t> </a:t>
+            </a:r>
+            <a:r>
+              <a:rPr lang="en-US" dirty="0" err="1"/>
+              <a:t>pháp</a:t>
+            </a:r>
+            <a:r>
+              <a:rPr lang="en-US" dirty="0"/>
+              <a:t> </a:t>
+            </a:r>
+            <a:r>
+              <a:rPr lang="en-US" dirty="0" err="1"/>
+              <a:t>đề</a:t>
+            </a:r>
+            <a:r>
+              <a:rPr lang="en-US" dirty="0"/>
+              <a:t> </a:t>
+            </a:r>
+            <a:r>
+              <a:rPr lang="en-US" dirty="0" err="1"/>
+              <a:t>xuất</a:t>
+            </a:r>
+            <a:r>
+              <a:rPr lang="en-US" dirty="0"/>
+              <a:t> </a:t>
+            </a:r>
+            <a:r>
+              <a:rPr lang="en-US" dirty="0" err="1"/>
+              <a:t>trên</a:t>
+            </a:r>
+            <a:r>
+              <a:rPr lang="en-US" dirty="0"/>
+              <a:t> </a:t>
+            </a:r>
+            <a:r>
+              <a:rPr lang="en-US" dirty="0" err="1"/>
+              <a:t>dữ</a:t>
+            </a:r>
+            <a:r>
+              <a:rPr lang="en-US" dirty="0"/>
+              <a:t> </a:t>
+            </a:r>
+            <a:r>
+              <a:rPr lang="en-US" dirty="0" err="1"/>
+              <a:t>liệu</a:t>
+            </a:r>
+            <a:r>
+              <a:rPr lang="en-US" dirty="0"/>
+              <a:t> </a:t>
+            </a:r>
+            <a:r>
+              <a:rPr lang="en-US" dirty="0" err="1"/>
+              <a:t>quy</a:t>
+            </a:r>
+            <a:r>
+              <a:rPr lang="en-US" dirty="0"/>
+              <a:t> </a:t>
+            </a:r>
+            <a:r>
+              <a:rPr lang="en-US" dirty="0" err="1"/>
+              <a:t>mô</a:t>
+            </a:r>
+            <a:r>
+              <a:rPr lang="en-US" dirty="0"/>
+              <a:t> </a:t>
+            </a:r>
+            <a:r>
+              <a:rPr lang="en-US" dirty="0" err="1"/>
+              <a:t>lớn</a:t>
+            </a:r>
+            <a:r>
+              <a:rPr lang="en-US" dirty="0"/>
+              <a:t> </a:t>
+            </a:r>
+            <a:r>
+              <a:rPr lang="en-US" dirty="0" err="1"/>
+              <a:t>hơn</a:t>
+            </a:r>
+            <a:r>
+              <a:rPr lang="en-US" dirty="0"/>
+              <a:t>. </a:t>
+            </a:r>
+            <a:r>
+              <a:rPr lang="en-US" dirty="0" err="1"/>
+              <a:t>Tuy</a:t>
+            </a:r>
+            <a:r>
+              <a:rPr lang="en-US" dirty="0"/>
+              <a:t> </a:t>
+            </a:r>
+            <a:r>
+              <a:rPr lang="en-US" dirty="0" err="1"/>
+              <a:t>nhiên</a:t>
+            </a:r>
+            <a:r>
+              <a:rPr lang="en-US" dirty="0"/>
+              <a:t> do </a:t>
+            </a:r>
+            <a:r>
+              <a:rPr lang="en-US" dirty="0" err="1"/>
+              <a:t>hạn</a:t>
+            </a:r>
+            <a:r>
+              <a:rPr lang="en-US" dirty="0"/>
+              <a:t> </a:t>
+            </a:r>
+            <a:r>
+              <a:rPr lang="en-US" dirty="0" err="1"/>
+              <a:t>chế</a:t>
+            </a:r>
+            <a:r>
+              <a:rPr lang="en-US" dirty="0"/>
+              <a:t> </a:t>
+            </a:r>
+            <a:r>
+              <a:rPr lang="en-US" dirty="0" err="1"/>
+              <a:t>về</a:t>
+            </a:r>
+            <a:r>
+              <a:rPr lang="en-US" dirty="0"/>
+              <a:t> </a:t>
+            </a:r>
+            <a:r>
+              <a:rPr lang="en-US" dirty="0" err="1"/>
+              <a:t>tài</a:t>
+            </a:r>
+            <a:r>
+              <a:rPr lang="en-US" dirty="0"/>
+              <a:t> </a:t>
+            </a:r>
+            <a:r>
+              <a:rPr lang="en-US" dirty="0" err="1"/>
+              <a:t>nguyên</a:t>
+            </a:r>
+            <a:r>
+              <a:rPr lang="en-US" dirty="0"/>
+              <a:t> </a:t>
+            </a:r>
+            <a:r>
+              <a:rPr lang="en-US" dirty="0" err="1"/>
+              <a:t>xử</a:t>
+            </a:r>
+            <a:r>
+              <a:rPr lang="en-US" dirty="0"/>
+              <a:t> </a:t>
+            </a:r>
+            <a:r>
+              <a:rPr lang="en-US" dirty="0" err="1"/>
+              <a:t>lý</a:t>
+            </a:r>
+            <a:r>
+              <a:rPr lang="en-US" dirty="0"/>
+              <a:t> </a:t>
+            </a:r>
+            <a:r>
+              <a:rPr lang="en-US" dirty="0" err="1"/>
+              <a:t>và</a:t>
+            </a:r>
+            <a:r>
+              <a:rPr lang="en-US" dirty="0"/>
+              <a:t> </a:t>
+            </a:r>
+            <a:r>
+              <a:rPr lang="en-US" dirty="0" err="1"/>
+              <a:t>lưu</a:t>
+            </a:r>
+            <a:r>
+              <a:rPr lang="en-US" dirty="0"/>
+              <a:t> </a:t>
+            </a:r>
+            <a:r>
+              <a:rPr lang="en-US" dirty="0" err="1"/>
+              <a:t>trữ</a:t>
+            </a:r>
+            <a:r>
+              <a:rPr lang="en-US" dirty="0"/>
+              <a:t>, </a:t>
+            </a:r>
+            <a:r>
+              <a:rPr lang="en-US" dirty="0" err="1"/>
+              <a:t>đề</a:t>
+            </a:r>
+            <a:r>
+              <a:rPr lang="en-US" dirty="0"/>
+              <a:t> </a:t>
+            </a:r>
+            <a:r>
+              <a:rPr lang="en-US" dirty="0" err="1"/>
+              <a:t>tài</a:t>
+            </a:r>
+            <a:r>
+              <a:rPr lang="en-US" dirty="0"/>
+              <a:t> </a:t>
+            </a:r>
+            <a:r>
+              <a:rPr lang="en-US" dirty="0" err="1"/>
+              <a:t>xem</a:t>
+            </a:r>
+            <a:r>
+              <a:rPr lang="en-US" dirty="0"/>
+              <a:t> </a:t>
+            </a:r>
+            <a:r>
+              <a:rPr lang="en-US" dirty="0" err="1"/>
+              <a:t>đây</a:t>
+            </a:r>
+            <a:r>
+              <a:rPr lang="en-US" dirty="0"/>
+              <a:t> </a:t>
+            </a:r>
+            <a:r>
+              <a:rPr lang="en-US" dirty="0" err="1"/>
+              <a:t>là</a:t>
+            </a:r>
+            <a:r>
+              <a:rPr lang="en-US" dirty="0"/>
+              <a:t> </a:t>
+            </a:r>
+            <a:r>
+              <a:rPr lang="en-US" dirty="0" err="1"/>
+              <a:t>hướng</a:t>
+            </a:r>
+            <a:r>
+              <a:rPr lang="en-US" dirty="0"/>
+              <a:t> </a:t>
+            </a:r>
+            <a:r>
+              <a:rPr lang="en-US" dirty="0" err="1"/>
+              <a:t>phát</a:t>
+            </a:r>
+            <a:r>
+              <a:rPr lang="en-US" dirty="0"/>
+              <a:t> </a:t>
+            </a:r>
+            <a:r>
+              <a:rPr lang="en-US" dirty="0" err="1"/>
+              <a:t>triển</a:t>
+            </a:r>
+            <a:r>
+              <a:rPr lang="en-US" dirty="0"/>
+              <a:t> </a:t>
+            </a:r>
+            <a:r>
+              <a:rPr lang="en-US" dirty="0" err="1"/>
+              <a:t>tương</a:t>
+            </a:r>
+            <a:r>
+              <a:rPr lang="en-US" dirty="0"/>
+              <a:t> </a:t>
+            </a:r>
+            <a:r>
+              <a:rPr lang="en-US" dirty="0" err="1"/>
+              <a:t>lai</a:t>
+            </a:r>
+            <a:r>
+              <a:rPr lang="en-US" dirty="0"/>
+              <a:t>.</a:t>
+            </a:r>
+          </a:p>
+        </p:txBody>
+      </p:sp>
+      <p:sp>
+        <p:nvSpPr>
+          <p:cNvPr id="4" name="Slide Number Placeholder 3"/>
+          <p:cNvSpPr>
+            <a:spLocks noGrp="1"/>
+          </p:cNvSpPr>
+          <p:nvPr>
+            <p:ph type="sldNum" sz="quarter" idx="12"/>
+          </p:nvPr>
+        </p:nvSpPr>
+        <p:spPr/>
+        <p:txBody>
+          <a:bodyPr/>
+          <a:lstStyle/>
+          <a:p>
+            <a:fld id="{09BCD257-A602-407A-A5C5-1B58A212E395}" type="slidenum">
+              <a:rPr lang="en-US" smtClean="0"/>
+              <a:t>19</a:t>
+            </a:fld>
+            <a:endParaRPr lang="en-US"/>
           </a:p>
         </p:txBody>
       </p:sp>
     </p:spTree>
     <p:extLst>
       <p:ext uri="{BB962C8B-B14F-4D97-AF65-F5344CB8AC3E}">
-        <p14:creationId xmlns:p14="http://schemas.microsoft.com/office/powerpoint/2010/main" val="3236838089"/>
+        <p14:creationId xmlns:p14="http://schemas.microsoft.com/office/powerpoint/2010/main" val="1555628879"/>
       </p:ext>
     </p:extLst>
   </p:cSld>
@@ -6730,6 +11714,29 @@
               <a:latin typeface="Arial" panose="020B0604020202020204" pitchFamily="34" charset="0"/>
               <a:cs typeface="Arial" panose="020B0604020202020204" pitchFamily="34" charset="0"/>
             </a:endParaRPr>
+          </a:p>
+        </p:txBody>
+      </p:sp>
+      <p:sp>
+        <p:nvSpPr>
+          <p:cNvPr id="4" name="Slide Number Placeholder 3"/>
+          <p:cNvSpPr>
+            <a:spLocks noGrp="1"/>
+          </p:cNvSpPr>
+          <p:nvPr>
+            <p:ph type="sldNum" sz="quarter" idx="12"/>
+          </p:nvPr>
+        </p:nvSpPr>
+        <p:spPr/>
+        <p:txBody>
+          <a:bodyPr/>
+          <a:lstStyle/>
+          <a:p>
+            <a:fld id="{09BCD257-A602-407A-A5C5-1B58A212E395}" type="slidenum">
+              <a:rPr lang="en-US" smtClean="0"/>
+              <a:t>2</a:t>
+            </a:fld>
+            <a:endParaRPr lang="en-US"/>
           </a:p>
         </p:txBody>
       </p:sp>
@@ -7019,6 +12026,29 @@
           </a:p>
         </p:txBody>
       </p:sp>
+      <p:sp>
+        <p:nvSpPr>
+          <p:cNvPr id="4" name="Slide Number Placeholder 3"/>
+          <p:cNvSpPr>
+            <a:spLocks noGrp="1"/>
+          </p:cNvSpPr>
+          <p:nvPr>
+            <p:ph type="sldNum" sz="quarter" idx="12"/>
+          </p:nvPr>
+        </p:nvSpPr>
+        <p:spPr/>
+        <p:txBody>
+          <a:bodyPr/>
+          <a:lstStyle/>
+          <a:p>
+            <a:fld id="{09BCD257-A602-407A-A5C5-1B58A212E395}" type="slidenum">
+              <a:rPr lang="en-US" smtClean="0"/>
+              <a:t>3</a:t>
+            </a:fld>
+            <a:endParaRPr lang="en-US"/>
+          </a:p>
+        </p:txBody>
+      </p:sp>
     </p:spTree>
     <p:extLst>
       <p:ext uri="{BB962C8B-B14F-4D97-AF65-F5344CB8AC3E}">
@@ -7430,6 +12460,29 @@
               <a:t>.</a:t>
             </a:r>
             <a:endParaRPr lang="en-US" dirty="0"/>
+          </a:p>
+        </p:txBody>
+      </p:sp>
+      <p:sp>
+        <p:nvSpPr>
+          <p:cNvPr id="4" name="Slide Number Placeholder 3"/>
+          <p:cNvSpPr>
+            <a:spLocks noGrp="1"/>
+          </p:cNvSpPr>
+          <p:nvPr>
+            <p:ph type="sldNum" sz="quarter" idx="12"/>
+          </p:nvPr>
+        </p:nvSpPr>
+        <p:spPr/>
+        <p:txBody>
+          <a:bodyPr/>
+          <a:lstStyle/>
+          <a:p>
+            <a:fld id="{09BCD257-A602-407A-A5C5-1B58A212E395}" type="slidenum">
+              <a:rPr lang="en-US" smtClean="0"/>
+              <a:t>4</a:t>
+            </a:fld>
+            <a:endParaRPr lang="en-US"/>
           </a:p>
         </p:txBody>
       </p:sp>
@@ -8489,6 +13542,29 @@
           </p:sp>
         </mc:Fallback>
       </mc:AlternateContent>
+      <p:sp>
+        <p:nvSpPr>
+          <p:cNvPr id="4" name="Slide Number Placeholder 3"/>
+          <p:cNvSpPr>
+            <a:spLocks noGrp="1"/>
+          </p:cNvSpPr>
+          <p:nvPr>
+            <p:ph type="sldNum" sz="quarter" idx="12"/>
+          </p:nvPr>
+        </p:nvSpPr>
+        <p:spPr/>
+        <p:txBody>
+          <a:bodyPr/>
+          <a:lstStyle/>
+          <a:p>
+            <a:fld id="{09BCD257-A602-407A-A5C5-1B58A212E395}" type="slidenum">
+              <a:rPr lang="en-US" smtClean="0"/>
+              <a:t>5</a:t>
+            </a:fld>
+            <a:endParaRPr lang="en-US"/>
+          </a:p>
+        </p:txBody>
+      </p:sp>
     </p:spTree>
     <p:extLst>
       <p:ext uri="{BB962C8B-B14F-4D97-AF65-F5344CB8AC3E}">
@@ -9642,6 +14718,29 @@
           <a:lstStyle/>
           <a:p>
             <a:pPr algn="ctr"/>
+            <a:endParaRPr lang="en-US"/>
+          </a:p>
+        </p:txBody>
+      </p:sp>
+      <p:sp>
+        <p:nvSpPr>
+          <p:cNvPr id="8" name="Slide Number Placeholder 7"/>
+          <p:cNvSpPr>
+            <a:spLocks noGrp="1"/>
+          </p:cNvSpPr>
+          <p:nvPr>
+            <p:ph type="sldNum" sz="quarter" idx="12"/>
+          </p:nvPr>
+        </p:nvSpPr>
+        <p:spPr/>
+        <p:txBody>
+          <a:bodyPr/>
+          <a:lstStyle/>
+          <a:p>
+            <a:fld id="{09BCD257-A602-407A-A5C5-1B58A212E395}" type="slidenum">
+              <a:rPr lang="en-US" smtClean="0"/>
+              <a:t>6</a:t>
+            </a:fld>
             <a:endParaRPr lang="en-US"/>
           </a:p>
         </p:txBody>
@@ -10604,6 +15703,29 @@
           </a:p>
         </p:txBody>
       </p:sp>
+      <p:sp>
+        <p:nvSpPr>
+          <p:cNvPr id="9" name="Slide Number Placeholder 8"/>
+          <p:cNvSpPr>
+            <a:spLocks noGrp="1"/>
+          </p:cNvSpPr>
+          <p:nvPr>
+            <p:ph type="sldNum" sz="quarter" idx="12"/>
+          </p:nvPr>
+        </p:nvSpPr>
+        <p:spPr/>
+        <p:txBody>
+          <a:bodyPr/>
+          <a:lstStyle/>
+          <a:p>
+            <a:fld id="{09BCD257-A602-407A-A5C5-1B58A212E395}" type="slidenum">
+              <a:rPr lang="en-US" smtClean="0"/>
+              <a:t>7</a:t>
+            </a:fld>
+            <a:endParaRPr lang="en-US"/>
+          </a:p>
+        </p:txBody>
+      </p:sp>
     </p:spTree>
     <p:extLst>
       <p:ext uri="{BB962C8B-B14F-4D97-AF65-F5344CB8AC3E}">
@@ -10837,6 +15959,29 @@
           </a:p>
         </p:txBody>
       </p:sp>
+      <p:sp>
+        <p:nvSpPr>
+          <p:cNvPr id="3" name="Slide Number Placeholder 2"/>
+          <p:cNvSpPr>
+            <a:spLocks noGrp="1"/>
+          </p:cNvSpPr>
+          <p:nvPr>
+            <p:ph type="sldNum" sz="quarter" idx="12"/>
+          </p:nvPr>
+        </p:nvSpPr>
+        <p:spPr/>
+        <p:txBody>
+          <a:bodyPr/>
+          <a:lstStyle/>
+          <a:p>
+            <a:fld id="{09BCD257-A602-407A-A5C5-1B58A212E395}" type="slidenum">
+              <a:rPr lang="en-US" smtClean="0"/>
+              <a:t>8</a:t>
+            </a:fld>
+            <a:endParaRPr lang="en-US"/>
+          </a:p>
+        </p:txBody>
+      </p:sp>
     </p:spTree>
     <p:extLst>
       <p:ext uri="{BB962C8B-B14F-4D97-AF65-F5344CB8AC3E}">
@@ -11260,6 +16405,29 @@
               <a:rPr lang="en-US" dirty="0"/>
               <a:t>ertical)</a:t>
             </a:r>
+          </a:p>
+        </p:txBody>
+      </p:sp>
+      <p:sp>
+        <p:nvSpPr>
+          <p:cNvPr id="4" name="Slide Number Placeholder 3"/>
+          <p:cNvSpPr>
+            <a:spLocks noGrp="1"/>
+          </p:cNvSpPr>
+          <p:nvPr>
+            <p:ph type="sldNum" sz="quarter" idx="12"/>
+          </p:nvPr>
+        </p:nvSpPr>
+        <p:spPr/>
+        <p:txBody>
+          <a:bodyPr/>
+          <a:lstStyle/>
+          <a:p>
+            <a:fld id="{09BCD257-A602-407A-A5C5-1B58A212E395}" type="slidenum">
+              <a:rPr lang="en-US" smtClean="0"/>
+              <a:t>9</a:t>
+            </a:fld>
+            <a:endParaRPr lang="en-US"/>
           </a:p>
         </p:txBody>
       </p:sp>
@@ -11475,4 +16643,265 @@
     </a:ext>
   </a:extLst>
 </a:theme>
+</file>
+
+<file path=ppt/theme/theme2.xml><?xml version="1.0" encoding="utf-8"?>
+<a:theme xmlns:a="http://schemas.openxmlformats.org/drawingml/2006/main" name="Office Theme">
+  <a:themeElements>
+    <a:clrScheme name="Office">
+      <a:dk1>
+        <a:sysClr val="windowText" lastClr="000000"/>
+      </a:dk1>
+      <a:lt1>
+        <a:sysClr val="window" lastClr="FFFFFF"/>
+      </a:lt1>
+      <a:dk2>
+        <a:srgbClr val="44546A"/>
+      </a:dk2>
+      <a:lt2>
+        <a:srgbClr val="E7E6E6"/>
+      </a:lt2>
+      <a:accent1>
+        <a:srgbClr val="5B9BD5"/>
+      </a:accent1>
+      <a:accent2>
+        <a:srgbClr val="ED7D31"/>
+      </a:accent2>
+      <a:accent3>
+        <a:srgbClr val="A5A5A5"/>
+      </a:accent3>
+      <a:accent4>
+        <a:srgbClr val="FFC000"/>
+      </a:accent4>
+      <a:accent5>
+        <a:srgbClr val="4472C4"/>
+      </a:accent5>
+      <a:accent6>
+        <a:srgbClr val="70AD47"/>
+      </a:accent6>
+      <a:hlink>
+        <a:srgbClr val="0563C1"/>
+      </a:hlink>
+      <a:folHlink>
+        <a:srgbClr val="954F72"/>
+      </a:folHlink>
+    </a:clrScheme>
+    <a:fontScheme name="Office">
+      <a:majorFont>
+        <a:latin typeface="Calibri Light" panose="020F0302020204030204"/>
+        <a:ea typeface=""/>
+        <a:cs typeface=""/>
+        <a:font script="Jpan" typeface="ＭＳ Ｐゴシック"/>
+        <a:font script="Hang" typeface="맑은 고딕"/>
+        <a:font script="Hans" typeface="宋体"/>
+        <a:font script="Hant" typeface="新細明體"/>
+        <a:font script="Arab" typeface="Times New Roman"/>
+        <a:font script="Hebr" typeface="Times New Roman"/>
+        <a:font script="Thai" typeface="Angsana New"/>
+        <a:font script="Ethi" typeface="Nyala"/>
+        <a:font script="Beng" typeface="Vrinda"/>
+        <a:font script="Gujr" typeface="Shruti"/>
+        <a:font script="Khmr" typeface="MoolBoran"/>
+        <a:font script="Knda" typeface="Tunga"/>
+        <a:font script="Guru" typeface="Raavi"/>
+        <a:font script="Cans" typeface="Euphemia"/>
+        <a:font script="Cher" typeface="Plantagenet Cherokee"/>
+        <a:font script="Yiii" typeface="Microsoft Yi Baiti"/>
+        <a:font script="Tibt" typeface="Microsoft Himalaya"/>
+        <a:font script="Thaa" typeface="MV Boli"/>
+        <a:font script="Deva" typeface="Mangal"/>
+        <a:font script="Telu" typeface="Gautami"/>
+        <a:font script="Taml" typeface="Latha"/>
+        <a:font script="Syrc" typeface="Estrangelo Edessa"/>
+        <a:font script="Orya" typeface="Kalinga"/>
+        <a:font script="Mlym" typeface="Kartika"/>
+        <a:font script="Laoo" typeface="DokChampa"/>
+        <a:font script="Sinh" typeface="Iskoola Pota"/>
+        <a:font script="Mong" typeface="Mongolian Baiti"/>
+        <a:font script="Viet" typeface="Times New Roman"/>
+        <a:font script="Uigh" typeface="Microsoft Uighur"/>
+        <a:font script="Geor" typeface="Sylfaen"/>
+      </a:majorFont>
+      <a:minorFont>
+        <a:latin typeface="Calibri" panose="020F0502020204030204"/>
+        <a:ea typeface=""/>
+        <a:cs typeface=""/>
+        <a:font script="Jpan" typeface="ＭＳ Ｐゴシック"/>
+        <a:font script="Hang" typeface="맑은 고딕"/>
+        <a:font script="Hans" typeface="宋体"/>
+        <a:font script="Hant" typeface="新細明體"/>
+        <a:font script="Arab" typeface="Arial"/>
+        <a:font script="Hebr" typeface="Arial"/>
+        <a:font script="Thai" typeface="Cordia New"/>
+        <a:font script="Ethi" typeface="Nyala"/>
+        <a:font script="Beng" typeface="Vrinda"/>
+        <a:font script="Gujr" typeface="Shruti"/>
+        <a:font script="Khmr" typeface="DaunPenh"/>
+        <a:font script="Knda" typeface="Tunga"/>
+        <a:font script="Guru" typeface="Raavi"/>
+        <a:font script="Cans" typeface="Euphemia"/>
+        <a:font script="Cher" typeface="Plantagenet Cherokee"/>
+        <a:font script="Yiii" typeface="Microsoft Yi Baiti"/>
+        <a:font script="Tibt" typeface="Microsoft Himalaya"/>
+        <a:font script="Thaa" typeface="MV Boli"/>
+        <a:font script="Deva" typeface="Mangal"/>
+        <a:font script="Telu" typeface="Gautami"/>
+        <a:font script="Taml" typeface="Latha"/>
+        <a:font script="Syrc" typeface="Estrangelo Edessa"/>
+        <a:font script="Orya" typeface="Kalinga"/>
+        <a:font script="Mlym" typeface="Kartika"/>
+        <a:font script="Laoo" typeface="DokChampa"/>
+        <a:font script="Sinh" typeface="Iskoola Pota"/>
+        <a:font script="Mong" typeface="Mongolian Baiti"/>
+        <a:font script="Viet" typeface="Arial"/>
+        <a:font script="Uigh" typeface="Microsoft Uighur"/>
+        <a:font script="Geor" typeface="Sylfaen"/>
+      </a:minorFont>
+    </a:fontScheme>
+    <a:fmtScheme name="Office">
+      <a:fillStyleLst>
+        <a:solidFill>
+          <a:schemeClr val="phClr"/>
+        </a:solidFill>
+        <a:gradFill rotWithShape="1">
+          <a:gsLst>
+            <a:gs pos="0">
+              <a:schemeClr val="phClr">
+                <a:lumMod val="110000"/>
+                <a:satMod val="105000"/>
+                <a:tint val="67000"/>
+              </a:schemeClr>
+            </a:gs>
+            <a:gs pos="50000">
+              <a:schemeClr val="phClr">
+                <a:lumMod val="105000"/>
+                <a:satMod val="103000"/>
+                <a:tint val="73000"/>
+              </a:schemeClr>
+            </a:gs>
+            <a:gs pos="100000">
+              <a:schemeClr val="phClr">
+                <a:lumMod val="105000"/>
+                <a:satMod val="109000"/>
+                <a:tint val="81000"/>
+              </a:schemeClr>
+            </a:gs>
+          </a:gsLst>
+          <a:lin ang="5400000" scaled="0"/>
+        </a:gradFill>
+        <a:gradFill rotWithShape="1">
+          <a:gsLst>
+            <a:gs pos="0">
+              <a:schemeClr val="phClr">
+                <a:satMod val="103000"/>
+                <a:lumMod val="102000"/>
+                <a:tint val="94000"/>
+              </a:schemeClr>
+            </a:gs>
+            <a:gs pos="50000">
+              <a:schemeClr val="phClr">
+                <a:satMod val="110000"/>
+                <a:lumMod val="100000"/>
+                <a:shade val="100000"/>
+              </a:schemeClr>
+            </a:gs>
+            <a:gs pos="100000">
+              <a:schemeClr val="phClr">
+                <a:lumMod val="99000"/>
+                <a:satMod val="120000"/>
+                <a:shade val="78000"/>
+              </a:schemeClr>
+            </a:gs>
+          </a:gsLst>
+          <a:lin ang="5400000" scaled="0"/>
+        </a:gradFill>
+      </a:fillStyleLst>
+      <a:lnStyleLst>
+        <a:ln w="6350" cap="flat" cmpd="sng" algn="ctr">
+          <a:solidFill>
+            <a:schemeClr val="phClr"/>
+          </a:solidFill>
+          <a:prstDash val="solid"/>
+          <a:miter lim="800000"/>
+        </a:ln>
+        <a:ln w="12700" cap="flat" cmpd="sng" algn="ctr">
+          <a:solidFill>
+            <a:schemeClr val="phClr"/>
+          </a:solidFill>
+          <a:prstDash val="solid"/>
+          <a:miter lim="800000"/>
+        </a:ln>
+        <a:ln w="19050" cap="flat" cmpd="sng" algn="ctr">
+          <a:solidFill>
+            <a:schemeClr val="phClr"/>
+          </a:solidFill>
+          <a:prstDash val="solid"/>
+          <a:miter lim="800000"/>
+        </a:ln>
+      </a:lnStyleLst>
+      <a:effectStyleLst>
+        <a:effectStyle>
+          <a:effectLst/>
+        </a:effectStyle>
+        <a:effectStyle>
+          <a:effectLst/>
+        </a:effectStyle>
+        <a:effectStyle>
+          <a:effectLst>
+            <a:outerShdw blurRad="57150" dist="19050" dir="5400000" algn="ctr" rotWithShape="0">
+              <a:srgbClr val="000000">
+                <a:alpha val="63000"/>
+              </a:srgbClr>
+            </a:outerShdw>
+          </a:effectLst>
+        </a:effectStyle>
+      </a:effectStyleLst>
+      <a:bgFillStyleLst>
+        <a:solidFill>
+          <a:schemeClr val="phClr"/>
+        </a:solidFill>
+        <a:solidFill>
+          <a:schemeClr val="phClr">
+            <a:tint val="95000"/>
+            <a:satMod val="170000"/>
+          </a:schemeClr>
+        </a:solidFill>
+        <a:gradFill rotWithShape="1">
+          <a:gsLst>
+            <a:gs pos="0">
+              <a:schemeClr val="phClr">
+                <a:tint val="93000"/>
+                <a:satMod val="150000"/>
+                <a:shade val="98000"/>
+                <a:lumMod val="102000"/>
+              </a:schemeClr>
+            </a:gs>
+            <a:gs pos="50000">
+              <a:schemeClr val="phClr">
+                <a:tint val="98000"/>
+                <a:satMod val="130000"/>
+                <a:shade val="90000"/>
+                <a:lumMod val="103000"/>
+              </a:schemeClr>
+            </a:gs>
+            <a:gs pos="100000">
+              <a:schemeClr val="phClr">
+                <a:shade val="63000"/>
+                <a:satMod val="120000"/>
+              </a:schemeClr>
+            </a:gs>
+          </a:gsLst>
+          <a:lin ang="5400000" scaled="0"/>
+        </a:gradFill>
+      </a:bgFillStyleLst>
+    </a:fmtScheme>
+  </a:themeElements>
+  <a:objectDefaults/>
+  <a:extraClrSchemeLst/>
+  <a:extLst>
+    <a:ext uri="{05A4C25C-085E-4340-85A3-A5531E510DB2}">
+      <thm15:themeFamily xmlns:thm15="http://schemas.microsoft.com/office/thememl/2012/main" name="Office Theme" id="{62F939B6-93AF-4DB8-9C6B-D6C7DFDC589F}" vid="{4A3C46E8-61CC-4603-A589-7422A47A8E4A}"/>
+    </a:ext>
+  </a:extLst>
+</a:theme>
 </file>
--- a/Slide Bao Cao.pptx
+++ b/Slide Bao Cao.pptx
@@ -6909,8 +6909,8 @@
           </a:p>
         </p:txBody>
       </p:sp>
-      <mc:AlternateContent xmlns:mc="http://schemas.openxmlformats.org/markup-compatibility/2006">
-        <mc:Choice xmlns:a14="http://schemas.microsoft.com/office/drawing/2010/main" Requires="a14">
+      <mc:AlternateContent xmlns:mc="http://schemas.openxmlformats.org/markup-compatibility/2006" xmlns:a14="http://schemas.microsoft.com/office/drawing/2010/main">
+        <mc:Choice Requires="a14">
           <p:sp>
             <p:nvSpPr>
               <p:cNvPr id="21" name="TextBox 20"/>
@@ -7093,7 +7093,9 @@
                 <a14:m>
                   <m:oMath xmlns:m="http://schemas.openxmlformats.org/officeDocument/2006/math">
                     <m:r>
-                      <a:rPr lang="en-US" sz="1400" i="1"/>
+                      <a:rPr lang="en-US" sz="1400" i="1">
+                        <a:latin typeface="Cambria Math" panose="02040503050406030204" pitchFamily="18" charset="0"/>
+                      </a:rPr>
                       <m:t>𝑁𝑇𝐼</m:t>
                     </m:r>
                   </m:oMath>
@@ -7161,7 +7163,9 @@
                 <a14:m>
                   <m:oMath xmlns:m="http://schemas.openxmlformats.org/officeDocument/2006/math">
                     <m:r>
-                      <a:rPr lang="en-US" sz="1400" i="1"/>
+                      <a:rPr lang="en-US" sz="1400" i="1">
+                        <a:latin typeface="Cambria Math" panose="02040503050406030204" pitchFamily="18" charset="0"/>
+                      </a:rPr>
                       <m:t>𝑃𝑇</m:t>
                     </m:r>
                   </m:oMath>
@@ -7309,7 +7313,9 @@
                 <a14:m>
                   <m:oMath xmlns:m="http://schemas.openxmlformats.org/officeDocument/2006/math">
                     <m:r>
-                      <a:rPr lang="en-US" sz="1400" i="1"/>
+                      <a:rPr lang="en-US" sz="1400" i="1">
+                        <a:latin typeface="Cambria Math" panose="02040503050406030204" pitchFamily="18" charset="0"/>
+                      </a:rPr>
                       <m:t>𝑃𝑇</m:t>
                     </m:r>
                   </m:oMath>
@@ -7574,12 +7580,11 @@
                   <a:rPr lang="en-US" sz="1400" dirty="0"/>
                   <a:t> 18,152,498.</a:t>
                 </a:r>
-                <a:endParaRPr lang="en-US" sz="1400" dirty="0"/>
               </a:p>
             </p:txBody>
           </p:sp>
         </mc:Choice>
-        <mc:Fallback>
+        <mc:Fallback xmlns="">
           <p:sp>
             <p:nvSpPr>
               <p:cNvPr id="21" name="TextBox 20"/>
@@ -8512,8 +8517,8 @@
           </a:p>
         </p:txBody>
       </p:sp>
-      <mc:AlternateContent xmlns:mc="http://schemas.openxmlformats.org/markup-compatibility/2006">
-        <mc:Choice xmlns:a14="http://schemas.microsoft.com/office/drawing/2010/main" Requires="a14">
+      <mc:AlternateContent xmlns:mc="http://schemas.openxmlformats.org/markup-compatibility/2006" xmlns:a14="http://schemas.microsoft.com/office/drawing/2010/main">
+        <mc:Choice Requires="a14">
           <p:sp>
             <p:nvSpPr>
               <p:cNvPr id="14" name="TextBox 13"/>
@@ -8600,7 +8605,9 @@
                 <a14:m>
                   <m:oMath xmlns:m="http://schemas.openxmlformats.org/officeDocument/2006/math">
                     <m:r>
-                      <a:rPr lang="en-US" sz="1400" i="1"/>
+                      <a:rPr lang="en-US" sz="1400" i="1">
+                        <a:latin typeface="Cambria Math" panose="02040503050406030204" pitchFamily="18" charset="0"/>
+                      </a:rPr>
                       <m:t>𝐵𝑇</m:t>
                     </m:r>
                   </m:oMath>
@@ -8620,7 +8627,9 @@
                 <a14:m>
                   <m:oMath xmlns:m="http://schemas.openxmlformats.org/officeDocument/2006/math">
                     <m:r>
-                      <a:rPr lang="en-US" sz="1400" i="1"/>
+                      <a:rPr lang="en-US" sz="1400" i="1">
+                        <a:latin typeface="Cambria Math" panose="02040503050406030204" pitchFamily="18" charset="0"/>
+                      </a:rPr>
                       <m:t>𝐵𝑇𝐼</m:t>
                     </m:r>
                   </m:oMath>
@@ -8672,7 +8681,9 @@
                 <a14:m>
                   <m:oMath xmlns:m="http://schemas.openxmlformats.org/officeDocument/2006/math">
                     <m:r>
-                      <a:rPr lang="en-US" sz="1400" i="1"/>
+                      <a:rPr lang="en-US" sz="1400" i="1">
+                        <a:latin typeface="Cambria Math" panose="02040503050406030204" pitchFamily="18" charset="0"/>
+                      </a:rPr>
                       <m:t>𝑃𝑇</m:t>
                     </m:r>
                   </m:oMath>
@@ -8764,7 +8775,9 @@
                 <a14:m>
                   <m:oMath xmlns:m="http://schemas.openxmlformats.org/officeDocument/2006/math">
                     <m:r>
-                      <a:rPr lang="en-US" sz="1400" i="1"/>
+                      <a:rPr lang="en-US" sz="1400" i="1">
+                        <a:latin typeface="Cambria Math" panose="02040503050406030204" pitchFamily="18" charset="0"/>
+                      </a:rPr>
                       <m:t>𝐵𝑇𝐼𝑉</m:t>
                     </m:r>
                   </m:oMath>
@@ -9302,7 +9315,7 @@
             </p:txBody>
           </p:sp>
         </mc:Choice>
-        <mc:Fallback>
+        <mc:Fallback xmlns="">
           <p:sp>
             <p:nvSpPr>
               <p:cNvPr id="14" name="TextBox 13"/>
@@ -9484,8 +9497,8 @@
           </a:p>
         </p:txBody>
       </p:sp>
-      <mc:AlternateContent xmlns:mc="http://schemas.openxmlformats.org/markup-compatibility/2006">
-        <mc:Choice xmlns:a14="http://schemas.microsoft.com/office/drawing/2010/main" Requires="a14">
+      <mc:AlternateContent xmlns:mc="http://schemas.openxmlformats.org/markup-compatibility/2006" xmlns:a14="http://schemas.microsoft.com/office/drawing/2010/main">
+        <mc:Choice Requires="a14">
           <p:sp>
             <p:nvSpPr>
               <p:cNvPr id="3" name="Content Placeholder 2"/>
@@ -10351,7 +10364,7 @@
             </p:txBody>
           </p:sp>
         </mc:Choice>
-        <mc:Fallback>
+        <mc:Fallback xmlns="">
           <p:sp>
             <p:nvSpPr>
               <p:cNvPr id="3" name="Content Placeholder 2"/>
@@ -12269,6 +12282,49 @@
               <a:rPr lang="en-US" dirty="0" smtClean="0"/>
               <a:t>Web</a:t>
             </a:r>
+          </a:p>
+          <a:p>
+            <a:r>
+              <a:rPr lang="en-US" dirty="0" err="1" smtClean="0"/>
+              <a:t>Hệ</a:t>
+            </a:r>
+            <a:r>
+              <a:rPr lang="en-US" dirty="0" smtClean="0"/>
+              <a:t> </a:t>
+            </a:r>
+            <a:r>
+              <a:rPr lang="en-US" dirty="0" err="1" smtClean="0"/>
+              <a:t>thống</a:t>
+            </a:r>
+            <a:r>
+              <a:rPr lang="en-US" dirty="0" smtClean="0"/>
+              <a:t> </a:t>
+            </a:r>
+            <a:r>
+              <a:rPr lang="en-US" dirty="0" err="1" smtClean="0"/>
+              <a:t>đưa</a:t>
+            </a:r>
+            <a:r>
+              <a:rPr lang="en-US" dirty="0" smtClean="0"/>
+              <a:t> </a:t>
+            </a:r>
+            <a:r>
+              <a:rPr lang="en-US" dirty="0" err="1" smtClean="0"/>
+              <a:t>ra</a:t>
+            </a:r>
+            <a:r>
+              <a:rPr lang="en-US" dirty="0" smtClean="0"/>
+              <a:t> </a:t>
+            </a:r>
+            <a:r>
+              <a:rPr lang="en-US" dirty="0" err="1" smtClean="0"/>
+              <a:t>gợi</a:t>
+            </a:r>
+            <a:r>
+              <a:rPr lang="en-US" smtClean="0"/>
+              <a:t> ý</a:t>
+            </a:r>
+            <a:endParaRPr lang="en-US" dirty="0" smtClean="0"/>
           </a:p>
           <a:p>
             <a:r>
